--- a/프로젝트 1차 발표/발표ppt러프하게.pptx
+++ b/프로젝트 1차 발표/발표ppt러프하게.pptx
@@ -107,6 +107,11 @@
       </a:defRPr>
     </a:lvl9pPr>
   </p:defaultTextStyle>
+  <p:extLst>
+    <p:ext uri="{EFAFB233-063F-42B5-8137-9DF3F51BA10A}">
+      <p15:sldGuideLst xmlns:p15="http://schemas.microsoft.com/office/powerpoint/2012/main"/>
+    </p:ext>
+  </p:extLst>
 </p:presentation>
 </file>
 
@@ -3510,8 +3515,8 @@
         </p:nvSpPr>
         <p:spPr>
           <a:xfrm>
-            <a:off x="431321" y="2216988"/>
-            <a:ext cx="11958723" cy="923330"/>
+            <a:off x="431321" y="2967335"/>
+            <a:ext cx="11958723" cy="1200329"/>
           </a:xfrm>
           <a:prstGeom prst="rect">
             <a:avLst/>
@@ -3588,6 +3593,143 @@
             <a:r>
               <a:rPr lang="en-US" altLang="ko-KR"/>
               <a:t>;)</a:t>
+            </a:r>
+          </a:p>
+          <a:p>
+            <a:r>
+              <a:rPr lang="en-US" altLang="ko-KR"/>
+              <a:t>                                                                  (1</a:t>
+            </a:r>
+            <a:r>
+              <a:rPr lang="ko-KR" altLang="en-US"/>
+              <a:t>회차는 스토리모드 느낌으로다가 난이도 쉽게</a:t>
+            </a:r>
+            <a:r>
+              <a:rPr lang="en-US" altLang="ko-KR"/>
+              <a:t>)</a:t>
+            </a:r>
+          </a:p>
+        </p:txBody>
+      </p:sp>
+      <p:sp>
+        <p:nvSpPr>
+          <p:cNvPr id="2" name="TextBox 1">
+            <a:extLst>
+              <a:ext uri="{FF2B5EF4-FFF2-40B4-BE49-F238E27FC236}">
+                <a16:creationId xmlns:a16="http://schemas.microsoft.com/office/drawing/2014/main" id="{24B398CE-61FF-9759-9FFE-F8941CC176BC}"/>
+              </a:ext>
+            </a:extLst>
+          </p:cNvPr>
+          <p:cNvSpPr txBox="1"/>
+          <p:nvPr/>
+        </p:nvSpPr>
+        <p:spPr>
+          <a:xfrm>
+            <a:off x="431320" y="4010163"/>
+            <a:ext cx="4188967" cy="369332"/>
+          </a:xfrm>
+          <a:prstGeom prst="rect">
+            <a:avLst/>
+          </a:prstGeom>
+          <a:noFill/>
+        </p:spPr>
+        <p:txBody>
+          <a:bodyPr wrap="none" rtlCol="0">
+            <a:spAutoFit/>
+          </a:bodyPr>
+          <a:lstStyle/>
+          <a:p>
+            <a:r>
+              <a:rPr lang="ko-KR" altLang="en-US"/>
+              <a:t>목표 </a:t>
+            </a:r>
+            <a:r>
+              <a:rPr lang="en-US" altLang="ko-KR"/>
+              <a:t>: </a:t>
+            </a:r>
+            <a:r>
+              <a:rPr lang="ko-KR" altLang="en-US"/>
+              <a:t>마왕을 물리치고 저주를 푸는 것</a:t>
+            </a:r>
+            <a:endParaRPr lang="en-US" altLang="ko-KR"/>
+          </a:p>
+        </p:txBody>
+      </p:sp>
+      <p:sp>
+        <p:nvSpPr>
+          <p:cNvPr id="3" name="TextBox 2">
+            <a:extLst>
+              <a:ext uri="{FF2B5EF4-FFF2-40B4-BE49-F238E27FC236}">
+                <a16:creationId xmlns:a16="http://schemas.microsoft.com/office/drawing/2014/main" id="{C4C338E9-BD67-F52A-A800-3DA674F7AF36}"/>
+              </a:ext>
+            </a:extLst>
+          </p:cNvPr>
+          <p:cNvSpPr txBox="1"/>
+          <p:nvPr/>
+        </p:nvSpPr>
+        <p:spPr>
+          <a:xfrm>
+            <a:off x="431320" y="2255414"/>
+            <a:ext cx="10522432" cy="369332"/>
+          </a:xfrm>
+          <a:prstGeom prst="rect">
+            <a:avLst/>
+          </a:prstGeom>
+          <a:noFill/>
+        </p:spPr>
+        <p:txBody>
+          <a:bodyPr wrap="none" rtlCol="0">
+            <a:spAutoFit/>
+          </a:bodyPr>
+          <a:lstStyle/>
+          <a:p>
+            <a:r>
+              <a:rPr lang="ko-KR" altLang="en-US"/>
+              <a:t>서브 시스템 </a:t>
+            </a:r>
+            <a:r>
+              <a:rPr lang="en-US" altLang="ko-KR"/>
+              <a:t>: </a:t>
+            </a:r>
+            <a:r>
+              <a:rPr lang="ko-KR" altLang="en-US"/>
+              <a:t>방패</a:t>
+            </a:r>
+            <a:r>
+              <a:rPr lang="en-US" altLang="ko-KR"/>
+              <a:t>(</a:t>
+            </a:r>
+            <a:r>
+              <a:rPr lang="ko-KR" altLang="en-US"/>
+              <a:t>에 따른 특수효과</a:t>
+            </a:r>
+            <a:r>
+              <a:rPr lang="en-US" altLang="ko-KR"/>
+              <a:t>, </a:t>
+            </a:r>
+            <a:r>
+              <a:rPr lang="ko-KR" altLang="en-US"/>
+              <a:t>수집시스템까지</a:t>
+            </a:r>
+            <a:r>
+              <a:rPr lang="en-US" altLang="ko-KR"/>
+              <a:t>), </a:t>
+            </a:r>
+            <a:r>
+              <a:rPr lang="ko-KR" altLang="en-US"/>
+              <a:t>강화</a:t>
+            </a:r>
+            <a:r>
+              <a:rPr lang="en-US" altLang="ko-KR"/>
+              <a:t>(</a:t>
+            </a:r>
+            <a:r>
+              <a:rPr lang="ko-KR" altLang="en-US"/>
+              <a:t>로그라이트이기 때문에 이런 요소 필수</a:t>
+            </a:r>
+            <a:r>
+              <a:rPr lang="en-US" altLang="ko-KR"/>
+              <a:t>)</a:t>
             </a:r>
           </a:p>
         </p:txBody>
@@ -3653,6 +3795,951 @@
             <a:r>
               <a:rPr lang="ko-KR" altLang="en-US"/>
               <a:t>개발 범위</a:t>
+            </a:r>
+          </a:p>
+        </p:txBody>
+      </p:sp>
+      <p:sp>
+        <p:nvSpPr>
+          <p:cNvPr id="3" name="TextBox 2">
+            <a:extLst>
+              <a:ext uri="{FF2B5EF4-FFF2-40B4-BE49-F238E27FC236}">
+                <a16:creationId xmlns:a16="http://schemas.microsoft.com/office/drawing/2014/main" id="{95A3B8E8-6A90-D688-41C6-1637B22B0D91}"/>
+              </a:ext>
+            </a:extLst>
+          </p:cNvPr>
+          <p:cNvSpPr txBox="1"/>
+          <p:nvPr/>
+        </p:nvSpPr>
+        <p:spPr>
+          <a:xfrm>
+            <a:off x="478116" y="1032295"/>
+            <a:ext cx="1324402" cy="307777"/>
+          </a:xfrm>
+          <a:prstGeom prst="rect">
+            <a:avLst/>
+          </a:prstGeom>
+          <a:noFill/>
+        </p:spPr>
+        <p:txBody>
+          <a:bodyPr wrap="none" rtlCol="0">
+            <a:spAutoFit/>
+          </a:bodyPr>
+          <a:lstStyle/>
+          <a:p>
+            <a:r>
+              <a:rPr lang="ko-KR" altLang="en-US" sz="1400"/>
+              <a:t>캐릭터 컨트롤</a:t>
+            </a:r>
+          </a:p>
+        </p:txBody>
+      </p:sp>
+      <p:sp>
+        <p:nvSpPr>
+          <p:cNvPr id="4" name="TextBox 3">
+            <a:extLst>
+              <a:ext uri="{FF2B5EF4-FFF2-40B4-BE49-F238E27FC236}">
+                <a16:creationId xmlns:a16="http://schemas.microsoft.com/office/drawing/2014/main" id="{0A02965B-ADC1-F74C-0F45-3034B4D25B33}"/>
+              </a:ext>
+            </a:extLst>
+          </p:cNvPr>
+          <p:cNvSpPr txBox="1"/>
+          <p:nvPr/>
+        </p:nvSpPr>
+        <p:spPr>
+          <a:xfrm>
+            <a:off x="3970316" y="507355"/>
+            <a:ext cx="965329" cy="307777"/>
+          </a:xfrm>
+          <a:prstGeom prst="rect">
+            <a:avLst/>
+          </a:prstGeom>
+          <a:noFill/>
+        </p:spPr>
+        <p:txBody>
+          <a:bodyPr wrap="none" rtlCol="0">
+            <a:spAutoFit/>
+          </a:bodyPr>
+          <a:lstStyle/>
+          <a:p>
+            <a:r>
+              <a:rPr lang="ko-KR" altLang="en-US" sz="1400"/>
+              <a:t>최소 범위</a:t>
+            </a:r>
+          </a:p>
+        </p:txBody>
+      </p:sp>
+      <p:sp>
+        <p:nvSpPr>
+          <p:cNvPr id="5" name="TextBox 4">
+            <a:extLst>
+              <a:ext uri="{FF2B5EF4-FFF2-40B4-BE49-F238E27FC236}">
+                <a16:creationId xmlns:a16="http://schemas.microsoft.com/office/drawing/2014/main" id="{28CE6D8F-4B76-745B-06F4-EDE1611D9FB5}"/>
+              </a:ext>
+            </a:extLst>
+          </p:cNvPr>
+          <p:cNvSpPr txBox="1"/>
+          <p:nvPr/>
+        </p:nvSpPr>
+        <p:spPr>
+          <a:xfrm>
+            <a:off x="8641247" y="507354"/>
+            <a:ext cx="965329" cy="307777"/>
+          </a:xfrm>
+          <a:prstGeom prst="rect">
+            <a:avLst/>
+          </a:prstGeom>
+          <a:noFill/>
+        </p:spPr>
+        <p:txBody>
+          <a:bodyPr wrap="none" rtlCol="0">
+            <a:spAutoFit/>
+          </a:bodyPr>
+          <a:lstStyle/>
+          <a:p>
+            <a:r>
+              <a:rPr lang="ko-KR" altLang="en-US" sz="1400"/>
+              <a:t>추가 범위</a:t>
+            </a:r>
+          </a:p>
+        </p:txBody>
+      </p:sp>
+      <p:sp>
+        <p:nvSpPr>
+          <p:cNvPr id="6" name="TextBox 5">
+            <a:extLst>
+              <a:ext uri="{FF2B5EF4-FFF2-40B4-BE49-F238E27FC236}">
+                <a16:creationId xmlns:a16="http://schemas.microsoft.com/office/drawing/2014/main" id="{3A33AA46-3EF5-37EC-E2EC-B864FF1817ED}"/>
+              </a:ext>
+            </a:extLst>
+          </p:cNvPr>
+          <p:cNvSpPr txBox="1"/>
+          <p:nvPr/>
+        </p:nvSpPr>
+        <p:spPr>
+          <a:xfrm>
+            <a:off x="3139961" y="1032295"/>
+            <a:ext cx="2526654" cy="523220"/>
+          </a:xfrm>
+          <a:prstGeom prst="rect">
+            <a:avLst/>
+          </a:prstGeom>
+          <a:noFill/>
+        </p:spPr>
+        <p:txBody>
+          <a:bodyPr wrap="none" rtlCol="0">
+            <a:spAutoFit/>
+          </a:bodyPr>
+          <a:lstStyle/>
+          <a:p>
+            <a:r>
+              <a:rPr lang="ko-KR" altLang="en-US" sz="1400"/>
+              <a:t>상</a:t>
+            </a:r>
+            <a:r>
+              <a:rPr lang="en-US" altLang="ko-KR" sz="1400"/>
+              <a:t>,</a:t>
+            </a:r>
+            <a:r>
+              <a:rPr lang="ko-KR" altLang="en-US" sz="1400"/>
+              <a:t>하</a:t>
+            </a:r>
+            <a:r>
+              <a:rPr lang="en-US" altLang="ko-KR" sz="1400"/>
+              <a:t>,</a:t>
+            </a:r>
+            <a:r>
+              <a:rPr lang="ko-KR" altLang="en-US" sz="1400"/>
+              <a:t>좌</a:t>
+            </a:r>
+            <a:r>
+              <a:rPr lang="en-US" altLang="ko-KR" sz="1400"/>
+              <a:t>,</a:t>
+            </a:r>
+            <a:r>
+              <a:rPr lang="ko-KR" altLang="en-US" sz="1400"/>
+              <a:t>우의 단순 움직임</a:t>
+            </a:r>
+            <a:endParaRPr lang="en-US" altLang="ko-KR" sz="1400"/>
+          </a:p>
+          <a:p>
+            <a:r>
+              <a:rPr lang="ko-KR" altLang="en-US" sz="1400"/>
+              <a:t>키보드 입력에 반응하는 반격</a:t>
+            </a:r>
+          </a:p>
+        </p:txBody>
+      </p:sp>
+      <p:sp>
+        <p:nvSpPr>
+          <p:cNvPr id="7" name="TextBox 6">
+            <a:extLst>
+              <a:ext uri="{FF2B5EF4-FFF2-40B4-BE49-F238E27FC236}">
+                <a16:creationId xmlns:a16="http://schemas.microsoft.com/office/drawing/2014/main" id="{2347E450-D910-7E21-49EA-DF76D4824B1A}"/>
+              </a:ext>
+            </a:extLst>
+          </p:cNvPr>
+          <p:cNvSpPr txBox="1"/>
+          <p:nvPr/>
+        </p:nvSpPr>
+        <p:spPr>
+          <a:xfrm>
+            <a:off x="7428575" y="1032295"/>
+            <a:ext cx="2768707" cy="738664"/>
+          </a:xfrm>
+          <a:prstGeom prst="rect">
+            <a:avLst/>
+          </a:prstGeom>
+          <a:noFill/>
+        </p:spPr>
+        <p:txBody>
+          <a:bodyPr wrap="none" rtlCol="0">
+            <a:spAutoFit/>
+          </a:bodyPr>
+          <a:lstStyle/>
+          <a:p>
+            <a:r>
+              <a:rPr lang="ko-KR" altLang="en-US" sz="1400"/>
+              <a:t>전방향으로 자연스러운 움직임</a:t>
+            </a:r>
+            <a:endParaRPr lang="en-US" altLang="ko-KR" sz="1400"/>
+          </a:p>
+          <a:p>
+            <a:r>
+              <a:rPr lang="ko-KR" altLang="en-US" sz="1400"/>
+              <a:t>딜레이 없는 반격</a:t>
+            </a:r>
+            <a:endParaRPr lang="en-US" altLang="ko-KR" sz="1400"/>
+          </a:p>
+          <a:p>
+            <a:r>
+              <a:rPr lang="ko-KR" altLang="en-US" sz="1400"/>
+              <a:t>다양한 입력에 따라 다른 반격들</a:t>
+            </a:r>
+          </a:p>
+        </p:txBody>
+      </p:sp>
+      <p:sp>
+        <p:nvSpPr>
+          <p:cNvPr id="8" name="TextBox 7">
+            <a:extLst>
+              <a:ext uri="{FF2B5EF4-FFF2-40B4-BE49-F238E27FC236}">
+                <a16:creationId xmlns:a16="http://schemas.microsoft.com/office/drawing/2014/main" id="{3E1108C0-B3AB-12DB-5C1A-A697AEEB828A}"/>
+              </a:ext>
+            </a:extLst>
+          </p:cNvPr>
+          <p:cNvSpPr txBox="1"/>
+          <p:nvPr/>
+        </p:nvSpPr>
+        <p:spPr>
+          <a:xfrm>
+            <a:off x="478116" y="1884043"/>
+            <a:ext cx="1144865" cy="307777"/>
+          </a:xfrm>
+          <a:prstGeom prst="rect">
+            <a:avLst/>
+          </a:prstGeom>
+          <a:noFill/>
+        </p:spPr>
+        <p:txBody>
+          <a:bodyPr wrap="none" rtlCol="0">
+            <a:spAutoFit/>
+          </a:bodyPr>
+          <a:lstStyle/>
+          <a:p>
+            <a:r>
+              <a:rPr lang="ko-KR" altLang="en-US" sz="1400"/>
+              <a:t>캐릭터 기술</a:t>
+            </a:r>
+          </a:p>
+        </p:txBody>
+      </p:sp>
+      <p:sp>
+        <p:nvSpPr>
+          <p:cNvPr id="9" name="TextBox 8">
+            <a:extLst>
+              <a:ext uri="{FF2B5EF4-FFF2-40B4-BE49-F238E27FC236}">
+                <a16:creationId xmlns:a16="http://schemas.microsoft.com/office/drawing/2014/main" id="{47BEA6DD-E323-126B-1AA3-002C2162F5E3}"/>
+              </a:ext>
+            </a:extLst>
+          </p:cNvPr>
+          <p:cNvSpPr txBox="1"/>
+          <p:nvPr/>
+        </p:nvSpPr>
+        <p:spPr>
+          <a:xfrm>
+            <a:off x="3139961" y="1884043"/>
+            <a:ext cx="2576346" cy="523220"/>
+          </a:xfrm>
+          <a:prstGeom prst="rect">
+            <a:avLst/>
+          </a:prstGeom>
+          <a:noFill/>
+        </p:spPr>
+        <p:txBody>
+          <a:bodyPr wrap="none" rtlCol="0">
+            <a:spAutoFit/>
+          </a:bodyPr>
+          <a:lstStyle/>
+          <a:p>
+            <a:r>
+              <a:rPr lang="en-US" altLang="ko-KR" sz="1400"/>
+              <a:t>Z</a:t>
+            </a:r>
+            <a:r>
+              <a:rPr lang="ko-KR" altLang="en-US" sz="1400"/>
+              <a:t>키 입력 시 앞으로 짧은 대쉬</a:t>
+            </a:r>
+            <a:endParaRPr lang="en-US" altLang="ko-KR" sz="1400"/>
+          </a:p>
+          <a:p>
+            <a:r>
+              <a:rPr lang="en-US" altLang="ko-KR" sz="1400"/>
+              <a:t>(</a:t>
+            </a:r>
+            <a:r>
+              <a:rPr lang="ko-KR" altLang="en-US" sz="1400"/>
+              <a:t>방패로 밀치기</a:t>
+            </a:r>
+            <a:r>
+              <a:rPr lang="en-US" altLang="ko-KR" sz="1400"/>
+              <a:t>)</a:t>
+            </a:r>
+          </a:p>
+        </p:txBody>
+      </p:sp>
+      <p:sp>
+        <p:nvSpPr>
+          <p:cNvPr id="10" name="TextBox 9">
+            <a:extLst>
+              <a:ext uri="{FF2B5EF4-FFF2-40B4-BE49-F238E27FC236}">
+                <a16:creationId xmlns:a16="http://schemas.microsoft.com/office/drawing/2014/main" id="{E6D3E702-599E-29F9-BD9F-D7A225DE29BE}"/>
+              </a:ext>
+            </a:extLst>
+          </p:cNvPr>
+          <p:cNvSpPr txBox="1"/>
+          <p:nvPr/>
+        </p:nvSpPr>
+        <p:spPr>
+          <a:xfrm>
+            <a:off x="7428575" y="1884043"/>
+            <a:ext cx="3623108" cy="954107"/>
+          </a:xfrm>
+          <a:prstGeom prst="rect">
+            <a:avLst/>
+          </a:prstGeom>
+          <a:noFill/>
+        </p:spPr>
+        <p:txBody>
+          <a:bodyPr wrap="none" rtlCol="0">
+            <a:spAutoFit/>
+          </a:bodyPr>
+          <a:lstStyle/>
+          <a:p>
+            <a:r>
+              <a:rPr lang="en-US" altLang="ko-KR" sz="1400"/>
+              <a:t>(</a:t>
+            </a:r>
+            <a:r>
+              <a:rPr lang="ko-KR" altLang="en-US" sz="1400"/>
+              <a:t>특정 방패 착용시</a:t>
+            </a:r>
+            <a:r>
+              <a:rPr lang="en-US" altLang="ko-KR" sz="1400"/>
+              <a:t>)</a:t>
+            </a:r>
+          </a:p>
+          <a:p>
+            <a:r>
+              <a:rPr lang="en-US" altLang="ko-KR" sz="1400"/>
+              <a:t>-</a:t>
+            </a:r>
+            <a:r>
+              <a:rPr lang="ko-KR" altLang="en-US" sz="1400"/>
+              <a:t>대쉬에 특수효과</a:t>
+            </a:r>
+            <a:endParaRPr lang="en-US" altLang="ko-KR" sz="1400"/>
+          </a:p>
+          <a:p>
+            <a:r>
+              <a:rPr lang="en-US" altLang="ko-KR" sz="1400"/>
+              <a:t>-</a:t>
+            </a:r>
+            <a:r>
+              <a:rPr lang="ko-KR" altLang="en-US" sz="1400"/>
+              <a:t>반격 성공 시 추가입력으로 추가공격 가능</a:t>
+            </a:r>
+            <a:endParaRPr lang="en-US" altLang="ko-KR" sz="1400"/>
+          </a:p>
+          <a:p>
+            <a:r>
+              <a:rPr lang="en-US" altLang="ko-KR" sz="1400"/>
+              <a:t>-</a:t>
+            </a:r>
+            <a:r>
+              <a:rPr lang="ko-KR" altLang="en-US" sz="1400"/>
+              <a:t>반격 후 추가 공격 가능</a:t>
+            </a:r>
+            <a:endParaRPr lang="en-US" altLang="ko-KR" sz="1400"/>
+          </a:p>
+        </p:txBody>
+      </p:sp>
+      <p:sp>
+        <p:nvSpPr>
+          <p:cNvPr id="11" name="TextBox 10">
+            <a:extLst>
+              <a:ext uri="{FF2B5EF4-FFF2-40B4-BE49-F238E27FC236}">
+                <a16:creationId xmlns:a16="http://schemas.microsoft.com/office/drawing/2014/main" id="{EA9C3E8E-9C54-CCBA-4F1A-0DB78ACE8C35}"/>
+              </a:ext>
+            </a:extLst>
+          </p:cNvPr>
+          <p:cNvSpPr txBox="1"/>
+          <p:nvPr/>
+        </p:nvSpPr>
+        <p:spPr>
+          <a:xfrm>
+            <a:off x="478116" y="2910203"/>
+            <a:ext cx="364202" cy="307777"/>
+          </a:xfrm>
+          <a:prstGeom prst="rect">
+            <a:avLst/>
+          </a:prstGeom>
+          <a:noFill/>
+        </p:spPr>
+        <p:txBody>
+          <a:bodyPr wrap="none" rtlCol="0">
+            <a:spAutoFit/>
+          </a:bodyPr>
+          <a:lstStyle/>
+          <a:p>
+            <a:r>
+              <a:rPr lang="ko-KR" altLang="en-US" sz="1400"/>
+              <a:t>맵</a:t>
+            </a:r>
+          </a:p>
+        </p:txBody>
+      </p:sp>
+      <p:sp>
+        <p:nvSpPr>
+          <p:cNvPr id="12" name="TextBox 11">
+            <a:extLst>
+              <a:ext uri="{FF2B5EF4-FFF2-40B4-BE49-F238E27FC236}">
+                <a16:creationId xmlns:a16="http://schemas.microsoft.com/office/drawing/2014/main" id="{22200EFE-B369-F36E-B535-F9D7D677EED4}"/>
+              </a:ext>
+            </a:extLst>
+          </p:cNvPr>
+          <p:cNvSpPr txBox="1"/>
+          <p:nvPr/>
+        </p:nvSpPr>
+        <p:spPr>
+          <a:xfrm>
+            <a:off x="3139961" y="2910202"/>
+            <a:ext cx="3437302" cy="307777"/>
+          </a:xfrm>
+          <a:prstGeom prst="rect">
+            <a:avLst/>
+          </a:prstGeom>
+          <a:noFill/>
+        </p:spPr>
+        <p:txBody>
+          <a:bodyPr wrap="square" rtlCol="0">
+            <a:spAutoFit/>
+          </a:bodyPr>
+          <a:lstStyle/>
+          <a:p>
+            <a:r>
+              <a:rPr lang="ko-KR" altLang="en-US" sz="1400"/>
+              <a:t>숲</a:t>
+            </a:r>
+            <a:r>
+              <a:rPr lang="en-US" altLang="ko-KR" sz="1400"/>
+              <a:t>-&gt;</a:t>
+            </a:r>
+            <a:r>
+              <a:rPr lang="ko-KR" altLang="en-US" sz="1400"/>
+              <a:t>바다</a:t>
+            </a:r>
+            <a:r>
+              <a:rPr lang="en-US" altLang="ko-KR" sz="1400"/>
+              <a:t>-&gt;</a:t>
+            </a:r>
+            <a:r>
+              <a:rPr lang="ko-KR" altLang="en-US" sz="1400"/>
+              <a:t>용암지대</a:t>
+            </a:r>
+            <a:r>
+              <a:rPr lang="en-US" altLang="ko-KR" sz="1400"/>
+              <a:t>-&gt;</a:t>
+            </a:r>
+            <a:r>
+              <a:rPr lang="ko-KR" altLang="en-US" sz="1400"/>
+              <a:t>마왕으로 구성</a:t>
+            </a:r>
+            <a:r>
+              <a:rPr lang="en-US" altLang="ko-KR" sz="1400"/>
+              <a:t>.</a:t>
+            </a:r>
+            <a:r>
+              <a:rPr lang="ko-KR" altLang="en-US" sz="1400"/>
+              <a:t> </a:t>
+            </a:r>
+          </a:p>
+        </p:txBody>
+      </p:sp>
+      <p:sp>
+        <p:nvSpPr>
+          <p:cNvPr id="13" name="TextBox 12">
+            <a:extLst>
+              <a:ext uri="{FF2B5EF4-FFF2-40B4-BE49-F238E27FC236}">
+                <a16:creationId xmlns:a16="http://schemas.microsoft.com/office/drawing/2014/main" id="{B4BD29C4-DAFD-80EB-D23B-384F614CAAC4}"/>
+              </a:ext>
+            </a:extLst>
+          </p:cNvPr>
+          <p:cNvSpPr txBox="1"/>
+          <p:nvPr/>
+        </p:nvSpPr>
+        <p:spPr>
+          <a:xfrm>
+            <a:off x="7428574" y="2910202"/>
+            <a:ext cx="4474667" cy="523220"/>
+          </a:xfrm>
+          <a:prstGeom prst="rect">
+            <a:avLst/>
+          </a:prstGeom>
+          <a:noFill/>
+        </p:spPr>
+        <p:txBody>
+          <a:bodyPr wrap="square" rtlCol="0">
+            <a:spAutoFit/>
+          </a:bodyPr>
+          <a:lstStyle/>
+          <a:p>
+            <a:r>
+              <a:rPr lang="ko-KR" altLang="en-US" sz="1400"/>
+              <a:t>두 개의 층으로 이루어져있으며 </a:t>
+            </a:r>
+            <a:r>
+              <a:rPr lang="en-US" altLang="ko-KR" sz="1400"/>
+              <a:t>2</a:t>
+            </a:r>
+            <a:r>
+              <a:rPr lang="ko-KR" altLang="en-US" sz="1400"/>
+              <a:t>층에는 보스가 있다</a:t>
+            </a:r>
+            <a:r>
+              <a:rPr lang="en-US" altLang="ko-KR" sz="1400"/>
+              <a:t>.</a:t>
+            </a:r>
+          </a:p>
+          <a:p>
+            <a:r>
+              <a:rPr lang="ko-KR" altLang="en-US" sz="1400"/>
+              <a:t>특수 </a:t>
+            </a:r>
+            <a:r>
+              <a:rPr lang="en-US" altLang="ko-KR" sz="1400"/>
+              <a:t>NPC </a:t>
+            </a:r>
+            <a:r>
+              <a:rPr lang="ko-KR" altLang="en-US" sz="1400"/>
+              <a:t>추가</a:t>
+            </a:r>
+            <a:endParaRPr lang="en-US" altLang="ko-KR" sz="1400"/>
+          </a:p>
+        </p:txBody>
+      </p:sp>
+      <p:sp>
+        <p:nvSpPr>
+          <p:cNvPr id="14" name="TextBox 13">
+            <a:extLst>
+              <a:ext uri="{FF2B5EF4-FFF2-40B4-BE49-F238E27FC236}">
+                <a16:creationId xmlns:a16="http://schemas.microsoft.com/office/drawing/2014/main" id="{C8B2C114-0089-56CE-8BE8-BEB477543EA1}"/>
+              </a:ext>
+            </a:extLst>
+          </p:cNvPr>
+          <p:cNvSpPr txBox="1"/>
+          <p:nvPr/>
+        </p:nvSpPr>
+        <p:spPr>
+          <a:xfrm>
+            <a:off x="478116" y="3640021"/>
+            <a:ext cx="593432" cy="307777"/>
+          </a:xfrm>
+          <a:prstGeom prst="rect">
+            <a:avLst/>
+          </a:prstGeom>
+          <a:noFill/>
+        </p:spPr>
+        <p:txBody>
+          <a:bodyPr wrap="none" rtlCol="0">
+            <a:spAutoFit/>
+          </a:bodyPr>
+          <a:lstStyle/>
+          <a:p>
+            <a:r>
+              <a:rPr lang="ko-KR" altLang="en-US" sz="1400"/>
+              <a:t>적 </a:t>
+            </a:r>
+            <a:r>
+              <a:rPr lang="en-US" altLang="ko-KR" sz="1400"/>
+              <a:t>AI</a:t>
+            </a:r>
+            <a:endParaRPr lang="ko-KR" altLang="en-US" sz="1400"/>
+          </a:p>
+        </p:txBody>
+      </p:sp>
+      <p:sp>
+        <p:nvSpPr>
+          <p:cNvPr id="15" name="TextBox 14">
+            <a:extLst>
+              <a:ext uri="{FF2B5EF4-FFF2-40B4-BE49-F238E27FC236}">
+                <a16:creationId xmlns:a16="http://schemas.microsoft.com/office/drawing/2014/main" id="{AF0E29C7-AF0E-27DF-819B-1498A8F29BB2}"/>
+              </a:ext>
+            </a:extLst>
+          </p:cNvPr>
+          <p:cNvSpPr txBox="1"/>
+          <p:nvPr/>
+        </p:nvSpPr>
+        <p:spPr>
+          <a:xfrm>
+            <a:off x="3139960" y="3640021"/>
+            <a:ext cx="4159197" cy="954107"/>
+          </a:xfrm>
+          <a:prstGeom prst="rect">
+            <a:avLst/>
+          </a:prstGeom>
+          <a:noFill/>
+        </p:spPr>
+        <p:txBody>
+          <a:bodyPr wrap="square" rtlCol="0">
+            <a:spAutoFit/>
+          </a:bodyPr>
+          <a:lstStyle/>
+          <a:p>
+            <a:r>
+              <a:rPr lang="ko-KR" altLang="en-US" sz="1400"/>
+              <a:t>적 종류에 따라 </a:t>
+            </a:r>
+            <a:r>
+              <a:rPr lang="en-US" altLang="ko-KR" sz="1400"/>
+              <a:t>AI</a:t>
+            </a:r>
+            <a:r>
+              <a:rPr lang="ko-KR" altLang="en-US" sz="1400"/>
+              <a:t>가 다름</a:t>
+            </a:r>
+            <a:endParaRPr lang="en-US" altLang="ko-KR" sz="1400"/>
+          </a:p>
+          <a:p>
+            <a:pPr marL="342900" indent="-342900">
+              <a:buAutoNum type="arabicPeriod"/>
+            </a:pPr>
+            <a:r>
+              <a:rPr lang="ko-KR" altLang="en-US" sz="1400"/>
+              <a:t>플레이어에게 다가오며 근접공격</a:t>
+            </a:r>
+            <a:r>
+              <a:rPr lang="en-US" altLang="ko-KR" sz="1400"/>
+              <a:t>(</a:t>
+            </a:r>
+            <a:r>
+              <a:rPr lang="ko-KR" altLang="en-US" sz="1400"/>
+              <a:t>상시 인식</a:t>
+            </a:r>
+            <a:r>
+              <a:rPr lang="en-US" altLang="ko-KR" sz="1400"/>
+              <a:t>)</a:t>
+            </a:r>
+          </a:p>
+          <a:p>
+            <a:pPr marL="342900" indent="-342900">
+              <a:buAutoNum type="arabicPeriod"/>
+            </a:pPr>
+            <a:r>
+              <a:rPr lang="ko-KR" altLang="en-US" sz="1400"/>
+              <a:t>플레이어가 사정거리에 들어오면 원거리공격</a:t>
+            </a:r>
+            <a:endParaRPr lang="en-US" altLang="ko-KR" sz="1400"/>
+          </a:p>
+          <a:p>
+            <a:pPr marL="342900" indent="-342900">
+              <a:buAutoNum type="arabicPeriod"/>
+            </a:pPr>
+            <a:r>
+              <a:rPr lang="ko-KR" altLang="en-US" sz="1400"/>
+              <a:t>플레이어가 접근하면 도망침</a:t>
+            </a:r>
+          </a:p>
+        </p:txBody>
+      </p:sp>
+      <p:sp>
+        <p:nvSpPr>
+          <p:cNvPr id="16" name="TextBox 15">
+            <a:extLst>
+              <a:ext uri="{FF2B5EF4-FFF2-40B4-BE49-F238E27FC236}">
+                <a16:creationId xmlns:a16="http://schemas.microsoft.com/office/drawing/2014/main" id="{3BE723B7-1B0B-A288-4D0C-846C5EDF969F}"/>
+              </a:ext>
+            </a:extLst>
+          </p:cNvPr>
+          <p:cNvSpPr txBox="1"/>
+          <p:nvPr/>
+        </p:nvSpPr>
+        <p:spPr>
+          <a:xfrm>
+            <a:off x="7428574" y="3640021"/>
+            <a:ext cx="4159197" cy="738664"/>
+          </a:xfrm>
+          <a:prstGeom prst="rect">
+            <a:avLst/>
+          </a:prstGeom>
+          <a:noFill/>
+        </p:spPr>
+        <p:txBody>
+          <a:bodyPr wrap="square" rtlCol="0">
+            <a:spAutoFit/>
+          </a:bodyPr>
+          <a:lstStyle/>
+          <a:p>
+            <a:r>
+              <a:rPr lang="ko-KR" altLang="en-US" sz="1400"/>
+              <a:t>보스의 패턴 추가</a:t>
+            </a:r>
+            <a:endParaRPr lang="en-US" altLang="ko-KR" sz="1400"/>
+          </a:p>
+          <a:p>
+            <a:r>
+              <a:rPr lang="ko-KR" altLang="en-US" sz="1400"/>
+              <a:t>적의 상태 추가</a:t>
+            </a:r>
+            <a:r>
+              <a:rPr lang="en-US" altLang="ko-KR" sz="1400"/>
+              <a:t>(</a:t>
+            </a:r>
+            <a:r>
+              <a:rPr lang="ko-KR" altLang="en-US" sz="1400"/>
+              <a:t>은신</a:t>
+            </a:r>
+            <a:r>
+              <a:rPr lang="en-US" altLang="ko-KR" sz="1400"/>
+              <a:t>, </a:t>
+            </a:r>
+            <a:r>
+              <a:rPr lang="ko-KR" altLang="en-US" sz="1400"/>
+              <a:t>공중</a:t>
+            </a:r>
+            <a:r>
+              <a:rPr lang="en-US" altLang="ko-KR" sz="1400"/>
+              <a:t>, </a:t>
+            </a:r>
+            <a:r>
+              <a:rPr lang="ko-KR" altLang="en-US" sz="1400"/>
+              <a:t>지하</a:t>
+            </a:r>
+            <a:r>
+              <a:rPr lang="en-US" altLang="ko-KR" sz="1400"/>
+              <a:t>)</a:t>
+            </a:r>
+          </a:p>
+          <a:p>
+            <a:r>
+              <a:rPr lang="ko-KR" altLang="en-US" sz="1400"/>
+              <a:t>적의 속성 추가</a:t>
+            </a:r>
+            <a:endParaRPr lang="en-US" altLang="ko-KR" sz="1400"/>
+          </a:p>
+        </p:txBody>
+      </p:sp>
+      <p:sp>
+        <p:nvSpPr>
+          <p:cNvPr id="17" name="TextBox 16">
+            <a:extLst>
+              <a:ext uri="{FF2B5EF4-FFF2-40B4-BE49-F238E27FC236}">
+                <a16:creationId xmlns:a16="http://schemas.microsoft.com/office/drawing/2014/main" id="{216031AE-667D-8E94-8F1D-B7148DD0D5D6}"/>
+              </a:ext>
+            </a:extLst>
+          </p:cNvPr>
+          <p:cNvSpPr txBox="1"/>
+          <p:nvPr/>
+        </p:nvSpPr>
+        <p:spPr>
+          <a:xfrm>
+            <a:off x="478116" y="4787032"/>
+            <a:ext cx="723275" cy="307777"/>
+          </a:xfrm>
+          <a:prstGeom prst="rect">
+            <a:avLst/>
+          </a:prstGeom>
+          <a:noFill/>
+        </p:spPr>
+        <p:txBody>
+          <a:bodyPr wrap="none" rtlCol="0">
+            <a:spAutoFit/>
+          </a:bodyPr>
+          <a:lstStyle/>
+          <a:p>
+            <a:r>
+              <a:rPr lang="ko-KR" altLang="en-US" sz="1400"/>
+              <a:t>난이도</a:t>
+            </a:r>
+          </a:p>
+        </p:txBody>
+      </p:sp>
+      <p:sp>
+        <p:nvSpPr>
+          <p:cNvPr id="18" name="TextBox 17">
+            <a:extLst>
+              <a:ext uri="{FF2B5EF4-FFF2-40B4-BE49-F238E27FC236}">
+                <a16:creationId xmlns:a16="http://schemas.microsoft.com/office/drawing/2014/main" id="{C2C26A7D-CF40-E14E-9D24-FDD8EC4A9A74}"/>
+              </a:ext>
+            </a:extLst>
+          </p:cNvPr>
+          <p:cNvSpPr txBox="1"/>
+          <p:nvPr/>
+        </p:nvSpPr>
+        <p:spPr>
+          <a:xfrm>
+            <a:off x="3139959" y="4787032"/>
+            <a:ext cx="4159197" cy="307777"/>
+          </a:xfrm>
+          <a:prstGeom prst="rect">
+            <a:avLst/>
+          </a:prstGeom>
+          <a:noFill/>
+        </p:spPr>
+        <p:txBody>
+          <a:bodyPr wrap="square" rtlCol="0">
+            <a:spAutoFit/>
+          </a:bodyPr>
+          <a:lstStyle/>
+          <a:p>
+            <a:r>
+              <a:rPr lang="ko-KR" altLang="en-US" sz="1400"/>
+              <a:t>스테이지가 진행될수록 난이도 증가</a:t>
+            </a:r>
+            <a:endParaRPr lang="en-US" altLang="ko-KR" sz="1400"/>
+          </a:p>
+        </p:txBody>
+      </p:sp>
+      <p:sp>
+        <p:nvSpPr>
+          <p:cNvPr id="20" name="TextBox 19">
+            <a:extLst>
+              <a:ext uri="{FF2B5EF4-FFF2-40B4-BE49-F238E27FC236}">
+                <a16:creationId xmlns:a16="http://schemas.microsoft.com/office/drawing/2014/main" id="{8DB93CA9-45EA-A7FF-20B3-46C5ED58BF65}"/>
+              </a:ext>
+            </a:extLst>
+          </p:cNvPr>
+          <p:cNvSpPr txBox="1"/>
+          <p:nvPr/>
+        </p:nvSpPr>
+        <p:spPr>
+          <a:xfrm>
+            <a:off x="7428573" y="4787032"/>
+            <a:ext cx="4474667" cy="523220"/>
+          </a:xfrm>
+          <a:prstGeom prst="rect">
+            <a:avLst/>
+          </a:prstGeom>
+          <a:noFill/>
+        </p:spPr>
+        <p:txBody>
+          <a:bodyPr wrap="square" rtlCol="0">
+            <a:spAutoFit/>
+          </a:bodyPr>
+          <a:lstStyle/>
+          <a:p>
+            <a:r>
+              <a:rPr lang="ko-KR" altLang="en-US" sz="1400"/>
+              <a:t>쉬운난이도로 </a:t>
+            </a:r>
+            <a:r>
+              <a:rPr lang="en-US" altLang="ko-KR" sz="1400"/>
+              <a:t>1</a:t>
+            </a:r>
+            <a:r>
+              <a:rPr lang="ko-KR" altLang="en-US" sz="1400"/>
+              <a:t>회차</a:t>
+            </a:r>
+            <a:r>
+              <a:rPr lang="en-US" altLang="ko-KR" sz="1400"/>
+              <a:t>(</a:t>
+            </a:r>
+            <a:r>
+              <a:rPr lang="ko-KR" altLang="en-US" sz="1400"/>
+              <a:t>스토리모드</a:t>
+            </a:r>
+            <a:r>
+              <a:rPr lang="en-US" altLang="ko-KR" sz="1400"/>
+              <a:t>)</a:t>
+            </a:r>
+          </a:p>
+          <a:p>
+            <a:r>
+              <a:rPr lang="ko-KR" altLang="en-US" sz="1400"/>
+              <a:t>하드코어모드 추가</a:t>
+            </a:r>
+            <a:r>
+              <a:rPr lang="en-US" altLang="ko-KR" sz="1400"/>
+              <a:t>(</a:t>
+            </a:r>
+            <a:r>
+              <a:rPr lang="ko-KR" altLang="en-US" sz="1400"/>
+              <a:t>적 체력</a:t>
+            </a:r>
+            <a:r>
+              <a:rPr lang="en-US" altLang="ko-KR" sz="1400"/>
+              <a:t>, </a:t>
+            </a:r>
+            <a:r>
+              <a:rPr lang="ko-KR" altLang="en-US" sz="1400"/>
+              <a:t>공격력 상승</a:t>
+            </a:r>
+            <a:r>
+              <a:rPr lang="en-US" altLang="ko-KR" sz="1400"/>
+              <a:t>, </a:t>
+            </a:r>
+            <a:r>
+              <a:rPr lang="ko-KR" altLang="en-US" sz="1400"/>
+              <a:t>보스 변화</a:t>
+            </a:r>
+            <a:r>
+              <a:rPr lang="en-US" altLang="ko-KR" sz="1400"/>
+              <a:t>)</a:t>
+            </a:r>
+          </a:p>
+        </p:txBody>
+      </p:sp>
+      <p:sp>
+        <p:nvSpPr>
+          <p:cNvPr id="21" name="TextBox 20">
+            <a:extLst>
+              <a:ext uri="{FF2B5EF4-FFF2-40B4-BE49-F238E27FC236}">
+                <a16:creationId xmlns:a16="http://schemas.microsoft.com/office/drawing/2014/main" id="{EAD8695D-B574-FB23-E8C0-7C0EDD168F46}"/>
+              </a:ext>
+            </a:extLst>
+          </p:cNvPr>
+          <p:cNvSpPr txBox="1"/>
+          <p:nvPr/>
+        </p:nvSpPr>
+        <p:spPr>
+          <a:xfrm>
+            <a:off x="478115" y="5395999"/>
+            <a:ext cx="902811" cy="307777"/>
+          </a:xfrm>
+          <a:prstGeom prst="rect">
+            <a:avLst/>
+          </a:prstGeom>
+          <a:noFill/>
+        </p:spPr>
+        <p:txBody>
+          <a:bodyPr wrap="none" rtlCol="0">
+            <a:spAutoFit/>
+          </a:bodyPr>
+          <a:lstStyle/>
+          <a:p>
+            <a:r>
+              <a:rPr lang="ko-KR" altLang="en-US" sz="1400"/>
+              <a:t>게임기능</a:t>
             </a:r>
           </a:p>
         </p:txBody>

--- a/프로젝트 1차 발표/발표ppt러프하게.pptx
+++ b/프로젝트 1차 발표/발표ppt러프하게.pptx
@@ -8,7 +8,8 @@
     <p:sldId id="256" r:id="rId2"/>
     <p:sldId id="257" r:id="rId3"/>
     <p:sldId id="258" r:id="rId4"/>
-    <p:sldId id="259" r:id="rId5"/>
+    <p:sldId id="260" r:id="rId5"/>
+    <p:sldId id="259" r:id="rId6"/>
   </p:sldIdLst>
   <p:sldSz cx="12192000" cy="6858000"/>
   <p:notesSz cx="6858000" cy="9144000"/>
@@ -262,7 +263,7 @@
           <a:p>
             <a:fld id="{2AD1FE86-B9E0-411E-915D-EE314F29C1FE}" type="datetimeFigureOut">
               <a:rPr lang="ko-KR" altLang="en-US" smtClean="0"/>
-              <a:t>2022-09-21</a:t>
+              <a:t>2022-09-23</a:t>
             </a:fld>
             <a:endParaRPr lang="ko-KR" altLang="en-US"/>
           </a:p>
@@ -460,7 +461,7 @@
           <a:p>
             <a:fld id="{2AD1FE86-B9E0-411E-915D-EE314F29C1FE}" type="datetimeFigureOut">
               <a:rPr lang="ko-KR" altLang="en-US" smtClean="0"/>
-              <a:t>2022-09-21</a:t>
+              <a:t>2022-09-23</a:t>
             </a:fld>
             <a:endParaRPr lang="ko-KR" altLang="en-US"/>
           </a:p>
@@ -668,7 +669,7 @@
           <a:p>
             <a:fld id="{2AD1FE86-B9E0-411E-915D-EE314F29C1FE}" type="datetimeFigureOut">
               <a:rPr lang="ko-KR" altLang="en-US" smtClean="0"/>
-              <a:t>2022-09-21</a:t>
+              <a:t>2022-09-23</a:t>
             </a:fld>
             <a:endParaRPr lang="ko-KR" altLang="en-US"/>
           </a:p>
@@ -866,7 +867,7 @@
           <a:p>
             <a:fld id="{2AD1FE86-B9E0-411E-915D-EE314F29C1FE}" type="datetimeFigureOut">
               <a:rPr lang="ko-KR" altLang="en-US" smtClean="0"/>
-              <a:t>2022-09-21</a:t>
+              <a:t>2022-09-23</a:t>
             </a:fld>
             <a:endParaRPr lang="ko-KR" altLang="en-US"/>
           </a:p>
@@ -1141,7 +1142,7 @@
           <a:p>
             <a:fld id="{2AD1FE86-B9E0-411E-915D-EE314F29C1FE}" type="datetimeFigureOut">
               <a:rPr lang="ko-KR" altLang="en-US" smtClean="0"/>
-              <a:t>2022-09-21</a:t>
+              <a:t>2022-09-23</a:t>
             </a:fld>
             <a:endParaRPr lang="ko-KR" altLang="en-US"/>
           </a:p>
@@ -1406,7 +1407,7 @@
           <a:p>
             <a:fld id="{2AD1FE86-B9E0-411E-915D-EE314F29C1FE}" type="datetimeFigureOut">
               <a:rPr lang="ko-KR" altLang="en-US" smtClean="0"/>
-              <a:t>2022-09-21</a:t>
+              <a:t>2022-09-23</a:t>
             </a:fld>
             <a:endParaRPr lang="ko-KR" altLang="en-US"/>
           </a:p>
@@ -1818,7 +1819,7 @@
           <a:p>
             <a:fld id="{2AD1FE86-B9E0-411E-915D-EE314F29C1FE}" type="datetimeFigureOut">
               <a:rPr lang="ko-KR" altLang="en-US" smtClean="0"/>
-              <a:t>2022-09-21</a:t>
+              <a:t>2022-09-23</a:t>
             </a:fld>
             <a:endParaRPr lang="ko-KR" altLang="en-US"/>
           </a:p>
@@ -1959,7 +1960,7 @@
           <a:p>
             <a:fld id="{2AD1FE86-B9E0-411E-915D-EE314F29C1FE}" type="datetimeFigureOut">
               <a:rPr lang="ko-KR" altLang="en-US" smtClean="0"/>
-              <a:t>2022-09-21</a:t>
+              <a:t>2022-09-23</a:t>
             </a:fld>
             <a:endParaRPr lang="ko-KR" altLang="en-US"/>
           </a:p>
@@ -2072,7 +2073,7 @@
           <a:p>
             <a:fld id="{2AD1FE86-B9E0-411E-915D-EE314F29C1FE}" type="datetimeFigureOut">
               <a:rPr lang="ko-KR" altLang="en-US" smtClean="0"/>
-              <a:t>2022-09-21</a:t>
+              <a:t>2022-09-23</a:t>
             </a:fld>
             <a:endParaRPr lang="ko-KR" altLang="en-US"/>
           </a:p>
@@ -2383,7 +2384,7 @@
           <a:p>
             <a:fld id="{2AD1FE86-B9E0-411E-915D-EE314F29C1FE}" type="datetimeFigureOut">
               <a:rPr lang="ko-KR" altLang="en-US" smtClean="0"/>
-              <a:t>2022-09-21</a:t>
+              <a:t>2022-09-23</a:t>
             </a:fld>
             <a:endParaRPr lang="ko-KR" altLang="en-US"/>
           </a:p>
@@ -2671,7 +2672,7 @@
           <a:p>
             <a:fld id="{2AD1FE86-B9E0-411E-915D-EE314F29C1FE}" type="datetimeFigureOut">
               <a:rPr lang="ko-KR" altLang="en-US" smtClean="0"/>
-              <a:t>2022-09-21</a:t>
+              <a:t>2022-09-23</a:t>
             </a:fld>
             <a:endParaRPr lang="ko-KR" altLang="en-US"/>
           </a:p>
@@ -2912,7 +2913,7 @@
           <a:p>
             <a:fld id="{2AD1FE86-B9E0-411E-915D-EE314F29C1FE}" type="datetimeFigureOut">
               <a:rPr lang="ko-KR" altLang="en-US" smtClean="0"/>
-              <a:t>2022-09-21</a:t>
+              <a:t>2022-09-23</a:t>
             </a:fld>
             <a:endParaRPr lang="ko-KR" altLang="en-US"/>
           </a:p>
@@ -4249,7 +4250,7 @@
           <a:p>
             <a:r>
               <a:rPr lang="ko-KR" altLang="en-US" sz="1400"/>
-              <a:t>숲</a:t>
+              <a:t>흙</a:t>
             </a:r>
             <a:r>
               <a:rPr lang="en-US" altLang="ko-KR" sz="1400"/>
@@ -4740,6 +4741,372 @@
             <a:r>
               <a:rPr lang="ko-KR" altLang="en-US" sz="1400"/>
               <a:t>게임기능</a:t>
+            </a:r>
+          </a:p>
+        </p:txBody>
+      </p:sp>
+      <p:sp>
+        <p:nvSpPr>
+          <p:cNvPr id="19" name="TextBox 18">
+            <a:extLst>
+              <a:ext uri="{FF2B5EF4-FFF2-40B4-BE49-F238E27FC236}">
+                <a16:creationId xmlns:a16="http://schemas.microsoft.com/office/drawing/2014/main" id="{6F1E29DC-163E-2459-2563-9277E86CF1D5}"/>
+              </a:ext>
+            </a:extLst>
+          </p:cNvPr>
+          <p:cNvSpPr txBox="1"/>
+          <p:nvPr/>
+        </p:nvSpPr>
+        <p:spPr>
+          <a:xfrm>
+            <a:off x="3139959" y="5395998"/>
+            <a:ext cx="3232706" cy="738664"/>
+          </a:xfrm>
+          <a:prstGeom prst="rect">
+            <a:avLst/>
+          </a:prstGeom>
+          <a:noFill/>
+        </p:spPr>
+        <p:txBody>
+          <a:bodyPr wrap="square" rtlCol="0">
+            <a:spAutoFit/>
+          </a:bodyPr>
+          <a:lstStyle/>
+          <a:p>
+            <a:r>
+              <a:rPr lang="ko-KR" altLang="en-US" sz="1400"/>
+              <a:t>피격시 체력 감소</a:t>
+            </a:r>
+            <a:endParaRPr lang="en-US" altLang="ko-KR" sz="1400"/>
+          </a:p>
+          <a:p>
+            <a:r>
+              <a:rPr lang="ko-KR" altLang="en-US" sz="1400"/>
+              <a:t>특수 스테이지에 </a:t>
+            </a:r>
+            <a:r>
+              <a:rPr lang="en-US" altLang="ko-KR" sz="1400"/>
+              <a:t>NPC(</a:t>
+            </a:r>
+            <a:r>
+              <a:rPr lang="ko-KR" altLang="en-US" sz="1400"/>
+              <a:t>상점</a:t>
+            </a:r>
+            <a:r>
+              <a:rPr lang="en-US" altLang="ko-KR" sz="1400"/>
+              <a:t>, </a:t>
+            </a:r>
+            <a:r>
+              <a:rPr lang="ko-KR" altLang="en-US" sz="1400"/>
+              <a:t>강화</a:t>
+            </a:r>
+            <a:r>
+              <a:rPr lang="en-US" altLang="ko-KR" sz="1400"/>
+              <a:t>)</a:t>
+            </a:r>
+          </a:p>
+          <a:p>
+            <a:r>
+              <a:rPr lang="ko-KR" altLang="en-US" sz="1400"/>
+              <a:t>대쉬 대기시간</a:t>
+            </a:r>
+            <a:endParaRPr lang="en-US" altLang="ko-KR" sz="1400"/>
+          </a:p>
+        </p:txBody>
+      </p:sp>
+      <p:sp>
+        <p:nvSpPr>
+          <p:cNvPr id="22" name="TextBox 21">
+            <a:extLst>
+              <a:ext uri="{FF2B5EF4-FFF2-40B4-BE49-F238E27FC236}">
+                <a16:creationId xmlns:a16="http://schemas.microsoft.com/office/drawing/2014/main" id="{4F2FEC22-C10A-646D-75DF-DB2CFAD6D6C1}"/>
+              </a:ext>
+            </a:extLst>
+          </p:cNvPr>
+          <p:cNvSpPr txBox="1"/>
+          <p:nvPr/>
+        </p:nvSpPr>
+        <p:spPr>
+          <a:xfrm>
+            <a:off x="7428573" y="5395998"/>
+            <a:ext cx="3232706" cy="738664"/>
+          </a:xfrm>
+          <a:prstGeom prst="rect">
+            <a:avLst/>
+          </a:prstGeom>
+          <a:noFill/>
+        </p:spPr>
+        <p:txBody>
+          <a:bodyPr wrap="square" rtlCol="0">
+            <a:spAutoFit/>
+          </a:bodyPr>
+          <a:lstStyle/>
+          <a:p>
+            <a:r>
+              <a:rPr lang="ko-KR" altLang="en-US" sz="1400"/>
+              <a:t>튜토리얼 제공</a:t>
+            </a:r>
+            <a:endParaRPr lang="en-US" altLang="ko-KR" sz="1400"/>
+          </a:p>
+          <a:p>
+            <a:r>
+              <a:rPr lang="ko-KR" altLang="en-US" sz="1400"/>
+              <a:t>스테이지 클리어 후 다음 층으로 이동</a:t>
+            </a:r>
+            <a:endParaRPr lang="en-US" altLang="ko-KR" sz="1400"/>
+          </a:p>
+          <a:p>
+            <a:r>
+              <a:rPr lang="ko-KR" altLang="en-US" sz="1400"/>
+              <a:t>보스 클리어 후 보스 상자 드롭</a:t>
+            </a:r>
+            <a:endParaRPr lang="en-US" altLang="ko-KR" sz="1400"/>
+          </a:p>
+        </p:txBody>
+      </p:sp>
+      <p:sp>
+        <p:nvSpPr>
+          <p:cNvPr id="23" name="TextBox 22">
+            <a:extLst>
+              <a:ext uri="{FF2B5EF4-FFF2-40B4-BE49-F238E27FC236}">
+                <a16:creationId xmlns:a16="http://schemas.microsoft.com/office/drawing/2014/main" id="{E9D8EC4C-2844-6B9E-EC21-B1A913CFA447}"/>
+              </a:ext>
+            </a:extLst>
+          </p:cNvPr>
+          <p:cNvSpPr txBox="1"/>
+          <p:nvPr/>
+        </p:nvSpPr>
+        <p:spPr>
+          <a:xfrm>
+            <a:off x="478115" y="6295606"/>
+            <a:ext cx="723275" cy="307777"/>
+          </a:xfrm>
+          <a:prstGeom prst="rect">
+            <a:avLst/>
+          </a:prstGeom>
+          <a:noFill/>
+        </p:spPr>
+        <p:txBody>
+          <a:bodyPr wrap="none" rtlCol="0">
+            <a:spAutoFit/>
+          </a:bodyPr>
+          <a:lstStyle/>
+          <a:p>
+            <a:r>
+              <a:rPr lang="ko-KR" altLang="en-US" sz="1400"/>
+              <a:t>사운드</a:t>
+            </a:r>
+          </a:p>
+        </p:txBody>
+      </p:sp>
+      <p:sp>
+        <p:nvSpPr>
+          <p:cNvPr id="24" name="TextBox 23">
+            <a:extLst>
+              <a:ext uri="{FF2B5EF4-FFF2-40B4-BE49-F238E27FC236}">
+                <a16:creationId xmlns:a16="http://schemas.microsoft.com/office/drawing/2014/main" id="{DC952058-27DD-DBE4-308D-EFDCDC49FD92}"/>
+              </a:ext>
+            </a:extLst>
+          </p:cNvPr>
+          <p:cNvSpPr txBox="1"/>
+          <p:nvPr/>
+        </p:nvSpPr>
+        <p:spPr>
+          <a:xfrm>
+            <a:off x="3139959" y="6295607"/>
+            <a:ext cx="4615366" cy="307777"/>
+          </a:xfrm>
+          <a:prstGeom prst="rect">
+            <a:avLst/>
+          </a:prstGeom>
+          <a:noFill/>
+        </p:spPr>
+        <p:txBody>
+          <a:bodyPr wrap="none" rtlCol="0">
+            <a:spAutoFit/>
+          </a:bodyPr>
+          <a:lstStyle/>
+          <a:p>
+            <a:r>
+              <a:rPr lang="ko-KR" altLang="en-US" sz="1400"/>
+              <a:t>반격</a:t>
+            </a:r>
+            <a:r>
+              <a:rPr lang="en-US" altLang="ko-KR" sz="1400"/>
+              <a:t>, </a:t>
+            </a:r>
+            <a:r>
+              <a:rPr lang="ko-KR" altLang="en-US" sz="1400"/>
+              <a:t>대쉬</a:t>
+            </a:r>
+            <a:r>
+              <a:rPr lang="en-US" altLang="ko-KR" sz="1400"/>
+              <a:t>, </a:t>
+            </a:r>
+            <a:r>
+              <a:rPr lang="ko-KR" altLang="en-US" sz="1400"/>
+              <a:t>적군공격</a:t>
+            </a:r>
+            <a:r>
+              <a:rPr lang="en-US" altLang="ko-KR" sz="1400"/>
+              <a:t>, </a:t>
+            </a:r>
+            <a:r>
+              <a:rPr lang="ko-KR" altLang="en-US" sz="1400"/>
+              <a:t>클리어 소리</a:t>
+            </a:r>
+            <a:r>
+              <a:rPr lang="en-US" altLang="ko-KR" sz="1400"/>
+              <a:t>, </a:t>
+            </a:r>
+            <a:r>
+              <a:rPr lang="ko-KR" altLang="en-US" sz="1400"/>
+              <a:t>각종 투사체 소리 등</a:t>
+            </a:r>
+          </a:p>
+        </p:txBody>
+      </p:sp>
+      <p:sp>
+        <p:nvSpPr>
+          <p:cNvPr id="25" name="TextBox 24">
+            <a:extLst>
+              <a:ext uri="{FF2B5EF4-FFF2-40B4-BE49-F238E27FC236}">
+                <a16:creationId xmlns:a16="http://schemas.microsoft.com/office/drawing/2014/main" id="{CCA3AED0-08B1-03D3-3470-E366BF81298B}"/>
+              </a:ext>
+            </a:extLst>
+          </p:cNvPr>
+          <p:cNvSpPr txBox="1"/>
+          <p:nvPr/>
+        </p:nvSpPr>
+        <p:spPr>
+          <a:xfrm>
+            <a:off x="478115" y="6980812"/>
+            <a:ext cx="1082348" cy="307777"/>
+          </a:xfrm>
+          <a:prstGeom prst="rect">
+            <a:avLst/>
+          </a:prstGeom>
+          <a:noFill/>
+        </p:spPr>
+        <p:txBody>
+          <a:bodyPr wrap="none" rtlCol="0">
+            <a:spAutoFit/>
+          </a:bodyPr>
+          <a:lstStyle/>
+          <a:p>
+            <a:r>
+              <a:rPr lang="ko-KR" altLang="en-US" sz="1400"/>
+              <a:t>애니메이션</a:t>
+            </a:r>
+          </a:p>
+        </p:txBody>
+      </p:sp>
+      <p:sp>
+        <p:nvSpPr>
+          <p:cNvPr id="26" name="TextBox 25">
+            <a:extLst>
+              <a:ext uri="{FF2B5EF4-FFF2-40B4-BE49-F238E27FC236}">
+                <a16:creationId xmlns:a16="http://schemas.microsoft.com/office/drawing/2014/main" id="{E242ED0B-3176-BB8C-A5D5-AD4803491B21}"/>
+              </a:ext>
+            </a:extLst>
+          </p:cNvPr>
+          <p:cNvSpPr txBox="1"/>
+          <p:nvPr/>
+        </p:nvSpPr>
+        <p:spPr>
+          <a:xfrm>
+            <a:off x="3139959" y="6980813"/>
+            <a:ext cx="3190297" cy="307777"/>
+          </a:xfrm>
+          <a:prstGeom prst="rect">
+            <a:avLst/>
+          </a:prstGeom>
+          <a:noFill/>
+        </p:spPr>
+        <p:txBody>
+          <a:bodyPr wrap="none" rtlCol="0">
+            <a:spAutoFit/>
+          </a:bodyPr>
+          <a:lstStyle/>
+          <a:p>
+            <a:r>
+              <a:rPr lang="ko-KR" altLang="en-US" sz="1400"/>
+              <a:t>걷기</a:t>
+            </a:r>
+            <a:r>
+              <a:rPr lang="en-US" altLang="ko-KR" sz="1400"/>
+              <a:t>, </a:t>
+            </a:r>
+            <a:r>
+              <a:rPr lang="ko-KR" altLang="en-US" sz="1400"/>
+              <a:t>대쉬</a:t>
+            </a:r>
+            <a:r>
+              <a:rPr lang="en-US" altLang="ko-KR" sz="1400"/>
+              <a:t>, </a:t>
+            </a:r>
+            <a:r>
+              <a:rPr lang="ko-KR" altLang="en-US" sz="1400"/>
+              <a:t>반격 기본 </a:t>
+            </a:r>
+            <a:r>
+              <a:rPr lang="en-US" altLang="ko-KR" sz="1400"/>
+              <a:t>3</a:t>
+            </a:r>
+            <a:r>
+              <a:rPr lang="ko-KR" altLang="en-US" sz="1400"/>
+              <a:t>종 애니메이션</a:t>
+            </a:r>
+          </a:p>
+        </p:txBody>
+      </p:sp>
+      <p:sp>
+        <p:nvSpPr>
+          <p:cNvPr id="27" name="TextBox 26">
+            <a:extLst>
+              <a:ext uri="{FF2B5EF4-FFF2-40B4-BE49-F238E27FC236}">
+                <a16:creationId xmlns:a16="http://schemas.microsoft.com/office/drawing/2014/main" id="{B6A39556-55C3-0F07-77A2-3CCBA62A5DB3}"/>
+              </a:ext>
+            </a:extLst>
+          </p:cNvPr>
+          <p:cNvSpPr txBox="1"/>
+          <p:nvPr/>
+        </p:nvSpPr>
+        <p:spPr>
+          <a:xfrm>
+            <a:off x="7428573" y="6981257"/>
+            <a:ext cx="4894289" cy="307777"/>
+          </a:xfrm>
+          <a:prstGeom prst="rect">
+            <a:avLst/>
+          </a:prstGeom>
+          <a:noFill/>
+        </p:spPr>
+        <p:txBody>
+          <a:bodyPr wrap="none" rtlCol="0">
+            <a:spAutoFit/>
+          </a:bodyPr>
+          <a:lstStyle/>
+          <a:p>
+            <a:r>
+              <a:rPr lang="ko-KR" altLang="en-US" sz="1400"/>
+              <a:t>플레이어 사망</a:t>
+            </a:r>
+            <a:r>
+              <a:rPr lang="en-US" altLang="ko-KR" sz="1400"/>
+              <a:t>, </a:t>
+            </a:r>
+            <a:r>
+              <a:rPr lang="ko-KR" altLang="en-US" sz="1400"/>
+              <a:t>클리어</a:t>
+            </a:r>
+            <a:r>
+              <a:rPr lang="en-US" altLang="ko-KR" sz="1400"/>
+              <a:t>, </a:t>
+            </a:r>
+            <a:r>
+              <a:rPr lang="ko-KR" altLang="en-US" sz="1400"/>
+              <a:t>스테이지 이동 등 세부 움직임 추가</a:t>
             </a:r>
           </a:p>
         </p:txBody>
@@ -4809,6 +5176,1412 @@
           </a:p>
         </p:txBody>
       </p:sp>
+      <p:pic>
+        <p:nvPicPr>
+          <p:cNvPr id="4" name="그림 3">
+            <a:extLst>
+              <a:ext uri="{FF2B5EF4-FFF2-40B4-BE49-F238E27FC236}">
+                <a16:creationId xmlns:a16="http://schemas.microsoft.com/office/drawing/2014/main" id="{18B67C74-73E2-0CC5-0A15-240082340EA2}"/>
+              </a:ext>
+            </a:extLst>
+          </p:cNvPr>
+          <p:cNvPicPr>
+            <a:picLocks noChangeAspect="1"/>
+          </p:cNvPicPr>
+          <p:nvPr/>
+        </p:nvPicPr>
+        <p:blipFill>
+          <a:blip r:embed="rId2">
+            <a:duotone>
+              <a:prstClr val="black"/>
+              <a:srgbClr val="461646">
+                <a:tint val="45000"/>
+                <a:satMod val="400000"/>
+              </a:srgbClr>
+            </a:duotone>
+            <a:extLst>
+              <a:ext uri="{28A0092B-C50C-407E-A947-70E740481C1C}">
+                <a14:useLocalDpi xmlns:a14="http://schemas.microsoft.com/office/drawing/2010/main" val="0"/>
+              </a:ext>
+            </a:extLst>
+          </a:blip>
+          <a:stretch>
+            <a:fillRect/>
+          </a:stretch>
+        </p:blipFill>
+        <p:spPr>
+          <a:xfrm>
+            <a:off x="4900246" y="1539951"/>
+            <a:ext cx="972740" cy="972740"/>
+          </a:xfrm>
+          <a:prstGeom prst="rect">
+            <a:avLst/>
+          </a:prstGeom>
+        </p:spPr>
+      </p:pic>
+      <p:pic>
+        <p:nvPicPr>
+          <p:cNvPr id="5" name="그림 4">
+            <a:extLst>
+              <a:ext uri="{FF2B5EF4-FFF2-40B4-BE49-F238E27FC236}">
+                <a16:creationId xmlns:a16="http://schemas.microsoft.com/office/drawing/2014/main" id="{108FFD68-BD39-34A9-86B1-958F3F78CE87}"/>
+              </a:ext>
+            </a:extLst>
+          </p:cNvPr>
+          <p:cNvPicPr>
+            <a:picLocks noChangeAspect="1"/>
+          </p:cNvPicPr>
+          <p:nvPr/>
+        </p:nvPicPr>
+        <p:blipFill>
+          <a:blip r:embed="rId2">
+            <a:duotone>
+              <a:prstClr val="black"/>
+              <a:srgbClr val="461646">
+                <a:tint val="45000"/>
+                <a:satMod val="400000"/>
+              </a:srgbClr>
+            </a:duotone>
+            <a:extLst>
+              <a:ext uri="{28A0092B-C50C-407E-A947-70E740481C1C}">
+                <a14:useLocalDpi xmlns:a14="http://schemas.microsoft.com/office/drawing/2010/main" val="0"/>
+              </a:ext>
+            </a:extLst>
+          </a:blip>
+          <a:stretch>
+            <a:fillRect/>
+          </a:stretch>
+        </p:blipFill>
+        <p:spPr>
+          <a:xfrm>
+            <a:off x="5872986" y="1539951"/>
+            <a:ext cx="972740" cy="972740"/>
+          </a:xfrm>
+          <a:prstGeom prst="rect">
+            <a:avLst/>
+          </a:prstGeom>
+        </p:spPr>
+      </p:pic>
+      <p:pic>
+        <p:nvPicPr>
+          <p:cNvPr id="6" name="그림 5">
+            <a:extLst>
+              <a:ext uri="{FF2B5EF4-FFF2-40B4-BE49-F238E27FC236}">
+                <a16:creationId xmlns:a16="http://schemas.microsoft.com/office/drawing/2014/main" id="{4EEF9390-692D-26B8-00A3-387364E0D64C}"/>
+              </a:ext>
+            </a:extLst>
+          </p:cNvPr>
+          <p:cNvPicPr>
+            <a:picLocks noChangeAspect="1"/>
+          </p:cNvPicPr>
+          <p:nvPr/>
+        </p:nvPicPr>
+        <p:blipFill>
+          <a:blip r:embed="rId2">
+            <a:duotone>
+              <a:prstClr val="black"/>
+              <a:srgbClr val="461646">
+                <a:tint val="45000"/>
+                <a:satMod val="400000"/>
+              </a:srgbClr>
+            </a:duotone>
+            <a:extLst>
+              <a:ext uri="{28A0092B-C50C-407E-A947-70E740481C1C}">
+                <a14:useLocalDpi xmlns:a14="http://schemas.microsoft.com/office/drawing/2010/main" val="0"/>
+              </a:ext>
+            </a:extLst>
+          </a:blip>
+          <a:stretch>
+            <a:fillRect/>
+          </a:stretch>
+        </p:blipFill>
+        <p:spPr>
+          <a:xfrm>
+            <a:off x="4900246" y="2338664"/>
+            <a:ext cx="972740" cy="972740"/>
+          </a:xfrm>
+          <a:prstGeom prst="rect">
+            <a:avLst/>
+          </a:prstGeom>
+        </p:spPr>
+      </p:pic>
+      <p:pic>
+        <p:nvPicPr>
+          <p:cNvPr id="7" name="그림 6">
+            <a:extLst>
+              <a:ext uri="{FF2B5EF4-FFF2-40B4-BE49-F238E27FC236}">
+                <a16:creationId xmlns:a16="http://schemas.microsoft.com/office/drawing/2014/main" id="{2C943883-344D-0C73-E79B-640A4BF7547A}"/>
+              </a:ext>
+            </a:extLst>
+          </p:cNvPr>
+          <p:cNvPicPr>
+            <a:picLocks noChangeAspect="1"/>
+          </p:cNvPicPr>
+          <p:nvPr/>
+        </p:nvPicPr>
+        <p:blipFill>
+          <a:blip r:embed="rId2">
+            <a:duotone>
+              <a:prstClr val="black"/>
+              <a:srgbClr val="461646">
+                <a:tint val="45000"/>
+                <a:satMod val="400000"/>
+              </a:srgbClr>
+            </a:duotone>
+            <a:extLst>
+              <a:ext uri="{28A0092B-C50C-407E-A947-70E740481C1C}">
+                <a14:useLocalDpi xmlns:a14="http://schemas.microsoft.com/office/drawing/2010/main" val="0"/>
+              </a:ext>
+            </a:extLst>
+          </a:blip>
+          <a:stretch>
+            <a:fillRect/>
+          </a:stretch>
+        </p:blipFill>
+        <p:spPr>
+          <a:xfrm>
+            <a:off x="5872986" y="2338664"/>
+            <a:ext cx="972740" cy="972740"/>
+          </a:xfrm>
+          <a:prstGeom prst="rect">
+            <a:avLst/>
+          </a:prstGeom>
+        </p:spPr>
+      </p:pic>
+      <p:pic>
+        <p:nvPicPr>
+          <p:cNvPr id="8" name="그림 7">
+            <a:extLst>
+              <a:ext uri="{FF2B5EF4-FFF2-40B4-BE49-F238E27FC236}">
+                <a16:creationId xmlns:a16="http://schemas.microsoft.com/office/drawing/2014/main" id="{A05360D2-9626-A6E5-3C98-FDB33D22F863}"/>
+              </a:ext>
+            </a:extLst>
+          </p:cNvPr>
+          <p:cNvPicPr>
+            <a:picLocks noChangeAspect="1"/>
+          </p:cNvPicPr>
+          <p:nvPr/>
+        </p:nvPicPr>
+        <p:blipFill>
+          <a:blip r:embed="rId2">
+            <a:duotone>
+              <a:prstClr val="black"/>
+              <a:srgbClr val="461646">
+                <a:tint val="45000"/>
+                <a:satMod val="400000"/>
+              </a:srgbClr>
+            </a:duotone>
+            <a:extLst>
+              <a:ext uri="{28A0092B-C50C-407E-A947-70E740481C1C}">
+                <a14:useLocalDpi xmlns:a14="http://schemas.microsoft.com/office/drawing/2010/main" val="0"/>
+              </a:ext>
+            </a:extLst>
+          </a:blip>
+          <a:stretch>
+            <a:fillRect/>
+          </a:stretch>
+        </p:blipFill>
+        <p:spPr>
+          <a:xfrm>
+            <a:off x="6845726" y="1539951"/>
+            <a:ext cx="972740" cy="972740"/>
+          </a:xfrm>
+          <a:prstGeom prst="rect">
+            <a:avLst/>
+          </a:prstGeom>
+        </p:spPr>
+      </p:pic>
+      <p:pic>
+        <p:nvPicPr>
+          <p:cNvPr id="9" name="그림 8">
+            <a:extLst>
+              <a:ext uri="{FF2B5EF4-FFF2-40B4-BE49-F238E27FC236}">
+                <a16:creationId xmlns:a16="http://schemas.microsoft.com/office/drawing/2014/main" id="{A38688FF-2632-0035-8879-55755BAC0461}"/>
+              </a:ext>
+            </a:extLst>
+          </p:cNvPr>
+          <p:cNvPicPr>
+            <a:picLocks noChangeAspect="1"/>
+          </p:cNvPicPr>
+          <p:nvPr/>
+        </p:nvPicPr>
+        <p:blipFill>
+          <a:blip r:embed="rId2">
+            <a:duotone>
+              <a:prstClr val="black"/>
+              <a:srgbClr val="461646">
+                <a:tint val="45000"/>
+                <a:satMod val="400000"/>
+              </a:srgbClr>
+            </a:duotone>
+            <a:extLst>
+              <a:ext uri="{28A0092B-C50C-407E-A947-70E740481C1C}">
+                <a14:useLocalDpi xmlns:a14="http://schemas.microsoft.com/office/drawing/2010/main" val="0"/>
+              </a:ext>
+            </a:extLst>
+          </a:blip>
+          <a:stretch>
+            <a:fillRect/>
+          </a:stretch>
+        </p:blipFill>
+        <p:spPr>
+          <a:xfrm>
+            <a:off x="7818466" y="1539951"/>
+            <a:ext cx="972740" cy="972740"/>
+          </a:xfrm>
+          <a:prstGeom prst="rect">
+            <a:avLst/>
+          </a:prstGeom>
+        </p:spPr>
+      </p:pic>
+      <p:pic>
+        <p:nvPicPr>
+          <p:cNvPr id="10" name="그림 9">
+            <a:extLst>
+              <a:ext uri="{FF2B5EF4-FFF2-40B4-BE49-F238E27FC236}">
+                <a16:creationId xmlns:a16="http://schemas.microsoft.com/office/drawing/2014/main" id="{8DA7700C-BC30-49BE-CA6E-96EFDD78477A}"/>
+              </a:ext>
+            </a:extLst>
+          </p:cNvPr>
+          <p:cNvPicPr>
+            <a:picLocks noChangeAspect="1"/>
+          </p:cNvPicPr>
+          <p:nvPr/>
+        </p:nvPicPr>
+        <p:blipFill>
+          <a:blip r:embed="rId2">
+            <a:duotone>
+              <a:prstClr val="black"/>
+              <a:srgbClr val="461646">
+                <a:tint val="45000"/>
+                <a:satMod val="400000"/>
+              </a:srgbClr>
+            </a:duotone>
+            <a:extLst>
+              <a:ext uri="{28A0092B-C50C-407E-A947-70E740481C1C}">
+                <a14:useLocalDpi xmlns:a14="http://schemas.microsoft.com/office/drawing/2010/main" val="0"/>
+              </a:ext>
+            </a:extLst>
+          </a:blip>
+          <a:stretch>
+            <a:fillRect/>
+          </a:stretch>
+        </p:blipFill>
+        <p:spPr>
+          <a:xfrm>
+            <a:off x="6845726" y="2338664"/>
+            <a:ext cx="972740" cy="972740"/>
+          </a:xfrm>
+          <a:prstGeom prst="rect">
+            <a:avLst/>
+          </a:prstGeom>
+        </p:spPr>
+      </p:pic>
+      <p:pic>
+        <p:nvPicPr>
+          <p:cNvPr id="11" name="그림 10">
+            <a:extLst>
+              <a:ext uri="{FF2B5EF4-FFF2-40B4-BE49-F238E27FC236}">
+                <a16:creationId xmlns:a16="http://schemas.microsoft.com/office/drawing/2014/main" id="{6212BFED-FE92-F8DF-4C97-D90EF234D056}"/>
+              </a:ext>
+            </a:extLst>
+          </p:cNvPr>
+          <p:cNvPicPr>
+            <a:picLocks noChangeAspect="1"/>
+          </p:cNvPicPr>
+          <p:nvPr/>
+        </p:nvPicPr>
+        <p:blipFill>
+          <a:blip r:embed="rId2">
+            <a:duotone>
+              <a:prstClr val="black"/>
+              <a:srgbClr val="461646">
+                <a:tint val="45000"/>
+                <a:satMod val="400000"/>
+              </a:srgbClr>
+            </a:duotone>
+            <a:extLst>
+              <a:ext uri="{28A0092B-C50C-407E-A947-70E740481C1C}">
+                <a14:useLocalDpi xmlns:a14="http://schemas.microsoft.com/office/drawing/2010/main" val="0"/>
+              </a:ext>
+            </a:extLst>
+          </a:blip>
+          <a:stretch>
+            <a:fillRect/>
+          </a:stretch>
+        </p:blipFill>
+        <p:spPr>
+          <a:xfrm>
+            <a:off x="7818466" y="2338664"/>
+            <a:ext cx="972740" cy="972740"/>
+          </a:xfrm>
+          <a:prstGeom prst="rect">
+            <a:avLst/>
+          </a:prstGeom>
+        </p:spPr>
+      </p:pic>
+      <p:pic>
+        <p:nvPicPr>
+          <p:cNvPr id="12" name="그림 11">
+            <a:extLst>
+              <a:ext uri="{FF2B5EF4-FFF2-40B4-BE49-F238E27FC236}">
+                <a16:creationId xmlns:a16="http://schemas.microsoft.com/office/drawing/2014/main" id="{82BD6821-0E56-590E-EF23-CD16BE269A36}"/>
+              </a:ext>
+            </a:extLst>
+          </p:cNvPr>
+          <p:cNvPicPr>
+            <a:picLocks noChangeAspect="1"/>
+          </p:cNvPicPr>
+          <p:nvPr/>
+        </p:nvPicPr>
+        <p:blipFill>
+          <a:blip r:embed="rId2">
+            <a:duotone>
+              <a:prstClr val="black"/>
+              <a:srgbClr val="461646">
+                <a:tint val="45000"/>
+                <a:satMod val="400000"/>
+              </a:srgbClr>
+            </a:duotone>
+            <a:extLst>
+              <a:ext uri="{28A0092B-C50C-407E-A947-70E740481C1C}">
+                <a14:useLocalDpi xmlns:a14="http://schemas.microsoft.com/office/drawing/2010/main" val="0"/>
+              </a:ext>
+            </a:extLst>
+          </a:blip>
+          <a:stretch>
+            <a:fillRect/>
+          </a:stretch>
+        </p:blipFill>
+        <p:spPr>
+          <a:xfrm>
+            <a:off x="4900246" y="3137377"/>
+            <a:ext cx="972740" cy="972740"/>
+          </a:xfrm>
+          <a:prstGeom prst="rect">
+            <a:avLst/>
+          </a:prstGeom>
+        </p:spPr>
+      </p:pic>
+      <p:pic>
+        <p:nvPicPr>
+          <p:cNvPr id="13" name="그림 12">
+            <a:extLst>
+              <a:ext uri="{FF2B5EF4-FFF2-40B4-BE49-F238E27FC236}">
+                <a16:creationId xmlns:a16="http://schemas.microsoft.com/office/drawing/2014/main" id="{3BA12DA0-8078-FB80-AE7B-7635EB9F65E1}"/>
+              </a:ext>
+            </a:extLst>
+          </p:cNvPr>
+          <p:cNvPicPr>
+            <a:picLocks noChangeAspect="1"/>
+          </p:cNvPicPr>
+          <p:nvPr/>
+        </p:nvPicPr>
+        <p:blipFill>
+          <a:blip r:embed="rId2">
+            <a:duotone>
+              <a:prstClr val="black"/>
+              <a:srgbClr val="461646">
+                <a:tint val="45000"/>
+                <a:satMod val="400000"/>
+              </a:srgbClr>
+            </a:duotone>
+            <a:extLst>
+              <a:ext uri="{28A0092B-C50C-407E-A947-70E740481C1C}">
+                <a14:useLocalDpi xmlns:a14="http://schemas.microsoft.com/office/drawing/2010/main" val="0"/>
+              </a:ext>
+            </a:extLst>
+          </a:blip>
+          <a:stretch>
+            <a:fillRect/>
+          </a:stretch>
+        </p:blipFill>
+        <p:spPr>
+          <a:xfrm>
+            <a:off x="5872986" y="3137377"/>
+            <a:ext cx="972740" cy="972740"/>
+          </a:xfrm>
+          <a:prstGeom prst="rect">
+            <a:avLst/>
+          </a:prstGeom>
+        </p:spPr>
+      </p:pic>
+      <p:pic>
+        <p:nvPicPr>
+          <p:cNvPr id="14" name="그림 13">
+            <a:extLst>
+              <a:ext uri="{FF2B5EF4-FFF2-40B4-BE49-F238E27FC236}">
+                <a16:creationId xmlns:a16="http://schemas.microsoft.com/office/drawing/2014/main" id="{F986FBF1-1794-972E-F9AA-AC9F6DB6AB11}"/>
+              </a:ext>
+            </a:extLst>
+          </p:cNvPr>
+          <p:cNvPicPr>
+            <a:picLocks noChangeAspect="1"/>
+          </p:cNvPicPr>
+          <p:nvPr/>
+        </p:nvPicPr>
+        <p:blipFill>
+          <a:blip r:embed="rId2">
+            <a:duotone>
+              <a:prstClr val="black"/>
+              <a:srgbClr val="461646">
+                <a:tint val="45000"/>
+                <a:satMod val="400000"/>
+              </a:srgbClr>
+            </a:duotone>
+            <a:extLst>
+              <a:ext uri="{28A0092B-C50C-407E-A947-70E740481C1C}">
+                <a14:useLocalDpi xmlns:a14="http://schemas.microsoft.com/office/drawing/2010/main" val="0"/>
+              </a:ext>
+            </a:extLst>
+          </a:blip>
+          <a:stretch>
+            <a:fillRect/>
+          </a:stretch>
+        </p:blipFill>
+        <p:spPr>
+          <a:xfrm>
+            <a:off x="4900246" y="3936090"/>
+            <a:ext cx="972740" cy="972740"/>
+          </a:xfrm>
+          <a:prstGeom prst="rect">
+            <a:avLst/>
+          </a:prstGeom>
+        </p:spPr>
+      </p:pic>
+      <p:pic>
+        <p:nvPicPr>
+          <p:cNvPr id="15" name="그림 14">
+            <a:extLst>
+              <a:ext uri="{FF2B5EF4-FFF2-40B4-BE49-F238E27FC236}">
+                <a16:creationId xmlns:a16="http://schemas.microsoft.com/office/drawing/2014/main" id="{66DA0FA2-D75A-0370-EF6C-393B1F7DE9A8}"/>
+              </a:ext>
+            </a:extLst>
+          </p:cNvPr>
+          <p:cNvPicPr>
+            <a:picLocks noChangeAspect="1"/>
+          </p:cNvPicPr>
+          <p:nvPr/>
+        </p:nvPicPr>
+        <p:blipFill>
+          <a:blip r:embed="rId2">
+            <a:duotone>
+              <a:prstClr val="black"/>
+              <a:srgbClr val="461646">
+                <a:tint val="45000"/>
+                <a:satMod val="400000"/>
+              </a:srgbClr>
+            </a:duotone>
+            <a:extLst>
+              <a:ext uri="{28A0092B-C50C-407E-A947-70E740481C1C}">
+                <a14:useLocalDpi xmlns:a14="http://schemas.microsoft.com/office/drawing/2010/main" val="0"/>
+              </a:ext>
+            </a:extLst>
+          </a:blip>
+          <a:stretch>
+            <a:fillRect/>
+          </a:stretch>
+        </p:blipFill>
+        <p:spPr>
+          <a:xfrm>
+            <a:off x="5872986" y="3936090"/>
+            <a:ext cx="972740" cy="972740"/>
+          </a:xfrm>
+          <a:prstGeom prst="rect">
+            <a:avLst/>
+          </a:prstGeom>
+        </p:spPr>
+      </p:pic>
+      <p:pic>
+        <p:nvPicPr>
+          <p:cNvPr id="16" name="그림 15">
+            <a:extLst>
+              <a:ext uri="{FF2B5EF4-FFF2-40B4-BE49-F238E27FC236}">
+                <a16:creationId xmlns:a16="http://schemas.microsoft.com/office/drawing/2014/main" id="{69BE4CE1-B361-7367-1D7C-45D35999FA2D}"/>
+              </a:ext>
+            </a:extLst>
+          </p:cNvPr>
+          <p:cNvPicPr>
+            <a:picLocks noChangeAspect="1"/>
+          </p:cNvPicPr>
+          <p:nvPr/>
+        </p:nvPicPr>
+        <p:blipFill>
+          <a:blip r:embed="rId2">
+            <a:duotone>
+              <a:prstClr val="black"/>
+              <a:srgbClr val="461646">
+                <a:tint val="45000"/>
+                <a:satMod val="400000"/>
+              </a:srgbClr>
+            </a:duotone>
+            <a:extLst>
+              <a:ext uri="{28A0092B-C50C-407E-A947-70E740481C1C}">
+                <a14:useLocalDpi xmlns:a14="http://schemas.microsoft.com/office/drawing/2010/main" val="0"/>
+              </a:ext>
+            </a:extLst>
+          </a:blip>
+          <a:stretch>
+            <a:fillRect/>
+          </a:stretch>
+        </p:blipFill>
+        <p:spPr>
+          <a:xfrm>
+            <a:off x="6845726" y="3137377"/>
+            <a:ext cx="972740" cy="972740"/>
+          </a:xfrm>
+          <a:prstGeom prst="rect">
+            <a:avLst/>
+          </a:prstGeom>
+        </p:spPr>
+      </p:pic>
+      <p:pic>
+        <p:nvPicPr>
+          <p:cNvPr id="17" name="그림 16">
+            <a:extLst>
+              <a:ext uri="{FF2B5EF4-FFF2-40B4-BE49-F238E27FC236}">
+                <a16:creationId xmlns:a16="http://schemas.microsoft.com/office/drawing/2014/main" id="{1B6FCEE4-ACD8-4F0F-0E88-6AD2ACAAEDDD}"/>
+              </a:ext>
+            </a:extLst>
+          </p:cNvPr>
+          <p:cNvPicPr>
+            <a:picLocks noChangeAspect="1"/>
+          </p:cNvPicPr>
+          <p:nvPr/>
+        </p:nvPicPr>
+        <p:blipFill>
+          <a:blip r:embed="rId2">
+            <a:duotone>
+              <a:prstClr val="black"/>
+              <a:srgbClr val="461646">
+                <a:tint val="45000"/>
+                <a:satMod val="400000"/>
+              </a:srgbClr>
+            </a:duotone>
+            <a:extLst>
+              <a:ext uri="{28A0092B-C50C-407E-A947-70E740481C1C}">
+                <a14:useLocalDpi xmlns:a14="http://schemas.microsoft.com/office/drawing/2010/main" val="0"/>
+              </a:ext>
+            </a:extLst>
+          </a:blip>
+          <a:stretch>
+            <a:fillRect/>
+          </a:stretch>
+        </p:blipFill>
+        <p:spPr>
+          <a:xfrm>
+            <a:off x="7818466" y="3137377"/>
+            <a:ext cx="972740" cy="972740"/>
+          </a:xfrm>
+          <a:prstGeom prst="rect">
+            <a:avLst/>
+          </a:prstGeom>
+        </p:spPr>
+      </p:pic>
+      <p:pic>
+        <p:nvPicPr>
+          <p:cNvPr id="18" name="그림 17">
+            <a:extLst>
+              <a:ext uri="{FF2B5EF4-FFF2-40B4-BE49-F238E27FC236}">
+                <a16:creationId xmlns:a16="http://schemas.microsoft.com/office/drawing/2014/main" id="{0CB8799E-300A-FE36-A2FD-EFFBDC7DC589}"/>
+              </a:ext>
+            </a:extLst>
+          </p:cNvPr>
+          <p:cNvPicPr>
+            <a:picLocks noChangeAspect="1"/>
+          </p:cNvPicPr>
+          <p:nvPr/>
+        </p:nvPicPr>
+        <p:blipFill>
+          <a:blip r:embed="rId2">
+            <a:duotone>
+              <a:prstClr val="black"/>
+              <a:srgbClr val="461646">
+                <a:tint val="45000"/>
+                <a:satMod val="400000"/>
+              </a:srgbClr>
+            </a:duotone>
+            <a:extLst>
+              <a:ext uri="{28A0092B-C50C-407E-A947-70E740481C1C}">
+                <a14:useLocalDpi xmlns:a14="http://schemas.microsoft.com/office/drawing/2010/main" val="0"/>
+              </a:ext>
+            </a:extLst>
+          </a:blip>
+          <a:stretch>
+            <a:fillRect/>
+          </a:stretch>
+        </p:blipFill>
+        <p:spPr>
+          <a:xfrm>
+            <a:off x="6845726" y="3936090"/>
+            <a:ext cx="972740" cy="972740"/>
+          </a:xfrm>
+          <a:prstGeom prst="rect">
+            <a:avLst/>
+          </a:prstGeom>
+        </p:spPr>
+      </p:pic>
+      <p:pic>
+        <p:nvPicPr>
+          <p:cNvPr id="19" name="그림 18">
+            <a:extLst>
+              <a:ext uri="{FF2B5EF4-FFF2-40B4-BE49-F238E27FC236}">
+                <a16:creationId xmlns:a16="http://schemas.microsoft.com/office/drawing/2014/main" id="{4F4A9F41-517E-7DD0-EE5D-E04B007410D9}"/>
+              </a:ext>
+            </a:extLst>
+          </p:cNvPr>
+          <p:cNvPicPr>
+            <a:picLocks noChangeAspect="1"/>
+          </p:cNvPicPr>
+          <p:nvPr/>
+        </p:nvPicPr>
+        <p:blipFill>
+          <a:blip r:embed="rId2">
+            <a:duotone>
+              <a:prstClr val="black"/>
+              <a:srgbClr val="461646">
+                <a:tint val="45000"/>
+                <a:satMod val="400000"/>
+              </a:srgbClr>
+            </a:duotone>
+            <a:extLst>
+              <a:ext uri="{28A0092B-C50C-407E-A947-70E740481C1C}">
+                <a14:useLocalDpi xmlns:a14="http://schemas.microsoft.com/office/drawing/2010/main" val="0"/>
+              </a:ext>
+            </a:extLst>
+          </a:blip>
+          <a:stretch>
+            <a:fillRect/>
+          </a:stretch>
+        </p:blipFill>
+        <p:spPr>
+          <a:xfrm>
+            <a:off x="7818466" y="3936090"/>
+            <a:ext cx="972740" cy="972740"/>
+          </a:xfrm>
+          <a:prstGeom prst="rect">
+            <a:avLst/>
+          </a:prstGeom>
+        </p:spPr>
+      </p:pic>
+      <p:sp>
+        <p:nvSpPr>
+          <p:cNvPr id="40" name="TextBox 39">
+            <a:extLst>
+              <a:ext uri="{FF2B5EF4-FFF2-40B4-BE49-F238E27FC236}">
+                <a16:creationId xmlns:a16="http://schemas.microsoft.com/office/drawing/2014/main" id="{00B2B13B-E7DE-6EEF-F3E9-BD3540CD8D70}"/>
+              </a:ext>
+            </a:extLst>
+          </p:cNvPr>
+          <p:cNvSpPr txBox="1"/>
+          <p:nvPr/>
+        </p:nvSpPr>
+        <p:spPr>
+          <a:xfrm>
+            <a:off x="6333635" y="1042942"/>
+            <a:ext cx="877163" cy="369332"/>
+          </a:xfrm>
+          <a:prstGeom prst="rect">
+            <a:avLst/>
+          </a:prstGeom>
+          <a:noFill/>
+        </p:spPr>
+        <p:txBody>
+          <a:bodyPr wrap="none" rtlCol="0">
+            <a:spAutoFit/>
+          </a:bodyPr>
+          <a:lstStyle/>
+          <a:p>
+            <a:r>
+              <a:rPr lang="ko-KR" altLang="en-US"/>
+              <a:t>마왕성</a:t>
+            </a:r>
+          </a:p>
+        </p:txBody>
+      </p:sp>
+      <p:pic>
+        <p:nvPicPr>
+          <p:cNvPr id="42" name="그림 41" descr="텍스트, 다채로운, 클립아트이(가) 표시된 사진&#10;&#10;자동 생성된 설명">
+            <a:extLst>
+              <a:ext uri="{FF2B5EF4-FFF2-40B4-BE49-F238E27FC236}">
+                <a16:creationId xmlns:a16="http://schemas.microsoft.com/office/drawing/2014/main" id="{CB6AB6F0-B7AE-12DF-CBC6-B130A558CD81}"/>
+              </a:ext>
+            </a:extLst>
+          </p:cNvPr>
+          <p:cNvPicPr>
+            <a:picLocks noChangeAspect="1"/>
+          </p:cNvPicPr>
+          <p:nvPr/>
+        </p:nvPicPr>
+        <p:blipFill>
+          <a:blip r:embed="rId3">
+            <a:extLst>
+              <a:ext uri="{28A0092B-C50C-407E-A947-70E740481C1C}">
+                <a14:useLocalDpi xmlns:a14="http://schemas.microsoft.com/office/drawing/2010/main" val="0"/>
+              </a:ext>
+            </a:extLst>
+          </a:blip>
+          <a:stretch>
+            <a:fillRect/>
+          </a:stretch>
+        </p:blipFill>
+        <p:spPr>
+          <a:xfrm>
+            <a:off x="2205042" y="1523205"/>
+            <a:ext cx="972739" cy="972739"/>
+          </a:xfrm>
+          <a:prstGeom prst="rect">
+            <a:avLst/>
+          </a:prstGeom>
+        </p:spPr>
+      </p:pic>
+      <p:pic>
+        <p:nvPicPr>
+          <p:cNvPr id="50" name="그림 49" descr="바둑판식이(가) 표시된 사진&#10;&#10;자동 생성된 설명">
+            <a:extLst>
+              <a:ext uri="{FF2B5EF4-FFF2-40B4-BE49-F238E27FC236}">
+                <a16:creationId xmlns:a16="http://schemas.microsoft.com/office/drawing/2014/main" id="{423040B3-3C1B-13D8-5027-05277D0369DF}"/>
+              </a:ext>
+            </a:extLst>
+          </p:cNvPr>
+          <p:cNvPicPr>
+            <a:picLocks noChangeAspect="1"/>
+          </p:cNvPicPr>
+          <p:nvPr/>
+        </p:nvPicPr>
+        <p:blipFill>
+          <a:blip r:embed="rId4">
+            <a:extLst>
+              <a:ext uri="{28A0092B-C50C-407E-A947-70E740481C1C}">
+                <a14:useLocalDpi xmlns:a14="http://schemas.microsoft.com/office/drawing/2010/main" val="0"/>
+              </a:ext>
+            </a:extLst>
+          </a:blip>
+          <a:stretch>
+            <a:fillRect/>
+          </a:stretch>
+        </p:blipFill>
+        <p:spPr>
+          <a:xfrm>
+            <a:off x="1232303" y="1523206"/>
+            <a:ext cx="972739" cy="972739"/>
+          </a:xfrm>
+          <a:prstGeom prst="rect">
+            <a:avLst/>
+          </a:prstGeom>
+        </p:spPr>
+      </p:pic>
+      <p:pic>
+        <p:nvPicPr>
+          <p:cNvPr id="52" name="그림 51" descr="다채로운, 흐린이(가) 표시된 사진&#10;&#10;자동 생성된 설명">
+            <a:extLst>
+              <a:ext uri="{FF2B5EF4-FFF2-40B4-BE49-F238E27FC236}">
+                <a16:creationId xmlns:a16="http://schemas.microsoft.com/office/drawing/2014/main" id="{3E77098E-BD9C-25A7-4A59-8C9669B9D796}"/>
+              </a:ext>
+            </a:extLst>
+          </p:cNvPr>
+          <p:cNvPicPr>
+            <a:picLocks noChangeAspect="1"/>
+          </p:cNvPicPr>
+          <p:nvPr/>
+        </p:nvPicPr>
+        <p:blipFill>
+          <a:blip r:embed="rId5">
+            <a:extLst>
+              <a:ext uri="{28A0092B-C50C-407E-A947-70E740481C1C}">
+                <a14:useLocalDpi xmlns:a14="http://schemas.microsoft.com/office/drawing/2010/main" val="0"/>
+              </a:ext>
+            </a:extLst>
+          </a:blip>
+          <a:stretch>
+            <a:fillRect/>
+          </a:stretch>
+        </p:blipFill>
+        <p:spPr>
+          <a:xfrm>
+            <a:off x="2205042" y="2314476"/>
+            <a:ext cx="972739" cy="972739"/>
+          </a:xfrm>
+          <a:prstGeom prst="rect">
+            <a:avLst/>
+          </a:prstGeom>
+        </p:spPr>
+      </p:pic>
+      <p:pic>
+        <p:nvPicPr>
+          <p:cNvPr id="53" name="그림 52" descr="바둑판식이(가) 표시된 사진&#10;&#10;자동 생성된 설명">
+            <a:extLst>
+              <a:ext uri="{FF2B5EF4-FFF2-40B4-BE49-F238E27FC236}">
+                <a16:creationId xmlns:a16="http://schemas.microsoft.com/office/drawing/2014/main" id="{1E671A4D-D195-FD25-F107-2671F30C10D4}"/>
+              </a:ext>
+            </a:extLst>
+          </p:cNvPr>
+          <p:cNvPicPr>
+            <a:picLocks noChangeAspect="1"/>
+          </p:cNvPicPr>
+          <p:nvPr/>
+        </p:nvPicPr>
+        <p:blipFill>
+          <a:blip r:embed="rId4">
+            <a:extLst>
+              <a:ext uri="{28A0092B-C50C-407E-A947-70E740481C1C}">
+                <a14:useLocalDpi xmlns:a14="http://schemas.microsoft.com/office/drawing/2010/main" val="0"/>
+              </a:ext>
+            </a:extLst>
+          </a:blip>
+          <a:stretch>
+            <a:fillRect/>
+          </a:stretch>
+        </p:blipFill>
+        <p:spPr>
+          <a:xfrm>
+            <a:off x="259564" y="1523205"/>
+            <a:ext cx="972739" cy="972739"/>
+          </a:xfrm>
+          <a:prstGeom prst="rect">
+            <a:avLst/>
+          </a:prstGeom>
+        </p:spPr>
+      </p:pic>
+      <p:pic>
+        <p:nvPicPr>
+          <p:cNvPr id="54" name="그림 53" descr="바둑판식이(가) 표시된 사진&#10;&#10;자동 생성된 설명">
+            <a:extLst>
+              <a:ext uri="{FF2B5EF4-FFF2-40B4-BE49-F238E27FC236}">
+                <a16:creationId xmlns:a16="http://schemas.microsoft.com/office/drawing/2014/main" id="{99181865-5D7A-6400-53ED-C5E8E864CA43}"/>
+              </a:ext>
+            </a:extLst>
+          </p:cNvPr>
+          <p:cNvPicPr>
+            <a:picLocks noChangeAspect="1"/>
+          </p:cNvPicPr>
+          <p:nvPr/>
+        </p:nvPicPr>
+        <p:blipFill>
+          <a:blip r:embed="rId4">
+            <a:extLst>
+              <a:ext uri="{28A0092B-C50C-407E-A947-70E740481C1C}">
+                <a14:useLocalDpi xmlns:a14="http://schemas.microsoft.com/office/drawing/2010/main" val="0"/>
+              </a:ext>
+            </a:extLst>
+          </a:blip>
+          <a:stretch>
+            <a:fillRect/>
+          </a:stretch>
+        </p:blipFill>
+        <p:spPr>
+          <a:xfrm>
+            <a:off x="3177781" y="1523205"/>
+            <a:ext cx="972739" cy="972739"/>
+          </a:xfrm>
+          <a:prstGeom prst="rect">
+            <a:avLst/>
+          </a:prstGeom>
+        </p:spPr>
+      </p:pic>
+      <p:pic>
+        <p:nvPicPr>
+          <p:cNvPr id="55" name="그림 54" descr="다채로운, 흐린이(가) 표시된 사진&#10;&#10;자동 생성된 설명">
+            <a:extLst>
+              <a:ext uri="{FF2B5EF4-FFF2-40B4-BE49-F238E27FC236}">
+                <a16:creationId xmlns:a16="http://schemas.microsoft.com/office/drawing/2014/main" id="{96EE8274-FDD7-6EA1-2F19-E361F34D4DB0}"/>
+              </a:ext>
+            </a:extLst>
+          </p:cNvPr>
+          <p:cNvPicPr>
+            <a:picLocks noChangeAspect="1"/>
+          </p:cNvPicPr>
+          <p:nvPr/>
+        </p:nvPicPr>
+        <p:blipFill>
+          <a:blip r:embed="rId5">
+            <a:extLst>
+              <a:ext uri="{28A0092B-C50C-407E-A947-70E740481C1C}">
+                <a14:useLocalDpi xmlns:a14="http://schemas.microsoft.com/office/drawing/2010/main" val="0"/>
+              </a:ext>
+            </a:extLst>
+          </a:blip>
+          <a:stretch>
+            <a:fillRect/>
+          </a:stretch>
+        </p:blipFill>
+        <p:spPr>
+          <a:xfrm>
+            <a:off x="259563" y="2321920"/>
+            <a:ext cx="972739" cy="972739"/>
+          </a:xfrm>
+          <a:prstGeom prst="rect">
+            <a:avLst/>
+          </a:prstGeom>
+        </p:spPr>
+      </p:pic>
+      <p:pic>
+        <p:nvPicPr>
+          <p:cNvPr id="56" name="그림 55" descr="텍스트, 다채로운, 클립아트이(가) 표시된 사진&#10;&#10;자동 생성된 설명">
+            <a:extLst>
+              <a:ext uri="{FF2B5EF4-FFF2-40B4-BE49-F238E27FC236}">
+                <a16:creationId xmlns:a16="http://schemas.microsoft.com/office/drawing/2014/main" id="{2CAD7DF2-C1B0-CBCB-9C1D-BA58490F6327}"/>
+              </a:ext>
+            </a:extLst>
+          </p:cNvPr>
+          <p:cNvPicPr>
+            <a:picLocks noChangeAspect="1"/>
+          </p:cNvPicPr>
+          <p:nvPr/>
+        </p:nvPicPr>
+        <p:blipFill>
+          <a:blip r:embed="rId3">
+            <a:extLst>
+              <a:ext uri="{28A0092B-C50C-407E-A947-70E740481C1C}">
+                <a14:useLocalDpi xmlns:a14="http://schemas.microsoft.com/office/drawing/2010/main" val="0"/>
+              </a:ext>
+            </a:extLst>
+          </a:blip>
+          <a:stretch>
+            <a:fillRect/>
+          </a:stretch>
+        </p:blipFill>
+        <p:spPr>
+          <a:xfrm>
+            <a:off x="1232302" y="3120633"/>
+            <a:ext cx="972739" cy="972739"/>
+          </a:xfrm>
+          <a:prstGeom prst="rect">
+            <a:avLst/>
+          </a:prstGeom>
+        </p:spPr>
+      </p:pic>
+      <p:pic>
+        <p:nvPicPr>
+          <p:cNvPr id="57" name="그림 56" descr="바둑판식이(가) 표시된 사진&#10;&#10;자동 생성된 설명">
+            <a:extLst>
+              <a:ext uri="{FF2B5EF4-FFF2-40B4-BE49-F238E27FC236}">
+                <a16:creationId xmlns:a16="http://schemas.microsoft.com/office/drawing/2014/main" id="{4A90332B-21A1-9274-B4D3-4264E2DD3149}"/>
+              </a:ext>
+            </a:extLst>
+          </p:cNvPr>
+          <p:cNvPicPr>
+            <a:picLocks noChangeAspect="1"/>
+          </p:cNvPicPr>
+          <p:nvPr/>
+        </p:nvPicPr>
+        <p:blipFill>
+          <a:blip r:embed="rId4">
+            <a:extLst>
+              <a:ext uri="{28A0092B-C50C-407E-A947-70E740481C1C}">
+                <a14:useLocalDpi xmlns:a14="http://schemas.microsoft.com/office/drawing/2010/main" val="0"/>
+              </a:ext>
+            </a:extLst>
+          </a:blip>
+          <a:stretch>
+            <a:fillRect/>
+          </a:stretch>
+        </p:blipFill>
+        <p:spPr>
+          <a:xfrm>
+            <a:off x="1232302" y="2321919"/>
+            <a:ext cx="972739" cy="972739"/>
+          </a:xfrm>
+          <a:prstGeom prst="rect">
+            <a:avLst/>
+          </a:prstGeom>
+        </p:spPr>
+      </p:pic>
+      <p:pic>
+        <p:nvPicPr>
+          <p:cNvPr id="58" name="그림 57" descr="바둑판식이(가) 표시된 사진&#10;&#10;자동 생성된 설명">
+            <a:extLst>
+              <a:ext uri="{FF2B5EF4-FFF2-40B4-BE49-F238E27FC236}">
+                <a16:creationId xmlns:a16="http://schemas.microsoft.com/office/drawing/2014/main" id="{7D1B4334-E973-B1DF-368F-A74C6670FCC2}"/>
+              </a:ext>
+            </a:extLst>
+          </p:cNvPr>
+          <p:cNvPicPr>
+            <a:picLocks noChangeAspect="1"/>
+          </p:cNvPicPr>
+          <p:nvPr/>
+        </p:nvPicPr>
+        <p:blipFill>
+          <a:blip r:embed="rId4">
+            <a:extLst>
+              <a:ext uri="{28A0092B-C50C-407E-A947-70E740481C1C}">
+                <a14:useLocalDpi xmlns:a14="http://schemas.microsoft.com/office/drawing/2010/main" val="0"/>
+              </a:ext>
+            </a:extLst>
+          </a:blip>
+          <a:stretch>
+            <a:fillRect/>
+          </a:stretch>
+        </p:blipFill>
+        <p:spPr>
+          <a:xfrm>
+            <a:off x="3177782" y="2314476"/>
+            <a:ext cx="972739" cy="972739"/>
+          </a:xfrm>
+          <a:prstGeom prst="rect">
+            <a:avLst/>
+          </a:prstGeom>
+        </p:spPr>
+      </p:pic>
+      <p:pic>
+        <p:nvPicPr>
+          <p:cNvPr id="59" name="그림 58" descr="바둑판식이(가) 표시된 사진&#10;&#10;자동 생성된 설명">
+            <a:extLst>
+              <a:ext uri="{FF2B5EF4-FFF2-40B4-BE49-F238E27FC236}">
+                <a16:creationId xmlns:a16="http://schemas.microsoft.com/office/drawing/2014/main" id="{327B32D2-A9BA-8A54-DBE1-4B9314EB8F80}"/>
+              </a:ext>
+            </a:extLst>
+          </p:cNvPr>
+          <p:cNvPicPr>
+            <a:picLocks noChangeAspect="1"/>
+          </p:cNvPicPr>
+          <p:nvPr/>
+        </p:nvPicPr>
+        <p:blipFill>
+          <a:blip r:embed="rId4">
+            <a:extLst>
+              <a:ext uri="{28A0092B-C50C-407E-A947-70E740481C1C}">
+                <a14:useLocalDpi xmlns:a14="http://schemas.microsoft.com/office/drawing/2010/main" val="0"/>
+              </a:ext>
+            </a:extLst>
+          </a:blip>
+          <a:stretch>
+            <a:fillRect/>
+          </a:stretch>
+        </p:blipFill>
+        <p:spPr>
+          <a:xfrm>
+            <a:off x="3177781" y="3113189"/>
+            <a:ext cx="972739" cy="972739"/>
+          </a:xfrm>
+          <a:prstGeom prst="rect">
+            <a:avLst/>
+          </a:prstGeom>
+        </p:spPr>
+      </p:pic>
+      <p:pic>
+        <p:nvPicPr>
+          <p:cNvPr id="60" name="그림 59" descr="다채로운, 흐린이(가) 표시된 사진&#10;&#10;자동 생성된 설명">
+            <a:extLst>
+              <a:ext uri="{FF2B5EF4-FFF2-40B4-BE49-F238E27FC236}">
+                <a16:creationId xmlns:a16="http://schemas.microsoft.com/office/drawing/2014/main" id="{0A787B87-FAB8-D524-965D-B070C4F4BC41}"/>
+              </a:ext>
+            </a:extLst>
+          </p:cNvPr>
+          <p:cNvPicPr>
+            <a:picLocks noChangeAspect="1"/>
+          </p:cNvPicPr>
+          <p:nvPr/>
+        </p:nvPicPr>
+        <p:blipFill>
+          <a:blip r:embed="rId5">
+            <a:extLst>
+              <a:ext uri="{28A0092B-C50C-407E-A947-70E740481C1C}">
+                <a14:useLocalDpi xmlns:a14="http://schemas.microsoft.com/office/drawing/2010/main" val="0"/>
+              </a:ext>
+            </a:extLst>
+          </a:blip>
+          <a:stretch>
+            <a:fillRect/>
+          </a:stretch>
+        </p:blipFill>
+        <p:spPr>
+          <a:xfrm>
+            <a:off x="259562" y="3893946"/>
+            <a:ext cx="972739" cy="972739"/>
+          </a:xfrm>
+          <a:prstGeom prst="rect">
+            <a:avLst/>
+          </a:prstGeom>
+        </p:spPr>
+      </p:pic>
+      <p:pic>
+        <p:nvPicPr>
+          <p:cNvPr id="61" name="그림 60" descr="다채로운, 흐린이(가) 표시된 사진&#10;&#10;자동 생성된 설명">
+            <a:extLst>
+              <a:ext uri="{FF2B5EF4-FFF2-40B4-BE49-F238E27FC236}">
+                <a16:creationId xmlns:a16="http://schemas.microsoft.com/office/drawing/2014/main" id="{BC73B2D6-2862-35FA-8D20-924FB4A45658}"/>
+              </a:ext>
+            </a:extLst>
+          </p:cNvPr>
+          <p:cNvPicPr>
+            <a:picLocks noChangeAspect="1"/>
+          </p:cNvPicPr>
+          <p:nvPr/>
+        </p:nvPicPr>
+        <p:blipFill>
+          <a:blip r:embed="rId5">
+            <a:extLst>
+              <a:ext uri="{28A0092B-C50C-407E-A947-70E740481C1C}">
+                <a14:useLocalDpi xmlns:a14="http://schemas.microsoft.com/office/drawing/2010/main" val="0"/>
+              </a:ext>
+            </a:extLst>
+          </a:blip>
+          <a:stretch>
+            <a:fillRect/>
+          </a:stretch>
+        </p:blipFill>
+        <p:spPr>
+          <a:xfrm>
+            <a:off x="1232301" y="3886503"/>
+            <a:ext cx="972739" cy="972739"/>
+          </a:xfrm>
+          <a:prstGeom prst="rect">
+            <a:avLst/>
+          </a:prstGeom>
+        </p:spPr>
+      </p:pic>
+      <p:pic>
+        <p:nvPicPr>
+          <p:cNvPr id="62" name="그림 61" descr="바둑판식이(가) 표시된 사진&#10;&#10;자동 생성된 설명">
+            <a:extLst>
+              <a:ext uri="{FF2B5EF4-FFF2-40B4-BE49-F238E27FC236}">
+                <a16:creationId xmlns:a16="http://schemas.microsoft.com/office/drawing/2014/main" id="{A0968DA9-E5DF-3A95-43FF-2BEA84E752A4}"/>
+              </a:ext>
+            </a:extLst>
+          </p:cNvPr>
+          <p:cNvPicPr>
+            <a:picLocks noChangeAspect="1"/>
+          </p:cNvPicPr>
+          <p:nvPr/>
+        </p:nvPicPr>
+        <p:blipFill>
+          <a:blip r:embed="rId4">
+            <a:extLst>
+              <a:ext uri="{28A0092B-C50C-407E-A947-70E740481C1C}">
+                <a14:useLocalDpi xmlns:a14="http://schemas.microsoft.com/office/drawing/2010/main" val="0"/>
+              </a:ext>
+            </a:extLst>
+          </a:blip>
+          <a:stretch>
+            <a:fillRect/>
+          </a:stretch>
+        </p:blipFill>
+        <p:spPr>
+          <a:xfrm>
+            <a:off x="259561" y="3115376"/>
+            <a:ext cx="972739" cy="972739"/>
+          </a:xfrm>
+          <a:prstGeom prst="rect">
+            <a:avLst/>
+          </a:prstGeom>
+        </p:spPr>
+      </p:pic>
+      <p:pic>
+        <p:nvPicPr>
+          <p:cNvPr id="63" name="그림 62" descr="바둑판식이(가) 표시된 사진&#10;&#10;자동 생성된 설명">
+            <a:extLst>
+              <a:ext uri="{FF2B5EF4-FFF2-40B4-BE49-F238E27FC236}">
+                <a16:creationId xmlns:a16="http://schemas.microsoft.com/office/drawing/2014/main" id="{0DEB8FF7-973E-7C06-52D5-D4BCB1921899}"/>
+              </a:ext>
+            </a:extLst>
+          </p:cNvPr>
+          <p:cNvPicPr>
+            <a:picLocks noChangeAspect="1"/>
+          </p:cNvPicPr>
+          <p:nvPr/>
+        </p:nvPicPr>
+        <p:blipFill>
+          <a:blip r:embed="rId4">
+            <a:extLst>
+              <a:ext uri="{28A0092B-C50C-407E-A947-70E740481C1C}">
+                <a14:useLocalDpi xmlns:a14="http://schemas.microsoft.com/office/drawing/2010/main" val="0"/>
+              </a:ext>
+            </a:extLst>
+          </a:blip>
+          <a:stretch>
+            <a:fillRect/>
+          </a:stretch>
+        </p:blipFill>
+        <p:spPr>
+          <a:xfrm>
+            <a:off x="2205039" y="3102676"/>
+            <a:ext cx="972739" cy="972739"/>
+          </a:xfrm>
+          <a:prstGeom prst="rect">
+            <a:avLst/>
+          </a:prstGeom>
+        </p:spPr>
+      </p:pic>
+      <p:pic>
+        <p:nvPicPr>
+          <p:cNvPr id="64" name="그림 63" descr="바둑판식이(가) 표시된 사진&#10;&#10;자동 생성된 설명">
+            <a:extLst>
+              <a:ext uri="{FF2B5EF4-FFF2-40B4-BE49-F238E27FC236}">
+                <a16:creationId xmlns:a16="http://schemas.microsoft.com/office/drawing/2014/main" id="{A5697466-0229-06D7-87F5-6F9CE03942DB}"/>
+              </a:ext>
+            </a:extLst>
+          </p:cNvPr>
+          <p:cNvPicPr>
+            <a:picLocks noChangeAspect="1"/>
+          </p:cNvPicPr>
+          <p:nvPr/>
+        </p:nvPicPr>
+        <p:blipFill>
+          <a:blip r:embed="rId4">
+            <a:extLst>
+              <a:ext uri="{28A0092B-C50C-407E-A947-70E740481C1C}">
+                <a14:useLocalDpi xmlns:a14="http://schemas.microsoft.com/office/drawing/2010/main" val="0"/>
+              </a:ext>
+            </a:extLst>
+          </a:blip>
+          <a:stretch>
+            <a:fillRect/>
+          </a:stretch>
+        </p:blipFill>
+        <p:spPr>
+          <a:xfrm>
+            <a:off x="3177780" y="3891759"/>
+            <a:ext cx="972739" cy="972739"/>
+          </a:xfrm>
+          <a:prstGeom prst="rect">
+            <a:avLst/>
+          </a:prstGeom>
+        </p:spPr>
+      </p:pic>
+      <p:pic>
+        <p:nvPicPr>
+          <p:cNvPr id="65" name="그림 64" descr="바둑판식이(가) 표시된 사진&#10;&#10;자동 생성된 설명">
+            <a:extLst>
+              <a:ext uri="{FF2B5EF4-FFF2-40B4-BE49-F238E27FC236}">
+                <a16:creationId xmlns:a16="http://schemas.microsoft.com/office/drawing/2014/main" id="{8AACE970-188A-C535-0E25-33D03DF359C2}"/>
+              </a:ext>
+            </a:extLst>
+          </p:cNvPr>
+          <p:cNvPicPr>
+            <a:picLocks noChangeAspect="1"/>
+          </p:cNvPicPr>
+          <p:nvPr/>
+        </p:nvPicPr>
+        <p:blipFill>
+          <a:blip r:embed="rId4">
+            <a:extLst>
+              <a:ext uri="{28A0092B-C50C-407E-A947-70E740481C1C}">
+                <a14:useLocalDpi xmlns:a14="http://schemas.microsoft.com/office/drawing/2010/main" val="0"/>
+              </a:ext>
+            </a:extLst>
+          </a:blip>
+          <a:stretch>
+            <a:fillRect/>
+          </a:stretch>
+        </p:blipFill>
+        <p:spPr>
+          <a:xfrm>
+            <a:off x="2205038" y="3893946"/>
+            <a:ext cx="972739" cy="972739"/>
+          </a:xfrm>
+          <a:prstGeom prst="rect">
+            <a:avLst/>
+          </a:prstGeom>
+        </p:spPr>
+      </p:pic>
+      <p:sp>
+        <p:nvSpPr>
+          <p:cNvPr id="66" name="TextBox 65">
+            <a:extLst>
+              <a:ext uri="{FF2B5EF4-FFF2-40B4-BE49-F238E27FC236}">
+                <a16:creationId xmlns:a16="http://schemas.microsoft.com/office/drawing/2014/main" id="{536EBF95-9048-106F-3D54-E1B68E2BC4A5}"/>
+              </a:ext>
+            </a:extLst>
+          </p:cNvPr>
+          <p:cNvSpPr txBox="1"/>
+          <p:nvPr/>
+        </p:nvSpPr>
+        <p:spPr>
+          <a:xfrm>
+            <a:off x="1517001" y="1035173"/>
+            <a:ext cx="415498" cy="369332"/>
+          </a:xfrm>
+          <a:prstGeom prst="rect">
+            <a:avLst/>
+          </a:prstGeom>
+          <a:noFill/>
+        </p:spPr>
+        <p:txBody>
+          <a:bodyPr wrap="none" rtlCol="0">
+            <a:spAutoFit/>
+          </a:bodyPr>
+          <a:lstStyle/>
+          <a:p>
+            <a:r>
+              <a:rPr lang="ko-KR" altLang="en-US"/>
+              <a:t>땅</a:t>
+            </a:r>
+          </a:p>
+        </p:txBody>
+      </p:sp>
+      <p:pic>
+        <p:nvPicPr>
+          <p:cNvPr id="68" name="그림 67">
+            <a:extLst>
+              <a:ext uri="{FF2B5EF4-FFF2-40B4-BE49-F238E27FC236}">
+                <a16:creationId xmlns:a16="http://schemas.microsoft.com/office/drawing/2014/main" id="{65ECD4C6-D5D0-54ED-8C13-1421B95848F8}"/>
+              </a:ext>
+            </a:extLst>
+          </p:cNvPr>
+          <p:cNvPicPr>
+            <a:picLocks noChangeAspect="1"/>
+          </p:cNvPicPr>
+          <p:nvPr/>
+        </p:nvPicPr>
+        <p:blipFill>
+          <a:blip r:embed="rId6">
+            <a:extLst>
+              <a:ext uri="{28A0092B-C50C-407E-A947-70E740481C1C}">
+                <a14:useLocalDpi xmlns:a14="http://schemas.microsoft.com/office/drawing/2010/main" val="0"/>
+              </a:ext>
+            </a:extLst>
+          </a:blip>
+          <a:stretch>
+            <a:fillRect/>
+          </a:stretch>
+        </p:blipFill>
+        <p:spPr>
+          <a:xfrm>
+            <a:off x="6259297" y="2493080"/>
+            <a:ext cx="1172857" cy="1172857"/>
+          </a:xfrm>
+          <a:prstGeom prst="rect">
+            <a:avLst/>
+          </a:prstGeom>
+        </p:spPr>
+      </p:pic>
+      <p:pic>
+        <p:nvPicPr>
+          <p:cNvPr id="70" name="그림 69">
+            <a:extLst>
+              <a:ext uri="{FF2B5EF4-FFF2-40B4-BE49-F238E27FC236}">
+                <a16:creationId xmlns:a16="http://schemas.microsoft.com/office/drawing/2014/main" id="{46D4CC34-685A-5C51-7261-9C4AEC0401B9}"/>
+              </a:ext>
+            </a:extLst>
+          </p:cNvPr>
+          <p:cNvPicPr>
+            <a:picLocks noChangeAspect="1"/>
+          </p:cNvPicPr>
+          <p:nvPr/>
+        </p:nvPicPr>
+        <p:blipFill>
+          <a:blip r:embed="rId7">
+            <a:extLst>
+              <a:ext uri="{28A0092B-C50C-407E-A947-70E740481C1C}">
+                <a14:useLocalDpi xmlns:a14="http://schemas.microsoft.com/office/drawing/2010/main" val="0"/>
+              </a:ext>
+            </a:extLst>
+          </a:blip>
+          <a:stretch>
+            <a:fillRect/>
+          </a:stretch>
+        </p:blipFill>
+        <p:spPr>
+          <a:xfrm>
+            <a:off x="1609825" y="2336806"/>
+            <a:ext cx="1193378" cy="1193378"/>
+          </a:xfrm>
+          <a:prstGeom prst="rect">
+            <a:avLst/>
+          </a:prstGeom>
+        </p:spPr>
+      </p:pic>
     </p:spTree>
     <p:extLst>
       <p:ext uri="{BB962C8B-B14F-4D97-AF65-F5344CB8AC3E}">
@@ -4823,6 +6596,71 @@
 </file>
 
 <file path=ppt/slides/slide4.xml><?xml version="1.0" encoding="utf-8"?>
+<p:sld xmlns:a="http://schemas.openxmlformats.org/drawingml/2006/main" xmlns:r="http://schemas.openxmlformats.org/officeDocument/2006/relationships" xmlns:p="http://schemas.openxmlformats.org/presentationml/2006/main">
+  <p:cSld>
+    <p:spTree>
+      <p:nvGrpSpPr>
+        <p:cNvPr id="1" name=""/>
+        <p:cNvGrpSpPr/>
+        <p:nvPr/>
+      </p:nvGrpSpPr>
+      <p:grpSpPr>
+        <a:xfrm>
+          <a:off x="0" y="0"/>
+          <a:ext cx="0" cy="0"/>
+          <a:chOff x="0" y="0"/>
+          <a:chExt cx="0" cy="0"/>
+        </a:xfrm>
+      </p:grpSpPr>
+      <p:sp>
+        <p:nvSpPr>
+          <p:cNvPr id="2" name="TextBox 1">
+            <a:extLst>
+              <a:ext uri="{FF2B5EF4-FFF2-40B4-BE49-F238E27FC236}">
+                <a16:creationId xmlns:a16="http://schemas.microsoft.com/office/drawing/2014/main" id="{64803AA6-ECED-F03F-11D4-BA5F8B63AA7D}"/>
+              </a:ext>
+            </a:extLst>
+          </p:cNvPr>
+          <p:cNvSpPr txBox="1"/>
+          <p:nvPr/>
+        </p:nvSpPr>
+        <p:spPr>
+          <a:xfrm>
+            <a:off x="163902" y="138023"/>
+            <a:ext cx="1733167" cy="369332"/>
+          </a:xfrm>
+          <a:prstGeom prst="rect">
+            <a:avLst/>
+          </a:prstGeom>
+          <a:noFill/>
+        </p:spPr>
+        <p:txBody>
+          <a:bodyPr wrap="none" rtlCol="0">
+            <a:spAutoFit/>
+          </a:bodyPr>
+          <a:lstStyle/>
+          <a:p>
+            <a:r>
+              <a:rPr lang="ko-KR" altLang="en-US"/>
+              <a:t>예상 게임 흐름</a:t>
+            </a:r>
+          </a:p>
+        </p:txBody>
+      </p:sp>
+    </p:spTree>
+    <p:extLst>
+      <p:ext uri="{BB962C8B-B14F-4D97-AF65-F5344CB8AC3E}">
+        <p14:creationId xmlns:p14="http://schemas.microsoft.com/office/powerpoint/2010/main" val="3620284882"/>
+      </p:ext>
+    </p:extLst>
+  </p:cSld>
+  <p:clrMapOvr>
+    <a:masterClrMapping/>
+  </p:clrMapOvr>
+</p:sld>
+</file>
+
+<file path=ppt/slides/slide5.xml><?xml version="1.0" encoding="utf-8"?>
 <p:sld xmlns:a="http://schemas.openxmlformats.org/drawingml/2006/main" xmlns:r="http://schemas.openxmlformats.org/officeDocument/2006/relationships" xmlns:p="http://schemas.openxmlformats.org/presentationml/2006/main">
   <p:cSld>
     <p:spTree>

--- a/프로젝트 1차 발표/발표ppt러프하게.pptx
+++ b/프로젝트 1차 발표/발표ppt러프하게.pptx
@@ -263,7 +263,7 @@
           <a:p>
             <a:fld id="{2AD1FE86-B9E0-411E-915D-EE314F29C1FE}" type="datetimeFigureOut">
               <a:rPr lang="ko-KR" altLang="en-US" smtClean="0"/>
-              <a:t>2022-09-23</a:t>
+              <a:t>2022-09-24</a:t>
             </a:fld>
             <a:endParaRPr lang="ko-KR" altLang="en-US"/>
           </a:p>
@@ -461,7 +461,7 @@
           <a:p>
             <a:fld id="{2AD1FE86-B9E0-411E-915D-EE314F29C1FE}" type="datetimeFigureOut">
               <a:rPr lang="ko-KR" altLang="en-US" smtClean="0"/>
-              <a:t>2022-09-23</a:t>
+              <a:t>2022-09-24</a:t>
             </a:fld>
             <a:endParaRPr lang="ko-KR" altLang="en-US"/>
           </a:p>
@@ -669,7 +669,7 @@
           <a:p>
             <a:fld id="{2AD1FE86-B9E0-411E-915D-EE314F29C1FE}" type="datetimeFigureOut">
               <a:rPr lang="ko-KR" altLang="en-US" smtClean="0"/>
-              <a:t>2022-09-23</a:t>
+              <a:t>2022-09-24</a:t>
             </a:fld>
             <a:endParaRPr lang="ko-KR" altLang="en-US"/>
           </a:p>
@@ -867,7 +867,7 @@
           <a:p>
             <a:fld id="{2AD1FE86-B9E0-411E-915D-EE314F29C1FE}" type="datetimeFigureOut">
               <a:rPr lang="ko-KR" altLang="en-US" smtClean="0"/>
-              <a:t>2022-09-23</a:t>
+              <a:t>2022-09-24</a:t>
             </a:fld>
             <a:endParaRPr lang="ko-KR" altLang="en-US"/>
           </a:p>
@@ -1142,7 +1142,7 @@
           <a:p>
             <a:fld id="{2AD1FE86-B9E0-411E-915D-EE314F29C1FE}" type="datetimeFigureOut">
               <a:rPr lang="ko-KR" altLang="en-US" smtClean="0"/>
-              <a:t>2022-09-23</a:t>
+              <a:t>2022-09-24</a:t>
             </a:fld>
             <a:endParaRPr lang="ko-KR" altLang="en-US"/>
           </a:p>
@@ -1407,7 +1407,7 @@
           <a:p>
             <a:fld id="{2AD1FE86-B9E0-411E-915D-EE314F29C1FE}" type="datetimeFigureOut">
               <a:rPr lang="ko-KR" altLang="en-US" smtClean="0"/>
-              <a:t>2022-09-23</a:t>
+              <a:t>2022-09-24</a:t>
             </a:fld>
             <a:endParaRPr lang="ko-KR" altLang="en-US"/>
           </a:p>
@@ -1819,7 +1819,7 @@
           <a:p>
             <a:fld id="{2AD1FE86-B9E0-411E-915D-EE314F29C1FE}" type="datetimeFigureOut">
               <a:rPr lang="ko-KR" altLang="en-US" smtClean="0"/>
-              <a:t>2022-09-23</a:t>
+              <a:t>2022-09-24</a:t>
             </a:fld>
             <a:endParaRPr lang="ko-KR" altLang="en-US"/>
           </a:p>
@@ -1960,7 +1960,7 @@
           <a:p>
             <a:fld id="{2AD1FE86-B9E0-411E-915D-EE314F29C1FE}" type="datetimeFigureOut">
               <a:rPr lang="ko-KR" altLang="en-US" smtClean="0"/>
-              <a:t>2022-09-23</a:t>
+              <a:t>2022-09-24</a:t>
             </a:fld>
             <a:endParaRPr lang="ko-KR" altLang="en-US"/>
           </a:p>
@@ -2073,7 +2073,7 @@
           <a:p>
             <a:fld id="{2AD1FE86-B9E0-411E-915D-EE314F29C1FE}" type="datetimeFigureOut">
               <a:rPr lang="ko-KR" altLang="en-US" smtClean="0"/>
-              <a:t>2022-09-23</a:t>
+              <a:t>2022-09-24</a:t>
             </a:fld>
             <a:endParaRPr lang="ko-KR" altLang="en-US"/>
           </a:p>
@@ -2384,7 +2384,7 @@
           <a:p>
             <a:fld id="{2AD1FE86-B9E0-411E-915D-EE314F29C1FE}" type="datetimeFigureOut">
               <a:rPr lang="ko-KR" altLang="en-US" smtClean="0"/>
-              <a:t>2022-09-23</a:t>
+              <a:t>2022-09-24</a:t>
             </a:fld>
             <a:endParaRPr lang="ko-KR" altLang="en-US"/>
           </a:p>
@@ -2672,7 +2672,7 @@
           <a:p>
             <a:fld id="{2AD1FE86-B9E0-411E-915D-EE314F29C1FE}" type="datetimeFigureOut">
               <a:rPr lang="ko-KR" altLang="en-US" smtClean="0"/>
-              <a:t>2022-09-23</a:t>
+              <a:t>2022-09-24</a:t>
             </a:fld>
             <a:endParaRPr lang="ko-KR" altLang="en-US"/>
           </a:p>
@@ -2913,7 +2913,7 @@
           <a:p>
             <a:fld id="{2AD1FE86-B9E0-411E-915D-EE314F29C1FE}" type="datetimeFigureOut">
               <a:rPr lang="ko-KR" altLang="en-US" smtClean="0"/>
-              <a:t>2022-09-23</a:t>
+              <a:t>2022-09-24</a:t>
             </a:fld>
             <a:endParaRPr lang="ko-KR" altLang="en-US"/>
           </a:p>
@@ -4250,15 +4250,7 @@
           <a:p>
             <a:r>
               <a:rPr lang="ko-KR" altLang="en-US" sz="1400"/>
-              <a:t>흙</a:t>
-            </a:r>
-            <a:r>
-              <a:rPr lang="en-US" altLang="ko-KR" sz="1400"/>
-              <a:t>-&gt;</a:t>
-            </a:r>
-            <a:r>
-              <a:rPr lang="ko-KR" altLang="en-US" sz="1400"/>
-              <a:t>바다</a:t>
+              <a:t>대지</a:t>
             </a:r>
             <a:r>
               <a:rPr lang="en-US" altLang="ko-KR" sz="1400"/>
@@ -5211,7 +5203,7 @@
         </p:blipFill>
         <p:spPr>
           <a:xfrm>
-            <a:off x="4900246" y="1539951"/>
+            <a:off x="4197607" y="1553453"/>
             <a:ext cx="972740" cy="972740"/>
           </a:xfrm>
           <a:prstGeom prst="rect">
@@ -5254,7 +5246,7 @@
         </p:blipFill>
         <p:spPr>
           <a:xfrm>
-            <a:off x="5872986" y="1539951"/>
+            <a:off x="5170347" y="1553453"/>
             <a:ext cx="972740" cy="972740"/>
           </a:xfrm>
           <a:prstGeom prst="rect">
@@ -5297,7 +5289,7 @@
         </p:blipFill>
         <p:spPr>
           <a:xfrm>
-            <a:off x="4900246" y="2338664"/>
+            <a:off x="4197607" y="2352166"/>
             <a:ext cx="972740" cy="972740"/>
           </a:xfrm>
           <a:prstGeom prst="rect">
@@ -5340,7 +5332,7 @@
         </p:blipFill>
         <p:spPr>
           <a:xfrm>
-            <a:off x="5872986" y="2338664"/>
+            <a:off x="5170347" y="2352166"/>
             <a:ext cx="972740" cy="972740"/>
           </a:xfrm>
           <a:prstGeom prst="rect">
@@ -5383,7 +5375,7 @@
         </p:blipFill>
         <p:spPr>
           <a:xfrm>
-            <a:off x="6845726" y="1539951"/>
+            <a:off x="6143087" y="1553453"/>
             <a:ext cx="972740" cy="972740"/>
           </a:xfrm>
           <a:prstGeom prst="rect">
@@ -5426,7 +5418,7 @@
         </p:blipFill>
         <p:spPr>
           <a:xfrm>
-            <a:off x="7818466" y="1539951"/>
+            <a:off x="7115827" y="1553453"/>
             <a:ext cx="972740" cy="972740"/>
           </a:xfrm>
           <a:prstGeom prst="rect">
@@ -5469,7 +5461,7 @@
         </p:blipFill>
         <p:spPr>
           <a:xfrm>
-            <a:off x="6845726" y="2338664"/>
+            <a:off x="6143087" y="2352166"/>
             <a:ext cx="972740" cy="972740"/>
           </a:xfrm>
           <a:prstGeom prst="rect">
@@ -5512,7 +5504,7 @@
         </p:blipFill>
         <p:spPr>
           <a:xfrm>
-            <a:off x="7818466" y="2338664"/>
+            <a:off x="7115827" y="2352166"/>
             <a:ext cx="972740" cy="972740"/>
           </a:xfrm>
           <a:prstGeom prst="rect">
@@ -5555,7 +5547,7 @@
         </p:blipFill>
         <p:spPr>
           <a:xfrm>
-            <a:off x="4900246" y="3137377"/>
+            <a:off x="4197607" y="3150879"/>
             <a:ext cx="972740" cy="972740"/>
           </a:xfrm>
           <a:prstGeom prst="rect">
@@ -5598,7 +5590,7 @@
         </p:blipFill>
         <p:spPr>
           <a:xfrm>
-            <a:off x="5872986" y="3137377"/>
+            <a:off x="5170347" y="3150879"/>
             <a:ext cx="972740" cy="972740"/>
           </a:xfrm>
           <a:prstGeom prst="rect">
@@ -5641,7 +5633,7 @@
         </p:blipFill>
         <p:spPr>
           <a:xfrm>
-            <a:off x="4900246" y="3936090"/>
+            <a:off x="4197607" y="3949592"/>
             <a:ext cx="972740" cy="972740"/>
           </a:xfrm>
           <a:prstGeom prst="rect">
@@ -5684,7 +5676,7 @@
         </p:blipFill>
         <p:spPr>
           <a:xfrm>
-            <a:off x="5872986" y="3936090"/>
+            <a:off x="5170347" y="3949592"/>
             <a:ext cx="972740" cy="972740"/>
           </a:xfrm>
           <a:prstGeom prst="rect">
@@ -5727,7 +5719,7 @@
         </p:blipFill>
         <p:spPr>
           <a:xfrm>
-            <a:off x="6845726" y="3137377"/>
+            <a:off x="6143087" y="3150879"/>
             <a:ext cx="972740" cy="972740"/>
           </a:xfrm>
           <a:prstGeom prst="rect">
@@ -5770,7 +5762,7 @@
         </p:blipFill>
         <p:spPr>
           <a:xfrm>
-            <a:off x="7818466" y="3137377"/>
+            <a:off x="7115827" y="3150879"/>
             <a:ext cx="972740" cy="972740"/>
           </a:xfrm>
           <a:prstGeom prst="rect">
@@ -5813,7 +5805,7 @@
         </p:blipFill>
         <p:spPr>
           <a:xfrm>
-            <a:off x="6845726" y="3936090"/>
+            <a:off x="6143087" y="3949592"/>
             <a:ext cx="972740" cy="972740"/>
           </a:xfrm>
           <a:prstGeom prst="rect">
@@ -5856,7 +5848,7 @@
         </p:blipFill>
         <p:spPr>
           <a:xfrm>
-            <a:off x="7818466" y="3936090"/>
+            <a:off x="7115827" y="3949592"/>
             <a:ext cx="972740" cy="972740"/>
           </a:xfrm>
           <a:prstGeom prst="rect">
@@ -5864,41 +5856,6 @@
           </a:prstGeom>
         </p:spPr>
       </p:pic>
-      <p:sp>
-        <p:nvSpPr>
-          <p:cNvPr id="40" name="TextBox 39">
-            <a:extLst>
-              <a:ext uri="{FF2B5EF4-FFF2-40B4-BE49-F238E27FC236}">
-                <a16:creationId xmlns:a16="http://schemas.microsoft.com/office/drawing/2014/main" id="{00B2B13B-E7DE-6EEF-F3E9-BD3540CD8D70}"/>
-              </a:ext>
-            </a:extLst>
-          </p:cNvPr>
-          <p:cNvSpPr txBox="1"/>
-          <p:nvPr/>
-        </p:nvSpPr>
-        <p:spPr>
-          <a:xfrm>
-            <a:off x="6333635" y="1042942"/>
-            <a:ext cx="877163" cy="369332"/>
-          </a:xfrm>
-          <a:prstGeom prst="rect">
-            <a:avLst/>
-          </a:prstGeom>
-          <a:noFill/>
-        </p:spPr>
-        <p:txBody>
-          <a:bodyPr wrap="none" rtlCol="0">
-            <a:spAutoFit/>
-          </a:bodyPr>
-          <a:lstStyle/>
-          <a:p>
-            <a:r>
-              <a:rPr lang="ko-KR" altLang="en-US"/>
-              <a:t>마왕성</a:t>
-            </a:r>
-          </a:p>
-        </p:txBody>
-      </p:sp>
       <p:pic>
         <p:nvPicPr>
           <p:cNvPr id="42" name="그림 41" descr="텍스트, 다채로운, 클립아트이(가) 표시된 사진&#10;&#10;자동 생성된 설명">
@@ -5927,7 +5884,7 @@
         </p:blipFill>
         <p:spPr>
           <a:xfrm>
-            <a:off x="2205042" y="1523205"/>
+            <a:off x="2100267" y="1523205"/>
             <a:ext cx="972739" cy="972739"/>
           </a:xfrm>
           <a:prstGeom prst="rect">
@@ -5963,7 +5920,7 @@
         </p:blipFill>
         <p:spPr>
           <a:xfrm>
-            <a:off x="1232303" y="1523206"/>
+            <a:off x="1127528" y="1523206"/>
             <a:ext cx="972739" cy="972739"/>
           </a:xfrm>
           <a:prstGeom prst="rect">
@@ -5999,7 +5956,7 @@
         </p:blipFill>
         <p:spPr>
           <a:xfrm>
-            <a:off x="2205042" y="2314476"/>
+            <a:off x="2100267" y="2314476"/>
             <a:ext cx="972739" cy="972739"/>
           </a:xfrm>
           <a:prstGeom prst="rect">
@@ -6035,7 +5992,7 @@
         </p:blipFill>
         <p:spPr>
           <a:xfrm>
-            <a:off x="259564" y="1523205"/>
+            <a:off x="154789" y="1523205"/>
             <a:ext cx="972739" cy="972739"/>
           </a:xfrm>
           <a:prstGeom prst="rect">
@@ -6071,7 +6028,7 @@
         </p:blipFill>
         <p:spPr>
           <a:xfrm>
-            <a:off x="3177781" y="1523205"/>
+            <a:off x="3073006" y="1523205"/>
             <a:ext cx="972739" cy="972739"/>
           </a:xfrm>
           <a:prstGeom prst="rect">
@@ -6107,7 +6064,7 @@
         </p:blipFill>
         <p:spPr>
           <a:xfrm>
-            <a:off x="259563" y="2321920"/>
+            <a:off x="154788" y="2321920"/>
             <a:ext cx="972739" cy="972739"/>
           </a:xfrm>
           <a:prstGeom prst="rect">
@@ -6143,7 +6100,7 @@
         </p:blipFill>
         <p:spPr>
           <a:xfrm>
-            <a:off x="1232302" y="3120633"/>
+            <a:off x="1127527" y="3120633"/>
             <a:ext cx="972739" cy="972739"/>
           </a:xfrm>
           <a:prstGeom prst="rect">
@@ -6179,7 +6136,7 @@
         </p:blipFill>
         <p:spPr>
           <a:xfrm>
-            <a:off x="1232302" y="2321919"/>
+            <a:off x="1127527" y="2321919"/>
             <a:ext cx="972739" cy="972739"/>
           </a:xfrm>
           <a:prstGeom prst="rect">
@@ -6215,7 +6172,7 @@
         </p:blipFill>
         <p:spPr>
           <a:xfrm>
-            <a:off x="3177782" y="2314476"/>
+            <a:off x="3073007" y="2314476"/>
             <a:ext cx="972739" cy="972739"/>
           </a:xfrm>
           <a:prstGeom prst="rect">
@@ -6251,7 +6208,7 @@
         </p:blipFill>
         <p:spPr>
           <a:xfrm>
-            <a:off x="3177781" y="3113189"/>
+            <a:off x="3073006" y="3113189"/>
             <a:ext cx="972739" cy="972739"/>
           </a:xfrm>
           <a:prstGeom prst="rect">
@@ -6287,7 +6244,7 @@
         </p:blipFill>
         <p:spPr>
           <a:xfrm>
-            <a:off x="259562" y="3893946"/>
+            <a:off x="154787" y="3893946"/>
             <a:ext cx="972739" cy="972739"/>
           </a:xfrm>
           <a:prstGeom prst="rect">
@@ -6323,7 +6280,7 @@
         </p:blipFill>
         <p:spPr>
           <a:xfrm>
-            <a:off x="1232301" y="3886503"/>
+            <a:off x="1127526" y="3886503"/>
             <a:ext cx="972739" cy="972739"/>
           </a:xfrm>
           <a:prstGeom prst="rect">
@@ -6359,7 +6316,7 @@
         </p:blipFill>
         <p:spPr>
           <a:xfrm>
-            <a:off x="259561" y="3115376"/>
+            <a:off x="154786" y="3115376"/>
             <a:ext cx="972739" cy="972739"/>
           </a:xfrm>
           <a:prstGeom prst="rect">
@@ -6395,7 +6352,7 @@
         </p:blipFill>
         <p:spPr>
           <a:xfrm>
-            <a:off x="2205039" y="3102676"/>
+            <a:off x="2100264" y="3102676"/>
             <a:ext cx="972739" cy="972739"/>
           </a:xfrm>
           <a:prstGeom prst="rect">
@@ -6431,7 +6388,7 @@
         </p:blipFill>
         <p:spPr>
           <a:xfrm>
-            <a:off x="3177780" y="3891759"/>
+            <a:off x="3073005" y="3891759"/>
             <a:ext cx="972739" cy="972739"/>
           </a:xfrm>
           <a:prstGeom prst="rect">
@@ -6467,7 +6424,7 @@
         </p:blipFill>
         <p:spPr>
           <a:xfrm>
-            <a:off x="2205038" y="3893946"/>
+            <a:off x="2100263" y="3893946"/>
             <a:ext cx="972739" cy="972739"/>
           </a:xfrm>
           <a:prstGeom prst="rect">
@@ -6475,41 +6432,6 @@
           </a:prstGeom>
         </p:spPr>
       </p:pic>
-      <p:sp>
-        <p:nvSpPr>
-          <p:cNvPr id="66" name="TextBox 65">
-            <a:extLst>
-              <a:ext uri="{FF2B5EF4-FFF2-40B4-BE49-F238E27FC236}">
-                <a16:creationId xmlns:a16="http://schemas.microsoft.com/office/drawing/2014/main" id="{536EBF95-9048-106F-3D54-E1B68E2BC4A5}"/>
-              </a:ext>
-            </a:extLst>
-          </p:cNvPr>
-          <p:cNvSpPr txBox="1"/>
-          <p:nvPr/>
-        </p:nvSpPr>
-        <p:spPr>
-          <a:xfrm>
-            <a:off x="1517001" y="1035173"/>
-            <a:ext cx="415498" cy="369332"/>
-          </a:xfrm>
-          <a:prstGeom prst="rect">
-            <a:avLst/>
-          </a:prstGeom>
-          <a:noFill/>
-        </p:spPr>
-        <p:txBody>
-          <a:bodyPr wrap="none" rtlCol="0">
-            <a:spAutoFit/>
-          </a:bodyPr>
-          <a:lstStyle/>
-          <a:p>
-            <a:r>
-              <a:rPr lang="ko-KR" altLang="en-US"/>
-              <a:t>땅</a:t>
-            </a:r>
-          </a:p>
-        </p:txBody>
-      </p:sp>
       <p:pic>
         <p:nvPicPr>
           <p:cNvPr id="68" name="그림 67">
@@ -6538,7 +6460,7 @@
         </p:blipFill>
         <p:spPr>
           <a:xfrm>
-            <a:off x="6259297" y="2493080"/>
+            <a:off x="5586083" y="2414659"/>
             <a:ext cx="1172857" cy="1172857"/>
           </a:xfrm>
           <a:prstGeom prst="rect">
@@ -6574,8 +6496,656 @@
         </p:blipFill>
         <p:spPr>
           <a:xfrm>
-            <a:off x="1609825" y="2336806"/>
+            <a:off x="1505050" y="2336806"/>
             <a:ext cx="1193378" cy="1193378"/>
+          </a:xfrm>
+          <a:prstGeom prst="rect">
+            <a:avLst/>
+          </a:prstGeom>
+        </p:spPr>
+      </p:pic>
+      <p:pic>
+        <p:nvPicPr>
+          <p:cNvPr id="20" name="그림 19" descr="다채로운, 색이(가) 표시된 사진&#10;&#10;자동 생성된 설명">
+            <a:extLst>
+              <a:ext uri="{FF2B5EF4-FFF2-40B4-BE49-F238E27FC236}">
+                <a16:creationId xmlns:a16="http://schemas.microsoft.com/office/drawing/2014/main" id="{D44E0A5E-8330-0736-D01B-B912C4BE9A84}"/>
+              </a:ext>
+            </a:extLst>
+          </p:cNvPr>
+          <p:cNvPicPr>
+            <a:picLocks noChangeAspect="1"/>
+          </p:cNvPicPr>
+          <p:nvPr/>
+        </p:nvPicPr>
+        <p:blipFill>
+          <a:blip r:embed="rId8">
+            <a:extLst>
+              <a:ext uri="{28A0092B-C50C-407E-A947-70E740481C1C}">
+                <a14:useLocalDpi xmlns:a14="http://schemas.microsoft.com/office/drawing/2010/main" val="0"/>
+              </a:ext>
+            </a:extLst>
+          </a:blip>
+          <a:stretch>
+            <a:fillRect/>
+          </a:stretch>
+        </p:blipFill>
+        <p:spPr>
+          <a:xfrm>
+            <a:off x="8220251" y="1568246"/>
+            <a:ext cx="967920" cy="967920"/>
+          </a:xfrm>
+          <a:prstGeom prst="rect">
+            <a:avLst/>
+          </a:prstGeom>
+        </p:spPr>
+      </p:pic>
+      <p:pic>
+        <p:nvPicPr>
+          <p:cNvPr id="22" name="그림 21" descr="다채로운, 색이(가) 표시된 사진&#10;&#10;자동 생성된 설명">
+            <a:extLst>
+              <a:ext uri="{FF2B5EF4-FFF2-40B4-BE49-F238E27FC236}">
+                <a16:creationId xmlns:a16="http://schemas.microsoft.com/office/drawing/2014/main" id="{FC4FC806-5B02-679D-5909-39E5EF76D458}"/>
+              </a:ext>
+            </a:extLst>
+          </p:cNvPr>
+          <p:cNvPicPr>
+            <a:picLocks noChangeAspect="1"/>
+          </p:cNvPicPr>
+          <p:nvPr/>
+        </p:nvPicPr>
+        <p:blipFill>
+          <a:blip r:embed="rId8">
+            <a:extLst>
+              <a:ext uri="{28A0092B-C50C-407E-A947-70E740481C1C}">
+                <a14:useLocalDpi xmlns:a14="http://schemas.microsoft.com/office/drawing/2010/main" val="0"/>
+              </a:ext>
+            </a:extLst>
+          </a:blip>
+          <a:stretch>
+            <a:fillRect/>
+          </a:stretch>
+        </p:blipFill>
+        <p:spPr>
+          <a:xfrm>
+            <a:off x="11119305" y="1553453"/>
+            <a:ext cx="967920" cy="967920"/>
+          </a:xfrm>
+          <a:prstGeom prst="rect">
+            <a:avLst/>
+          </a:prstGeom>
+        </p:spPr>
+      </p:pic>
+      <p:pic>
+        <p:nvPicPr>
+          <p:cNvPr id="23" name="그림 22" descr="다채로운, 색이(가) 표시된 사진&#10;&#10;자동 생성된 설명">
+            <a:extLst>
+              <a:ext uri="{FF2B5EF4-FFF2-40B4-BE49-F238E27FC236}">
+                <a16:creationId xmlns:a16="http://schemas.microsoft.com/office/drawing/2014/main" id="{01EBB9F8-431D-8149-3B67-722515FB3035}"/>
+              </a:ext>
+            </a:extLst>
+          </p:cNvPr>
+          <p:cNvPicPr>
+            <a:picLocks noChangeAspect="1"/>
+          </p:cNvPicPr>
+          <p:nvPr/>
+        </p:nvPicPr>
+        <p:blipFill>
+          <a:blip r:embed="rId8">
+            <a:extLst>
+              <a:ext uri="{28A0092B-C50C-407E-A947-70E740481C1C}">
+                <a14:useLocalDpi xmlns:a14="http://schemas.microsoft.com/office/drawing/2010/main" val="0"/>
+              </a:ext>
+            </a:extLst>
+          </a:blip>
+          <a:stretch>
+            <a:fillRect/>
+          </a:stretch>
+        </p:blipFill>
+        <p:spPr>
+          <a:xfrm>
+            <a:off x="10151385" y="1559564"/>
+            <a:ext cx="967920" cy="967920"/>
+          </a:xfrm>
+          <a:prstGeom prst="rect">
+            <a:avLst/>
+          </a:prstGeom>
+        </p:spPr>
+      </p:pic>
+      <p:pic>
+        <p:nvPicPr>
+          <p:cNvPr id="24" name="그림 23" descr="다채로운, 색이(가) 표시된 사진&#10;&#10;자동 생성된 설명">
+            <a:extLst>
+              <a:ext uri="{FF2B5EF4-FFF2-40B4-BE49-F238E27FC236}">
+                <a16:creationId xmlns:a16="http://schemas.microsoft.com/office/drawing/2014/main" id="{DB7C6DAE-372B-9642-20D4-CE9197542A1B}"/>
+              </a:ext>
+            </a:extLst>
+          </p:cNvPr>
+          <p:cNvPicPr>
+            <a:picLocks noChangeAspect="1"/>
+          </p:cNvPicPr>
+          <p:nvPr/>
+        </p:nvPicPr>
+        <p:blipFill>
+          <a:blip r:embed="rId8">
+            <a:extLst>
+              <a:ext uri="{28A0092B-C50C-407E-A947-70E740481C1C}">
+                <a14:useLocalDpi xmlns:a14="http://schemas.microsoft.com/office/drawing/2010/main" val="0"/>
+              </a:ext>
+            </a:extLst>
+          </a:blip>
+          <a:stretch>
+            <a:fillRect/>
+          </a:stretch>
+        </p:blipFill>
+        <p:spPr>
+          <a:xfrm>
+            <a:off x="9183465" y="1568246"/>
+            <a:ext cx="967920" cy="967920"/>
+          </a:xfrm>
+          <a:prstGeom prst="rect">
+            <a:avLst/>
+          </a:prstGeom>
+        </p:spPr>
+      </p:pic>
+      <p:pic>
+        <p:nvPicPr>
+          <p:cNvPr id="26" name="그림 25" descr="다채로운, 색이(가) 표시된 사진&#10;&#10;자동 생성된 설명">
+            <a:extLst>
+              <a:ext uri="{FF2B5EF4-FFF2-40B4-BE49-F238E27FC236}">
+                <a16:creationId xmlns:a16="http://schemas.microsoft.com/office/drawing/2014/main" id="{50A77B61-D826-0682-65A8-46652B607E40}"/>
+              </a:ext>
+            </a:extLst>
+          </p:cNvPr>
+          <p:cNvPicPr>
+            <a:picLocks noChangeAspect="1"/>
+          </p:cNvPicPr>
+          <p:nvPr/>
+        </p:nvPicPr>
+        <p:blipFill>
+          <a:blip r:embed="rId8">
+            <a:extLst>
+              <a:ext uri="{28A0092B-C50C-407E-A947-70E740481C1C}">
+                <a14:useLocalDpi xmlns:a14="http://schemas.microsoft.com/office/drawing/2010/main" val="0"/>
+              </a:ext>
+            </a:extLst>
+          </a:blip>
+          <a:stretch>
+            <a:fillRect/>
+          </a:stretch>
+        </p:blipFill>
+        <p:spPr>
+          <a:xfrm>
+            <a:off x="8220251" y="2351505"/>
+            <a:ext cx="967920" cy="967920"/>
+          </a:xfrm>
+          <a:prstGeom prst="rect">
+            <a:avLst/>
+          </a:prstGeom>
+        </p:spPr>
+      </p:pic>
+      <p:pic>
+        <p:nvPicPr>
+          <p:cNvPr id="27" name="그림 26" descr="다채로운, 색이(가) 표시된 사진&#10;&#10;자동 생성된 설명">
+            <a:extLst>
+              <a:ext uri="{FF2B5EF4-FFF2-40B4-BE49-F238E27FC236}">
+                <a16:creationId xmlns:a16="http://schemas.microsoft.com/office/drawing/2014/main" id="{EC1CC79C-252C-E3F7-2536-B67D8DAA9A63}"/>
+              </a:ext>
+            </a:extLst>
+          </p:cNvPr>
+          <p:cNvPicPr>
+            <a:picLocks noChangeAspect="1"/>
+          </p:cNvPicPr>
+          <p:nvPr/>
+        </p:nvPicPr>
+        <p:blipFill>
+          <a:blip r:embed="rId8">
+            <a:extLst>
+              <a:ext uri="{28A0092B-C50C-407E-A947-70E740481C1C}">
+                <a14:useLocalDpi xmlns:a14="http://schemas.microsoft.com/office/drawing/2010/main" val="0"/>
+              </a:ext>
+            </a:extLst>
+          </a:blip>
+          <a:stretch>
+            <a:fillRect/>
+          </a:stretch>
+        </p:blipFill>
+        <p:spPr>
+          <a:xfrm>
+            <a:off x="11119305" y="2336712"/>
+            <a:ext cx="967920" cy="967920"/>
+          </a:xfrm>
+          <a:prstGeom prst="rect">
+            <a:avLst/>
+          </a:prstGeom>
+        </p:spPr>
+      </p:pic>
+      <p:pic>
+        <p:nvPicPr>
+          <p:cNvPr id="28" name="그림 27" descr="다채로운, 색이(가) 표시된 사진&#10;&#10;자동 생성된 설명">
+            <a:extLst>
+              <a:ext uri="{FF2B5EF4-FFF2-40B4-BE49-F238E27FC236}">
+                <a16:creationId xmlns:a16="http://schemas.microsoft.com/office/drawing/2014/main" id="{795E9B05-DBE0-9D5C-0651-68E9A0C95AB0}"/>
+              </a:ext>
+            </a:extLst>
+          </p:cNvPr>
+          <p:cNvPicPr>
+            <a:picLocks noChangeAspect="1"/>
+          </p:cNvPicPr>
+          <p:nvPr/>
+        </p:nvPicPr>
+        <p:blipFill>
+          <a:blip r:embed="rId8">
+            <a:extLst>
+              <a:ext uri="{28A0092B-C50C-407E-A947-70E740481C1C}">
+                <a14:useLocalDpi xmlns:a14="http://schemas.microsoft.com/office/drawing/2010/main" val="0"/>
+              </a:ext>
+            </a:extLst>
+          </a:blip>
+          <a:stretch>
+            <a:fillRect/>
+          </a:stretch>
+        </p:blipFill>
+        <p:spPr>
+          <a:xfrm>
+            <a:off x="10151385" y="2342823"/>
+            <a:ext cx="967920" cy="967920"/>
+          </a:xfrm>
+          <a:prstGeom prst="rect">
+            <a:avLst/>
+          </a:prstGeom>
+        </p:spPr>
+      </p:pic>
+      <p:pic>
+        <p:nvPicPr>
+          <p:cNvPr id="29" name="그림 28" descr="다채로운, 색이(가) 표시된 사진&#10;&#10;자동 생성된 설명">
+            <a:extLst>
+              <a:ext uri="{FF2B5EF4-FFF2-40B4-BE49-F238E27FC236}">
+                <a16:creationId xmlns:a16="http://schemas.microsoft.com/office/drawing/2014/main" id="{A9BC383B-1B58-F32D-992B-4911BFC94FFF}"/>
+              </a:ext>
+            </a:extLst>
+          </p:cNvPr>
+          <p:cNvPicPr>
+            <a:picLocks noChangeAspect="1"/>
+          </p:cNvPicPr>
+          <p:nvPr/>
+        </p:nvPicPr>
+        <p:blipFill>
+          <a:blip r:embed="rId8">
+            <a:extLst>
+              <a:ext uri="{28A0092B-C50C-407E-A947-70E740481C1C}">
+                <a14:useLocalDpi xmlns:a14="http://schemas.microsoft.com/office/drawing/2010/main" val="0"/>
+              </a:ext>
+            </a:extLst>
+          </a:blip>
+          <a:stretch>
+            <a:fillRect/>
+          </a:stretch>
+        </p:blipFill>
+        <p:spPr>
+          <a:xfrm>
+            <a:off x="9183465" y="2351505"/>
+            <a:ext cx="967920" cy="967920"/>
+          </a:xfrm>
+          <a:prstGeom prst="rect">
+            <a:avLst/>
+          </a:prstGeom>
+        </p:spPr>
+      </p:pic>
+      <p:pic>
+        <p:nvPicPr>
+          <p:cNvPr id="30" name="그림 29" descr="다채로운, 색이(가) 표시된 사진&#10;&#10;자동 생성된 설명">
+            <a:extLst>
+              <a:ext uri="{FF2B5EF4-FFF2-40B4-BE49-F238E27FC236}">
+                <a16:creationId xmlns:a16="http://schemas.microsoft.com/office/drawing/2014/main" id="{BECF05FB-67DD-30D5-0526-602163816086}"/>
+              </a:ext>
+            </a:extLst>
+          </p:cNvPr>
+          <p:cNvPicPr>
+            <a:picLocks noChangeAspect="1"/>
+          </p:cNvPicPr>
+          <p:nvPr/>
+        </p:nvPicPr>
+        <p:blipFill>
+          <a:blip r:embed="rId8">
+            <a:extLst>
+              <a:ext uri="{28A0092B-C50C-407E-A947-70E740481C1C}">
+                <a14:useLocalDpi xmlns:a14="http://schemas.microsoft.com/office/drawing/2010/main" val="0"/>
+              </a:ext>
+            </a:extLst>
+          </a:blip>
+          <a:stretch>
+            <a:fillRect/>
+          </a:stretch>
+        </p:blipFill>
+        <p:spPr>
+          <a:xfrm>
+            <a:off x="8215432" y="3140245"/>
+            <a:ext cx="967920" cy="967920"/>
+          </a:xfrm>
+          <a:prstGeom prst="rect">
+            <a:avLst/>
+          </a:prstGeom>
+        </p:spPr>
+      </p:pic>
+      <p:pic>
+        <p:nvPicPr>
+          <p:cNvPr id="31" name="그림 30" descr="다채로운, 색이(가) 표시된 사진&#10;&#10;자동 생성된 설명">
+            <a:extLst>
+              <a:ext uri="{FF2B5EF4-FFF2-40B4-BE49-F238E27FC236}">
+                <a16:creationId xmlns:a16="http://schemas.microsoft.com/office/drawing/2014/main" id="{25379CDD-4D52-A315-E61A-EF428CE22B9F}"/>
+              </a:ext>
+            </a:extLst>
+          </p:cNvPr>
+          <p:cNvPicPr>
+            <a:picLocks noChangeAspect="1"/>
+          </p:cNvPicPr>
+          <p:nvPr/>
+        </p:nvPicPr>
+        <p:blipFill>
+          <a:blip r:embed="rId8">
+            <a:extLst>
+              <a:ext uri="{28A0092B-C50C-407E-A947-70E740481C1C}">
+                <a14:useLocalDpi xmlns:a14="http://schemas.microsoft.com/office/drawing/2010/main" val="0"/>
+              </a:ext>
+            </a:extLst>
+          </a:blip>
+          <a:stretch>
+            <a:fillRect/>
+          </a:stretch>
+        </p:blipFill>
+        <p:spPr>
+          <a:xfrm>
+            <a:off x="11114486" y="3125452"/>
+            <a:ext cx="967920" cy="967920"/>
+          </a:xfrm>
+          <a:prstGeom prst="rect">
+            <a:avLst/>
+          </a:prstGeom>
+        </p:spPr>
+      </p:pic>
+      <p:pic>
+        <p:nvPicPr>
+          <p:cNvPr id="32" name="그림 31" descr="다채로운, 색이(가) 표시된 사진&#10;&#10;자동 생성된 설명">
+            <a:extLst>
+              <a:ext uri="{FF2B5EF4-FFF2-40B4-BE49-F238E27FC236}">
+                <a16:creationId xmlns:a16="http://schemas.microsoft.com/office/drawing/2014/main" id="{039A025B-946E-480F-EF4C-18B2448DC9C2}"/>
+              </a:ext>
+            </a:extLst>
+          </p:cNvPr>
+          <p:cNvPicPr>
+            <a:picLocks noChangeAspect="1"/>
+          </p:cNvPicPr>
+          <p:nvPr/>
+        </p:nvPicPr>
+        <p:blipFill>
+          <a:blip r:embed="rId8">
+            <a:extLst>
+              <a:ext uri="{28A0092B-C50C-407E-A947-70E740481C1C}">
+                <a14:useLocalDpi xmlns:a14="http://schemas.microsoft.com/office/drawing/2010/main" val="0"/>
+              </a:ext>
+            </a:extLst>
+          </a:blip>
+          <a:stretch>
+            <a:fillRect/>
+          </a:stretch>
+        </p:blipFill>
+        <p:spPr>
+          <a:xfrm>
+            <a:off x="10146566" y="3131563"/>
+            <a:ext cx="967920" cy="967920"/>
+          </a:xfrm>
+          <a:prstGeom prst="rect">
+            <a:avLst/>
+          </a:prstGeom>
+        </p:spPr>
+      </p:pic>
+      <p:pic>
+        <p:nvPicPr>
+          <p:cNvPr id="33" name="그림 32" descr="다채로운, 색이(가) 표시된 사진&#10;&#10;자동 생성된 설명">
+            <a:extLst>
+              <a:ext uri="{FF2B5EF4-FFF2-40B4-BE49-F238E27FC236}">
+                <a16:creationId xmlns:a16="http://schemas.microsoft.com/office/drawing/2014/main" id="{845A5A98-1D3F-38B3-2807-761CE2720F31}"/>
+              </a:ext>
+            </a:extLst>
+          </p:cNvPr>
+          <p:cNvPicPr>
+            <a:picLocks noChangeAspect="1"/>
+          </p:cNvPicPr>
+          <p:nvPr/>
+        </p:nvPicPr>
+        <p:blipFill>
+          <a:blip r:embed="rId8">
+            <a:extLst>
+              <a:ext uri="{28A0092B-C50C-407E-A947-70E740481C1C}">
+                <a14:useLocalDpi xmlns:a14="http://schemas.microsoft.com/office/drawing/2010/main" val="0"/>
+              </a:ext>
+            </a:extLst>
+          </a:blip>
+          <a:stretch>
+            <a:fillRect/>
+          </a:stretch>
+        </p:blipFill>
+        <p:spPr>
+          <a:xfrm>
+            <a:off x="9178646" y="3140245"/>
+            <a:ext cx="967920" cy="967920"/>
+          </a:xfrm>
+          <a:prstGeom prst="rect">
+            <a:avLst/>
+          </a:prstGeom>
+        </p:spPr>
+      </p:pic>
+      <p:pic>
+        <p:nvPicPr>
+          <p:cNvPr id="34" name="그림 33" descr="다채로운, 색이(가) 표시된 사진&#10;&#10;자동 생성된 설명">
+            <a:extLst>
+              <a:ext uri="{FF2B5EF4-FFF2-40B4-BE49-F238E27FC236}">
+                <a16:creationId xmlns:a16="http://schemas.microsoft.com/office/drawing/2014/main" id="{7337E2AD-D8FE-FBD2-0FBE-6F39FDAD8E6B}"/>
+              </a:ext>
+            </a:extLst>
+          </p:cNvPr>
+          <p:cNvPicPr>
+            <a:picLocks noChangeAspect="1"/>
+          </p:cNvPicPr>
+          <p:nvPr/>
+        </p:nvPicPr>
+        <p:blipFill>
+          <a:blip r:embed="rId8">
+            <a:extLst>
+              <a:ext uri="{28A0092B-C50C-407E-A947-70E740481C1C}">
+                <a14:useLocalDpi xmlns:a14="http://schemas.microsoft.com/office/drawing/2010/main" val="0"/>
+              </a:ext>
+            </a:extLst>
+          </a:blip>
+          <a:stretch>
+            <a:fillRect/>
+          </a:stretch>
+        </p:blipFill>
+        <p:spPr>
+          <a:xfrm>
+            <a:off x="8210613" y="3931375"/>
+            <a:ext cx="967920" cy="967920"/>
+          </a:xfrm>
+          <a:prstGeom prst="rect">
+            <a:avLst/>
+          </a:prstGeom>
+        </p:spPr>
+      </p:pic>
+      <p:pic>
+        <p:nvPicPr>
+          <p:cNvPr id="35" name="그림 34" descr="다채로운, 색이(가) 표시된 사진&#10;&#10;자동 생성된 설명">
+            <a:extLst>
+              <a:ext uri="{FF2B5EF4-FFF2-40B4-BE49-F238E27FC236}">
+                <a16:creationId xmlns:a16="http://schemas.microsoft.com/office/drawing/2014/main" id="{C6B71D16-E71C-6133-8AB4-27B1D99E49C9}"/>
+              </a:ext>
+            </a:extLst>
+          </p:cNvPr>
+          <p:cNvPicPr>
+            <a:picLocks noChangeAspect="1"/>
+          </p:cNvPicPr>
+          <p:nvPr/>
+        </p:nvPicPr>
+        <p:blipFill>
+          <a:blip r:embed="rId8">
+            <a:extLst>
+              <a:ext uri="{28A0092B-C50C-407E-A947-70E740481C1C}">
+                <a14:useLocalDpi xmlns:a14="http://schemas.microsoft.com/office/drawing/2010/main" val="0"/>
+              </a:ext>
+            </a:extLst>
+          </a:blip>
+          <a:stretch>
+            <a:fillRect/>
+          </a:stretch>
+        </p:blipFill>
+        <p:spPr>
+          <a:xfrm>
+            <a:off x="11109667" y="3916582"/>
+            <a:ext cx="967920" cy="967920"/>
+          </a:xfrm>
+          <a:prstGeom prst="rect">
+            <a:avLst/>
+          </a:prstGeom>
+        </p:spPr>
+      </p:pic>
+      <p:pic>
+        <p:nvPicPr>
+          <p:cNvPr id="36" name="그림 35" descr="다채로운, 색이(가) 표시된 사진&#10;&#10;자동 생성된 설명">
+            <a:extLst>
+              <a:ext uri="{FF2B5EF4-FFF2-40B4-BE49-F238E27FC236}">
+                <a16:creationId xmlns:a16="http://schemas.microsoft.com/office/drawing/2014/main" id="{BEBEBFE5-ECB4-84DF-1968-A001E1E55B11}"/>
+              </a:ext>
+            </a:extLst>
+          </p:cNvPr>
+          <p:cNvPicPr>
+            <a:picLocks noChangeAspect="1"/>
+          </p:cNvPicPr>
+          <p:nvPr/>
+        </p:nvPicPr>
+        <p:blipFill>
+          <a:blip r:embed="rId8">
+            <a:extLst>
+              <a:ext uri="{28A0092B-C50C-407E-A947-70E740481C1C}">
+                <a14:useLocalDpi xmlns:a14="http://schemas.microsoft.com/office/drawing/2010/main" val="0"/>
+              </a:ext>
+            </a:extLst>
+          </a:blip>
+          <a:stretch>
+            <a:fillRect/>
+          </a:stretch>
+        </p:blipFill>
+        <p:spPr>
+          <a:xfrm>
+            <a:off x="10141747" y="3922693"/>
+            <a:ext cx="967920" cy="967920"/>
+          </a:xfrm>
+          <a:prstGeom prst="rect">
+            <a:avLst/>
+          </a:prstGeom>
+        </p:spPr>
+      </p:pic>
+      <p:pic>
+        <p:nvPicPr>
+          <p:cNvPr id="37" name="그림 36" descr="다채로운, 색이(가) 표시된 사진&#10;&#10;자동 생성된 설명">
+            <a:extLst>
+              <a:ext uri="{FF2B5EF4-FFF2-40B4-BE49-F238E27FC236}">
+                <a16:creationId xmlns:a16="http://schemas.microsoft.com/office/drawing/2014/main" id="{62DFD261-A3E3-D9F7-2F46-4A00429969EB}"/>
+              </a:ext>
+            </a:extLst>
+          </p:cNvPr>
+          <p:cNvPicPr>
+            <a:picLocks noChangeAspect="1"/>
+          </p:cNvPicPr>
+          <p:nvPr/>
+        </p:nvPicPr>
+        <p:blipFill>
+          <a:blip r:embed="rId8">
+            <a:extLst>
+              <a:ext uri="{28A0092B-C50C-407E-A947-70E740481C1C}">
+                <a14:useLocalDpi xmlns:a14="http://schemas.microsoft.com/office/drawing/2010/main" val="0"/>
+              </a:ext>
+            </a:extLst>
+          </a:blip>
+          <a:stretch>
+            <a:fillRect/>
+          </a:stretch>
+        </p:blipFill>
+        <p:spPr>
+          <a:xfrm>
+            <a:off x="9173827" y="3931375"/>
+            <a:ext cx="967920" cy="967920"/>
+          </a:xfrm>
+          <a:prstGeom prst="rect">
+            <a:avLst/>
+          </a:prstGeom>
+        </p:spPr>
+      </p:pic>
+      <p:pic>
+        <p:nvPicPr>
+          <p:cNvPr id="43" name="그림 42">
+            <a:extLst>
+              <a:ext uri="{FF2B5EF4-FFF2-40B4-BE49-F238E27FC236}">
+                <a16:creationId xmlns:a16="http://schemas.microsoft.com/office/drawing/2014/main" id="{A038936E-8A93-A79B-9526-0C543F42BB72}"/>
+              </a:ext>
+            </a:extLst>
+          </p:cNvPr>
+          <p:cNvPicPr>
+            <a:picLocks noChangeAspect="1"/>
+          </p:cNvPicPr>
+          <p:nvPr/>
+        </p:nvPicPr>
+        <p:blipFill>
+          <a:blip r:embed="rId7">
+            <a:extLst>
+              <a:ext uri="{28A0092B-C50C-407E-A947-70E740481C1C}">
+                <a14:useLocalDpi xmlns:a14="http://schemas.microsoft.com/office/drawing/2010/main" val="0"/>
+              </a:ext>
+            </a:extLst>
+          </a:blip>
+          <a:stretch>
+            <a:fillRect/>
+          </a:stretch>
+        </p:blipFill>
+        <p:spPr>
+          <a:xfrm>
+            <a:off x="9545058" y="2368412"/>
+            <a:ext cx="1193378" cy="1193378"/>
+          </a:xfrm>
+          <a:prstGeom prst="rect">
+            <a:avLst/>
+          </a:prstGeom>
+        </p:spPr>
+      </p:pic>
+      <p:pic>
+        <p:nvPicPr>
+          <p:cNvPr id="41" name="그림 40">
+            <a:extLst>
+              <a:ext uri="{FF2B5EF4-FFF2-40B4-BE49-F238E27FC236}">
+                <a16:creationId xmlns:a16="http://schemas.microsoft.com/office/drawing/2014/main" id="{3BA4A960-61C1-23AF-EC27-7D1A5F9BA3F3}"/>
+              </a:ext>
+            </a:extLst>
+          </p:cNvPr>
+          <p:cNvPicPr>
+            <a:picLocks noChangeAspect="1"/>
+          </p:cNvPicPr>
+          <p:nvPr/>
+        </p:nvPicPr>
+        <p:blipFill>
+          <a:blip r:embed="rId9">
+            <a:extLst>
+              <a:ext uri="{28A0092B-C50C-407E-A947-70E740481C1C}">
+                <a14:useLocalDpi xmlns:a14="http://schemas.microsoft.com/office/drawing/2010/main" val="0"/>
+              </a:ext>
+            </a:extLst>
+          </a:blip>
+          <a:stretch>
+            <a:fillRect/>
+          </a:stretch>
+        </p:blipFill>
+        <p:spPr>
+          <a:xfrm>
+            <a:off x="9814416" y="2706393"/>
+            <a:ext cx="1191336" cy="1191336"/>
           </a:xfrm>
           <a:prstGeom prst="rect">
             <a:avLst/>
@@ -6647,6 +7217,2902 @@
           </a:p>
         </p:txBody>
       </p:sp>
+      <p:pic>
+        <p:nvPicPr>
+          <p:cNvPr id="3" name="그림 2">
+            <a:extLst>
+              <a:ext uri="{FF2B5EF4-FFF2-40B4-BE49-F238E27FC236}">
+                <a16:creationId xmlns:a16="http://schemas.microsoft.com/office/drawing/2014/main" id="{D0B3A768-17D1-B700-490C-6831E6F0F602}"/>
+              </a:ext>
+            </a:extLst>
+          </p:cNvPr>
+          <p:cNvPicPr>
+            <a:picLocks noChangeAspect="1"/>
+          </p:cNvPicPr>
+          <p:nvPr/>
+        </p:nvPicPr>
+        <p:blipFill>
+          <a:blip r:embed="rId2">
+            <a:duotone>
+              <a:prstClr val="black"/>
+              <a:srgbClr val="461646">
+                <a:tint val="45000"/>
+                <a:satMod val="400000"/>
+              </a:srgbClr>
+            </a:duotone>
+            <a:extLst>
+              <a:ext uri="{28A0092B-C50C-407E-A947-70E740481C1C}">
+                <a14:useLocalDpi xmlns:a14="http://schemas.microsoft.com/office/drawing/2010/main" val="0"/>
+              </a:ext>
+            </a:extLst>
+          </a:blip>
+          <a:stretch>
+            <a:fillRect/>
+          </a:stretch>
+        </p:blipFill>
+        <p:spPr>
+          <a:xfrm>
+            <a:off x="2502157" y="138023"/>
+            <a:ext cx="972740" cy="972740"/>
+          </a:xfrm>
+          <a:prstGeom prst="rect">
+            <a:avLst/>
+          </a:prstGeom>
+        </p:spPr>
+      </p:pic>
+      <p:pic>
+        <p:nvPicPr>
+          <p:cNvPr id="4" name="그림 3">
+            <a:extLst>
+              <a:ext uri="{FF2B5EF4-FFF2-40B4-BE49-F238E27FC236}">
+                <a16:creationId xmlns:a16="http://schemas.microsoft.com/office/drawing/2014/main" id="{903DA500-9D88-D232-4812-9823AB9C358B}"/>
+              </a:ext>
+            </a:extLst>
+          </p:cNvPr>
+          <p:cNvPicPr>
+            <a:picLocks noChangeAspect="1"/>
+          </p:cNvPicPr>
+          <p:nvPr/>
+        </p:nvPicPr>
+        <p:blipFill>
+          <a:blip r:embed="rId2">
+            <a:duotone>
+              <a:prstClr val="black"/>
+              <a:srgbClr val="461646">
+                <a:tint val="45000"/>
+                <a:satMod val="400000"/>
+              </a:srgbClr>
+            </a:duotone>
+            <a:extLst>
+              <a:ext uri="{28A0092B-C50C-407E-A947-70E740481C1C}">
+                <a14:useLocalDpi xmlns:a14="http://schemas.microsoft.com/office/drawing/2010/main" val="0"/>
+              </a:ext>
+            </a:extLst>
+          </a:blip>
+          <a:stretch>
+            <a:fillRect/>
+          </a:stretch>
+        </p:blipFill>
+        <p:spPr>
+          <a:xfrm>
+            <a:off x="3474897" y="138023"/>
+            <a:ext cx="972740" cy="972740"/>
+          </a:xfrm>
+          <a:prstGeom prst="rect">
+            <a:avLst/>
+          </a:prstGeom>
+        </p:spPr>
+      </p:pic>
+      <p:pic>
+        <p:nvPicPr>
+          <p:cNvPr id="5" name="그림 4">
+            <a:extLst>
+              <a:ext uri="{FF2B5EF4-FFF2-40B4-BE49-F238E27FC236}">
+                <a16:creationId xmlns:a16="http://schemas.microsoft.com/office/drawing/2014/main" id="{ACCC7FFD-5862-7E38-0954-21D5E6763972}"/>
+              </a:ext>
+            </a:extLst>
+          </p:cNvPr>
+          <p:cNvPicPr>
+            <a:picLocks noChangeAspect="1"/>
+          </p:cNvPicPr>
+          <p:nvPr/>
+        </p:nvPicPr>
+        <p:blipFill>
+          <a:blip r:embed="rId2">
+            <a:duotone>
+              <a:prstClr val="black"/>
+              <a:srgbClr val="461646">
+                <a:tint val="45000"/>
+                <a:satMod val="400000"/>
+              </a:srgbClr>
+            </a:duotone>
+            <a:extLst>
+              <a:ext uri="{28A0092B-C50C-407E-A947-70E740481C1C}">
+                <a14:useLocalDpi xmlns:a14="http://schemas.microsoft.com/office/drawing/2010/main" val="0"/>
+              </a:ext>
+            </a:extLst>
+          </a:blip>
+          <a:stretch>
+            <a:fillRect/>
+          </a:stretch>
+        </p:blipFill>
+        <p:spPr>
+          <a:xfrm>
+            <a:off x="2502157" y="936736"/>
+            <a:ext cx="972740" cy="972740"/>
+          </a:xfrm>
+          <a:prstGeom prst="rect">
+            <a:avLst/>
+          </a:prstGeom>
+        </p:spPr>
+      </p:pic>
+      <p:pic>
+        <p:nvPicPr>
+          <p:cNvPr id="6" name="그림 5">
+            <a:extLst>
+              <a:ext uri="{FF2B5EF4-FFF2-40B4-BE49-F238E27FC236}">
+                <a16:creationId xmlns:a16="http://schemas.microsoft.com/office/drawing/2014/main" id="{B0D98D0B-CD32-91B3-2A87-0462A4498E9E}"/>
+              </a:ext>
+            </a:extLst>
+          </p:cNvPr>
+          <p:cNvPicPr>
+            <a:picLocks noChangeAspect="1"/>
+          </p:cNvPicPr>
+          <p:nvPr/>
+        </p:nvPicPr>
+        <p:blipFill>
+          <a:blip r:embed="rId2">
+            <a:duotone>
+              <a:prstClr val="black"/>
+              <a:srgbClr val="461646">
+                <a:tint val="45000"/>
+                <a:satMod val="400000"/>
+              </a:srgbClr>
+            </a:duotone>
+            <a:extLst>
+              <a:ext uri="{28A0092B-C50C-407E-A947-70E740481C1C}">
+                <a14:useLocalDpi xmlns:a14="http://schemas.microsoft.com/office/drawing/2010/main" val="0"/>
+              </a:ext>
+            </a:extLst>
+          </a:blip>
+          <a:stretch>
+            <a:fillRect/>
+          </a:stretch>
+        </p:blipFill>
+        <p:spPr>
+          <a:xfrm>
+            <a:off x="3474897" y="936736"/>
+            <a:ext cx="972740" cy="972740"/>
+          </a:xfrm>
+          <a:prstGeom prst="rect">
+            <a:avLst/>
+          </a:prstGeom>
+        </p:spPr>
+      </p:pic>
+      <p:pic>
+        <p:nvPicPr>
+          <p:cNvPr id="7" name="그림 6">
+            <a:extLst>
+              <a:ext uri="{FF2B5EF4-FFF2-40B4-BE49-F238E27FC236}">
+                <a16:creationId xmlns:a16="http://schemas.microsoft.com/office/drawing/2014/main" id="{F60CE9A1-24FF-234C-2444-62623193534E}"/>
+              </a:ext>
+            </a:extLst>
+          </p:cNvPr>
+          <p:cNvPicPr>
+            <a:picLocks noChangeAspect="1"/>
+          </p:cNvPicPr>
+          <p:nvPr/>
+        </p:nvPicPr>
+        <p:blipFill>
+          <a:blip r:embed="rId2">
+            <a:duotone>
+              <a:prstClr val="black"/>
+              <a:srgbClr val="461646">
+                <a:tint val="45000"/>
+                <a:satMod val="400000"/>
+              </a:srgbClr>
+            </a:duotone>
+            <a:extLst>
+              <a:ext uri="{28A0092B-C50C-407E-A947-70E740481C1C}">
+                <a14:useLocalDpi xmlns:a14="http://schemas.microsoft.com/office/drawing/2010/main" val="0"/>
+              </a:ext>
+            </a:extLst>
+          </a:blip>
+          <a:stretch>
+            <a:fillRect/>
+          </a:stretch>
+        </p:blipFill>
+        <p:spPr>
+          <a:xfrm>
+            <a:off x="4447637" y="138023"/>
+            <a:ext cx="972740" cy="972740"/>
+          </a:xfrm>
+          <a:prstGeom prst="rect">
+            <a:avLst/>
+          </a:prstGeom>
+        </p:spPr>
+      </p:pic>
+      <p:pic>
+        <p:nvPicPr>
+          <p:cNvPr id="8" name="그림 7">
+            <a:extLst>
+              <a:ext uri="{FF2B5EF4-FFF2-40B4-BE49-F238E27FC236}">
+                <a16:creationId xmlns:a16="http://schemas.microsoft.com/office/drawing/2014/main" id="{FB01391C-9625-2280-B689-BE32E97AB473}"/>
+              </a:ext>
+            </a:extLst>
+          </p:cNvPr>
+          <p:cNvPicPr>
+            <a:picLocks noChangeAspect="1"/>
+          </p:cNvPicPr>
+          <p:nvPr/>
+        </p:nvPicPr>
+        <p:blipFill>
+          <a:blip r:embed="rId2">
+            <a:duotone>
+              <a:prstClr val="black"/>
+              <a:srgbClr val="461646">
+                <a:tint val="45000"/>
+                <a:satMod val="400000"/>
+              </a:srgbClr>
+            </a:duotone>
+            <a:extLst>
+              <a:ext uri="{28A0092B-C50C-407E-A947-70E740481C1C}">
+                <a14:useLocalDpi xmlns:a14="http://schemas.microsoft.com/office/drawing/2010/main" val="0"/>
+              </a:ext>
+            </a:extLst>
+          </a:blip>
+          <a:stretch>
+            <a:fillRect/>
+          </a:stretch>
+        </p:blipFill>
+        <p:spPr>
+          <a:xfrm>
+            <a:off x="5420377" y="138023"/>
+            <a:ext cx="972740" cy="972740"/>
+          </a:xfrm>
+          <a:prstGeom prst="rect">
+            <a:avLst/>
+          </a:prstGeom>
+        </p:spPr>
+      </p:pic>
+      <p:pic>
+        <p:nvPicPr>
+          <p:cNvPr id="9" name="그림 8">
+            <a:extLst>
+              <a:ext uri="{FF2B5EF4-FFF2-40B4-BE49-F238E27FC236}">
+                <a16:creationId xmlns:a16="http://schemas.microsoft.com/office/drawing/2014/main" id="{5E2B0E7E-0C58-796C-AD60-05D06F60058D}"/>
+              </a:ext>
+            </a:extLst>
+          </p:cNvPr>
+          <p:cNvPicPr>
+            <a:picLocks noChangeAspect="1"/>
+          </p:cNvPicPr>
+          <p:nvPr/>
+        </p:nvPicPr>
+        <p:blipFill>
+          <a:blip r:embed="rId2">
+            <a:duotone>
+              <a:prstClr val="black"/>
+              <a:srgbClr val="461646">
+                <a:tint val="45000"/>
+                <a:satMod val="400000"/>
+              </a:srgbClr>
+            </a:duotone>
+            <a:extLst>
+              <a:ext uri="{28A0092B-C50C-407E-A947-70E740481C1C}">
+                <a14:useLocalDpi xmlns:a14="http://schemas.microsoft.com/office/drawing/2010/main" val="0"/>
+              </a:ext>
+            </a:extLst>
+          </a:blip>
+          <a:stretch>
+            <a:fillRect/>
+          </a:stretch>
+        </p:blipFill>
+        <p:spPr>
+          <a:xfrm>
+            <a:off x="4447637" y="936736"/>
+            <a:ext cx="972740" cy="972740"/>
+          </a:xfrm>
+          <a:prstGeom prst="rect">
+            <a:avLst/>
+          </a:prstGeom>
+        </p:spPr>
+      </p:pic>
+      <p:pic>
+        <p:nvPicPr>
+          <p:cNvPr id="10" name="그림 9">
+            <a:extLst>
+              <a:ext uri="{FF2B5EF4-FFF2-40B4-BE49-F238E27FC236}">
+                <a16:creationId xmlns:a16="http://schemas.microsoft.com/office/drawing/2014/main" id="{C17DC5BF-79B8-667B-61CD-C188129D1841}"/>
+              </a:ext>
+            </a:extLst>
+          </p:cNvPr>
+          <p:cNvPicPr>
+            <a:picLocks noChangeAspect="1"/>
+          </p:cNvPicPr>
+          <p:nvPr/>
+        </p:nvPicPr>
+        <p:blipFill>
+          <a:blip r:embed="rId2">
+            <a:duotone>
+              <a:prstClr val="black"/>
+              <a:srgbClr val="461646">
+                <a:tint val="45000"/>
+                <a:satMod val="400000"/>
+              </a:srgbClr>
+            </a:duotone>
+            <a:extLst>
+              <a:ext uri="{28A0092B-C50C-407E-A947-70E740481C1C}">
+                <a14:useLocalDpi xmlns:a14="http://schemas.microsoft.com/office/drawing/2010/main" val="0"/>
+              </a:ext>
+            </a:extLst>
+          </a:blip>
+          <a:stretch>
+            <a:fillRect/>
+          </a:stretch>
+        </p:blipFill>
+        <p:spPr>
+          <a:xfrm>
+            <a:off x="5420377" y="936736"/>
+            <a:ext cx="972740" cy="972740"/>
+          </a:xfrm>
+          <a:prstGeom prst="rect">
+            <a:avLst/>
+          </a:prstGeom>
+        </p:spPr>
+      </p:pic>
+      <p:pic>
+        <p:nvPicPr>
+          <p:cNvPr id="11" name="그림 10">
+            <a:extLst>
+              <a:ext uri="{FF2B5EF4-FFF2-40B4-BE49-F238E27FC236}">
+                <a16:creationId xmlns:a16="http://schemas.microsoft.com/office/drawing/2014/main" id="{77772381-9BF5-375F-C214-7BBC3321BA52}"/>
+              </a:ext>
+            </a:extLst>
+          </p:cNvPr>
+          <p:cNvPicPr>
+            <a:picLocks noChangeAspect="1"/>
+          </p:cNvPicPr>
+          <p:nvPr/>
+        </p:nvPicPr>
+        <p:blipFill>
+          <a:blip r:embed="rId2">
+            <a:duotone>
+              <a:prstClr val="black"/>
+              <a:srgbClr val="461646">
+                <a:tint val="45000"/>
+                <a:satMod val="400000"/>
+              </a:srgbClr>
+            </a:duotone>
+            <a:extLst>
+              <a:ext uri="{28A0092B-C50C-407E-A947-70E740481C1C}">
+                <a14:useLocalDpi xmlns:a14="http://schemas.microsoft.com/office/drawing/2010/main" val="0"/>
+              </a:ext>
+            </a:extLst>
+          </a:blip>
+          <a:stretch>
+            <a:fillRect/>
+          </a:stretch>
+        </p:blipFill>
+        <p:spPr>
+          <a:xfrm>
+            <a:off x="2502157" y="1735449"/>
+            <a:ext cx="972740" cy="972740"/>
+          </a:xfrm>
+          <a:prstGeom prst="rect">
+            <a:avLst/>
+          </a:prstGeom>
+        </p:spPr>
+      </p:pic>
+      <p:pic>
+        <p:nvPicPr>
+          <p:cNvPr id="12" name="그림 11">
+            <a:extLst>
+              <a:ext uri="{FF2B5EF4-FFF2-40B4-BE49-F238E27FC236}">
+                <a16:creationId xmlns:a16="http://schemas.microsoft.com/office/drawing/2014/main" id="{72AA2596-63C1-3875-3664-44F77638BB2D}"/>
+              </a:ext>
+            </a:extLst>
+          </p:cNvPr>
+          <p:cNvPicPr>
+            <a:picLocks noChangeAspect="1"/>
+          </p:cNvPicPr>
+          <p:nvPr/>
+        </p:nvPicPr>
+        <p:blipFill>
+          <a:blip r:embed="rId2">
+            <a:duotone>
+              <a:prstClr val="black"/>
+              <a:srgbClr val="461646">
+                <a:tint val="45000"/>
+                <a:satMod val="400000"/>
+              </a:srgbClr>
+            </a:duotone>
+            <a:extLst>
+              <a:ext uri="{28A0092B-C50C-407E-A947-70E740481C1C}">
+                <a14:useLocalDpi xmlns:a14="http://schemas.microsoft.com/office/drawing/2010/main" val="0"/>
+              </a:ext>
+            </a:extLst>
+          </a:blip>
+          <a:stretch>
+            <a:fillRect/>
+          </a:stretch>
+        </p:blipFill>
+        <p:spPr>
+          <a:xfrm>
+            <a:off x="3474897" y="1735449"/>
+            <a:ext cx="972740" cy="972740"/>
+          </a:xfrm>
+          <a:prstGeom prst="rect">
+            <a:avLst/>
+          </a:prstGeom>
+        </p:spPr>
+      </p:pic>
+      <p:pic>
+        <p:nvPicPr>
+          <p:cNvPr id="13" name="그림 12">
+            <a:extLst>
+              <a:ext uri="{FF2B5EF4-FFF2-40B4-BE49-F238E27FC236}">
+                <a16:creationId xmlns:a16="http://schemas.microsoft.com/office/drawing/2014/main" id="{0CA2E8E1-6DE9-A4F8-B07C-19C0BE9D315F}"/>
+              </a:ext>
+            </a:extLst>
+          </p:cNvPr>
+          <p:cNvPicPr>
+            <a:picLocks noChangeAspect="1"/>
+          </p:cNvPicPr>
+          <p:nvPr/>
+        </p:nvPicPr>
+        <p:blipFill>
+          <a:blip r:embed="rId2">
+            <a:duotone>
+              <a:prstClr val="black"/>
+              <a:srgbClr val="461646">
+                <a:tint val="45000"/>
+                <a:satMod val="400000"/>
+              </a:srgbClr>
+            </a:duotone>
+            <a:extLst>
+              <a:ext uri="{28A0092B-C50C-407E-A947-70E740481C1C}">
+                <a14:useLocalDpi xmlns:a14="http://schemas.microsoft.com/office/drawing/2010/main" val="0"/>
+              </a:ext>
+            </a:extLst>
+          </a:blip>
+          <a:stretch>
+            <a:fillRect/>
+          </a:stretch>
+        </p:blipFill>
+        <p:spPr>
+          <a:xfrm>
+            <a:off x="2502157" y="2534162"/>
+            <a:ext cx="972740" cy="972740"/>
+          </a:xfrm>
+          <a:prstGeom prst="rect">
+            <a:avLst/>
+          </a:prstGeom>
+        </p:spPr>
+      </p:pic>
+      <p:pic>
+        <p:nvPicPr>
+          <p:cNvPr id="14" name="그림 13">
+            <a:extLst>
+              <a:ext uri="{FF2B5EF4-FFF2-40B4-BE49-F238E27FC236}">
+                <a16:creationId xmlns:a16="http://schemas.microsoft.com/office/drawing/2014/main" id="{7EED8E45-4E38-7913-D41C-191D39236335}"/>
+              </a:ext>
+            </a:extLst>
+          </p:cNvPr>
+          <p:cNvPicPr>
+            <a:picLocks noChangeAspect="1"/>
+          </p:cNvPicPr>
+          <p:nvPr/>
+        </p:nvPicPr>
+        <p:blipFill>
+          <a:blip r:embed="rId2">
+            <a:duotone>
+              <a:prstClr val="black"/>
+              <a:srgbClr val="461646">
+                <a:tint val="45000"/>
+                <a:satMod val="400000"/>
+              </a:srgbClr>
+            </a:duotone>
+            <a:extLst>
+              <a:ext uri="{28A0092B-C50C-407E-A947-70E740481C1C}">
+                <a14:useLocalDpi xmlns:a14="http://schemas.microsoft.com/office/drawing/2010/main" val="0"/>
+              </a:ext>
+            </a:extLst>
+          </a:blip>
+          <a:stretch>
+            <a:fillRect/>
+          </a:stretch>
+        </p:blipFill>
+        <p:spPr>
+          <a:xfrm>
+            <a:off x="3474897" y="2534162"/>
+            <a:ext cx="972740" cy="972740"/>
+          </a:xfrm>
+          <a:prstGeom prst="rect">
+            <a:avLst/>
+          </a:prstGeom>
+        </p:spPr>
+      </p:pic>
+      <p:pic>
+        <p:nvPicPr>
+          <p:cNvPr id="15" name="그림 14">
+            <a:extLst>
+              <a:ext uri="{FF2B5EF4-FFF2-40B4-BE49-F238E27FC236}">
+                <a16:creationId xmlns:a16="http://schemas.microsoft.com/office/drawing/2014/main" id="{EB1722E7-CCF8-EC4E-BE5C-74F8A90CA15A}"/>
+              </a:ext>
+            </a:extLst>
+          </p:cNvPr>
+          <p:cNvPicPr>
+            <a:picLocks noChangeAspect="1"/>
+          </p:cNvPicPr>
+          <p:nvPr/>
+        </p:nvPicPr>
+        <p:blipFill>
+          <a:blip r:embed="rId2">
+            <a:duotone>
+              <a:prstClr val="black"/>
+              <a:srgbClr val="461646">
+                <a:tint val="45000"/>
+                <a:satMod val="400000"/>
+              </a:srgbClr>
+            </a:duotone>
+            <a:extLst>
+              <a:ext uri="{28A0092B-C50C-407E-A947-70E740481C1C}">
+                <a14:useLocalDpi xmlns:a14="http://schemas.microsoft.com/office/drawing/2010/main" val="0"/>
+              </a:ext>
+            </a:extLst>
+          </a:blip>
+          <a:stretch>
+            <a:fillRect/>
+          </a:stretch>
+        </p:blipFill>
+        <p:spPr>
+          <a:xfrm>
+            <a:off x="4447637" y="1735449"/>
+            <a:ext cx="972740" cy="972740"/>
+          </a:xfrm>
+          <a:prstGeom prst="rect">
+            <a:avLst/>
+          </a:prstGeom>
+        </p:spPr>
+      </p:pic>
+      <p:pic>
+        <p:nvPicPr>
+          <p:cNvPr id="16" name="그림 15">
+            <a:extLst>
+              <a:ext uri="{FF2B5EF4-FFF2-40B4-BE49-F238E27FC236}">
+                <a16:creationId xmlns:a16="http://schemas.microsoft.com/office/drawing/2014/main" id="{BB062863-21BE-D763-B7CD-E9C329E7808C}"/>
+              </a:ext>
+            </a:extLst>
+          </p:cNvPr>
+          <p:cNvPicPr>
+            <a:picLocks noChangeAspect="1"/>
+          </p:cNvPicPr>
+          <p:nvPr/>
+        </p:nvPicPr>
+        <p:blipFill>
+          <a:blip r:embed="rId2">
+            <a:duotone>
+              <a:prstClr val="black"/>
+              <a:srgbClr val="461646">
+                <a:tint val="45000"/>
+                <a:satMod val="400000"/>
+              </a:srgbClr>
+            </a:duotone>
+            <a:extLst>
+              <a:ext uri="{28A0092B-C50C-407E-A947-70E740481C1C}">
+                <a14:useLocalDpi xmlns:a14="http://schemas.microsoft.com/office/drawing/2010/main" val="0"/>
+              </a:ext>
+            </a:extLst>
+          </a:blip>
+          <a:stretch>
+            <a:fillRect/>
+          </a:stretch>
+        </p:blipFill>
+        <p:spPr>
+          <a:xfrm>
+            <a:off x="5420377" y="1735449"/>
+            <a:ext cx="972740" cy="972740"/>
+          </a:xfrm>
+          <a:prstGeom prst="rect">
+            <a:avLst/>
+          </a:prstGeom>
+        </p:spPr>
+      </p:pic>
+      <p:pic>
+        <p:nvPicPr>
+          <p:cNvPr id="17" name="그림 16">
+            <a:extLst>
+              <a:ext uri="{FF2B5EF4-FFF2-40B4-BE49-F238E27FC236}">
+                <a16:creationId xmlns:a16="http://schemas.microsoft.com/office/drawing/2014/main" id="{28E0F207-D2E8-73C4-271C-1256455980BD}"/>
+              </a:ext>
+            </a:extLst>
+          </p:cNvPr>
+          <p:cNvPicPr>
+            <a:picLocks noChangeAspect="1"/>
+          </p:cNvPicPr>
+          <p:nvPr/>
+        </p:nvPicPr>
+        <p:blipFill>
+          <a:blip r:embed="rId2">
+            <a:duotone>
+              <a:prstClr val="black"/>
+              <a:srgbClr val="461646">
+                <a:tint val="45000"/>
+                <a:satMod val="400000"/>
+              </a:srgbClr>
+            </a:duotone>
+            <a:extLst>
+              <a:ext uri="{28A0092B-C50C-407E-A947-70E740481C1C}">
+                <a14:useLocalDpi xmlns:a14="http://schemas.microsoft.com/office/drawing/2010/main" val="0"/>
+              </a:ext>
+            </a:extLst>
+          </a:blip>
+          <a:stretch>
+            <a:fillRect/>
+          </a:stretch>
+        </p:blipFill>
+        <p:spPr>
+          <a:xfrm>
+            <a:off x="4447637" y="2534162"/>
+            <a:ext cx="972740" cy="972740"/>
+          </a:xfrm>
+          <a:prstGeom prst="rect">
+            <a:avLst/>
+          </a:prstGeom>
+        </p:spPr>
+      </p:pic>
+      <p:pic>
+        <p:nvPicPr>
+          <p:cNvPr id="18" name="그림 17">
+            <a:extLst>
+              <a:ext uri="{FF2B5EF4-FFF2-40B4-BE49-F238E27FC236}">
+                <a16:creationId xmlns:a16="http://schemas.microsoft.com/office/drawing/2014/main" id="{AB0A4B81-FA54-BE01-AC41-F67DC40126C2}"/>
+              </a:ext>
+            </a:extLst>
+          </p:cNvPr>
+          <p:cNvPicPr>
+            <a:picLocks noChangeAspect="1"/>
+          </p:cNvPicPr>
+          <p:nvPr/>
+        </p:nvPicPr>
+        <p:blipFill>
+          <a:blip r:embed="rId2">
+            <a:duotone>
+              <a:prstClr val="black"/>
+              <a:srgbClr val="461646">
+                <a:tint val="45000"/>
+                <a:satMod val="400000"/>
+              </a:srgbClr>
+            </a:duotone>
+            <a:extLst>
+              <a:ext uri="{28A0092B-C50C-407E-A947-70E740481C1C}">
+                <a14:useLocalDpi xmlns:a14="http://schemas.microsoft.com/office/drawing/2010/main" val="0"/>
+              </a:ext>
+            </a:extLst>
+          </a:blip>
+          <a:stretch>
+            <a:fillRect/>
+          </a:stretch>
+        </p:blipFill>
+        <p:spPr>
+          <a:xfrm>
+            <a:off x="5420377" y="2534162"/>
+            <a:ext cx="972740" cy="972740"/>
+          </a:xfrm>
+          <a:prstGeom prst="rect">
+            <a:avLst/>
+          </a:prstGeom>
+        </p:spPr>
+      </p:pic>
+      <p:pic>
+        <p:nvPicPr>
+          <p:cNvPr id="20" name="그림 19">
+            <a:extLst>
+              <a:ext uri="{FF2B5EF4-FFF2-40B4-BE49-F238E27FC236}">
+                <a16:creationId xmlns:a16="http://schemas.microsoft.com/office/drawing/2014/main" id="{09D47BCE-F321-7358-5230-E2B60CC47382}"/>
+              </a:ext>
+            </a:extLst>
+          </p:cNvPr>
+          <p:cNvPicPr>
+            <a:picLocks noChangeAspect="1"/>
+          </p:cNvPicPr>
+          <p:nvPr/>
+        </p:nvPicPr>
+        <p:blipFill>
+          <a:blip r:embed="rId2">
+            <a:duotone>
+              <a:prstClr val="black"/>
+              <a:srgbClr val="461646">
+                <a:tint val="45000"/>
+                <a:satMod val="400000"/>
+              </a:srgbClr>
+            </a:duotone>
+            <a:extLst>
+              <a:ext uri="{28A0092B-C50C-407E-A947-70E740481C1C}">
+                <a14:useLocalDpi xmlns:a14="http://schemas.microsoft.com/office/drawing/2010/main" val="0"/>
+              </a:ext>
+            </a:extLst>
+          </a:blip>
+          <a:stretch>
+            <a:fillRect/>
+          </a:stretch>
+        </p:blipFill>
+        <p:spPr>
+          <a:xfrm>
+            <a:off x="6393117" y="138023"/>
+            <a:ext cx="972740" cy="972740"/>
+          </a:xfrm>
+          <a:prstGeom prst="rect">
+            <a:avLst/>
+          </a:prstGeom>
+        </p:spPr>
+      </p:pic>
+      <p:pic>
+        <p:nvPicPr>
+          <p:cNvPr id="21" name="그림 20">
+            <a:extLst>
+              <a:ext uri="{FF2B5EF4-FFF2-40B4-BE49-F238E27FC236}">
+                <a16:creationId xmlns:a16="http://schemas.microsoft.com/office/drawing/2014/main" id="{1A0BDC60-BD37-A9D7-429A-44D563032976}"/>
+              </a:ext>
+            </a:extLst>
+          </p:cNvPr>
+          <p:cNvPicPr>
+            <a:picLocks noChangeAspect="1"/>
+          </p:cNvPicPr>
+          <p:nvPr/>
+        </p:nvPicPr>
+        <p:blipFill>
+          <a:blip r:embed="rId2">
+            <a:duotone>
+              <a:prstClr val="black"/>
+              <a:srgbClr val="461646">
+                <a:tint val="45000"/>
+                <a:satMod val="400000"/>
+              </a:srgbClr>
+            </a:duotone>
+            <a:extLst>
+              <a:ext uri="{28A0092B-C50C-407E-A947-70E740481C1C}">
+                <a14:useLocalDpi xmlns:a14="http://schemas.microsoft.com/office/drawing/2010/main" val="0"/>
+              </a:ext>
+            </a:extLst>
+          </a:blip>
+          <a:stretch>
+            <a:fillRect/>
+          </a:stretch>
+        </p:blipFill>
+        <p:spPr>
+          <a:xfrm>
+            <a:off x="7365857" y="138023"/>
+            <a:ext cx="972740" cy="972740"/>
+          </a:xfrm>
+          <a:prstGeom prst="rect">
+            <a:avLst/>
+          </a:prstGeom>
+        </p:spPr>
+      </p:pic>
+      <p:pic>
+        <p:nvPicPr>
+          <p:cNvPr id="22" name="그림 21">
+            <a:extLst>
+              <a:ext uri="{FF2B5EF4-FFF2-40B4-BE49-F238E27FC236}">
+                <a16:creationId xmlns:a16="http://schemas.microsoft.com/office/drawing/2014/main" id="{5ABE274B-E870-2649-68B6-EB06F0B77169}"/>
+              </a:ext>
+            </a:extLst>
+          </p:cNvPr>
+          <p:cNvPicPr>
+            <a:picLocks noChangeAspect="1"/>
+          </p:cNvPicPr>
+          <p:nvPr/>
+        </p:nvPicPr>
+        <p:blipFill>
+          <a:blip r:embed="rId2">
+            <a:duotone>
+              <a:prstClr val="black"/>
+              <a:srgbClr val="461646">
+                <a:tint val="45000"/>
+                <a:satMod val="400000"/>
+              </a:srgbClr>
+            </a:duotone>
+            <a:extLst>
+              <a:ext uri="{28A0092B-C50C-407E-A947-70E740481C1C}">
+                <a14:useLocalDpi xmlns:a14="http://schemas.microsoft.com/office/drawing/2010/main" val="0"/>
+              </a:ext>
+            </a:extLst>
+          </a:blip>
+          <a:stretch>
+            <a:fillRect/>
+          </a:stretch>
+        </p:blipFill>
+        <p:spPr>
+          <a:xfrm>
+            <a:off x="6393117" y="936736"/>
+            <a:ext cx="972740" cy="972740"/>
+          </a:xfrm>
+          <a:prstGeom prst="rect">
+            <a:avLst/>
+          </a:prstGeom>
+        </p:spPr>
+      </p:pic>
+      <p:pic>
+        <p:nvPicPr>
+          <p:cNvPr id="23" name="그림 22">
+            <a:extLst>
+              <a:ext uri="{FF2B5EF4-FFF2-40B4-BE49-F238E27FC236}">
+                <a16:creationId xmlns:a16="http://schemas.microsoft.com/office/drawing/2014/main" id="{F64AEE74-8DB0-321D-1785-782F831B2A72}"/>
+              </a:ext>
+            </a:extLst>
+          </p:cNvPr>
+          <p:cNvPicPr>
+            <a:picLocks noChangeAspect="1"/>
+          </p:cNvPicPr>
+          <p:nvPr/>
+        </p:nvPicPr>
+        <p:blipFill>
+          <a:blip r:embed="rId2">
+            <a:duotone>
+              <a:prstClr val="black"/>
+              <a:srgbClr val="461646">
+                <a:tint val="45000"/>
+                <a:satMod val="400000"/>
+              </a:srgbClr>
+            </a:duotone>
+            <a:extLst>
+              <a:ext uri="{28A0092B-C50C-407E-A947-70E740481C1C}">
+                <a14:useLocalDpi xmlns:a14="http://schemas.microsoft.com/office/drawing/2010/main" val="0"/>
+              </a:ext>
+            </a:extLst>
+          </a:blip>
+          <a:stretch>
+            <a:fillRect/>
+          </a:stretch>
+        </p:blipFill>
+        <p:spPr>
+          <a:xfrm>
+            <a:off x="7365857" y="936736"/>
+            <a:ext cx="972740" cy="972740"/>
+          </a:xfrm>
+          <a:prstGeom prst="rect">
+            <a:avLst/>
+          </a:prstGeom>
+        </p:spPr>
+      </p:pic>
+      <p:pic>
+        <p:nvPicPr>
+          <p:cNvPr id="24" name="그림 23">
+            <a:extLst>
+              <a:ext uri="{FF2B5EF4-FFF2-40B4-BE49-F238E27FC236}">
+                <a16:creationId xmlns:a16="http://schemas.microsoft.com/office/drawing/2014/main" id="{FF619889-C6A5-F9A2-707B-AA0A1B1C3021}"/>
+              </a:ext>
+            </a:extLst>
+          </p:cNvPr>
+          <p:cNvPicPr>
+            <a:picLocks noChangeAspect="1"/>
+          </p:cNvPicPr>
+          <p:nvPr/>
+        </p:nvPicPr>
+        <p:blipFill>
+          <a:blip r:embed="rId2">
+            <a:duotone>
+              <a:prstClr val="black"/>
+              <a:srgbClr val="461646">
+                <a:tint val="45000"/>
+                <a:satMod val="400000"/>
+              </a:srgbClr>
+            </a:duotone>
+            <a:extLst>
+              <a:ext uri="{28A0092B-C50C-407E-A947-70E740481C1C}">
+                <a14:useLocalDpi xmlns:a14="http://schemas.microsoft.com/office/drawing/2010/main" val="0"/>
+              </a:ext>
+            </a:extLst>
+          </a:blip>
+          <a:stretch>
+            <a:fillRect/>
+          </a:stretch>
+        </p:blipFill>
+        <p:spPr>
+          <a:xfrm>
+            <a:off x="8338597" y="138023"/>
+            <a:ext cx="972740" cy="972740"/>
+          </a:xfrm>
+          <a:prstGeom prst="rect">
+            <a:avLst/>
+          </a:prstGeom>
+        </p:spPr>
+      </p:pic>
+      <p:pic>
+        <p:nvPicPr>
+          <p:cNvPr id="25" name="그림 24">
+            <a:extLst>
+              <a:ext uri="{FF2B5EF4-FFF2-40B4-BE49-F238E27FC236}">
+                <a16:creationId xmlns:a16="http://schemas.microsoft.com/office/drawing/2014/main" id="{4DA9A69D-6BFC-9482-6A5C-A0C6E6D38171}"/>
+              </a:ext>
+            </a:extLst>
+          </p:cNvPr>
+          <p:cNvPicPr>
+            <a:picLocks noChangeAspect="1"/>
+          </p:cNvPicPr>
+          <p:nvPr/>
+        </p:nvPicPr>
+        <p:blipFill>
+          <a:blip r:embed="rId2">
+            <a:duotone>
+              <a:prstClr val="black"/>
+              <a:srgbClr val="461646">
+                <a:tint val="45000"/>
+                <a:satMod val="400000"/>
+              </a:srgbClr>
+            </a:duotone>
+            <a:extLst>
+              <a:ext uri="{28A0092B-C50C-407E-A947-70E740481C1C}">
+                <a14:useLocalDpi xmlns:a14="http://schemas.microsoft.com/office/drawing/2010/main" val="0"/>
+              </a:ext>
+            </a:extLst>
+          </a:blip>
+          <a:stretch>
+            <a:fillRect/>
+          </a:stretch>
+        </p:blipFill>
+        <p:spPr>
+          <a:xfrm>
+            <a:off x="9311337" y="138023"/>
+            <a:ext cx="972740" cy="972740"/>
+          </a:xfrm>
+          <a:prstGeom prst="rect">
+            <a:avLst/>
+          </a:prstGeom>
+        </p:spPr>
+      </p:pic>
+      <p:pic>
+        <p:nvPicPr>
+          <p:cNvPr id="26" name="그림 25">
+            <a:extLst>
+              <a:ext uri="{FF2B5EF4-FFF2-40B4-BE49-F238E27FC236}">
+                <a16:creationId xmlns:a16="http://schemas.microsoft.com/office/drawing/2014/main" id="{72069438-E201-9CF4-D199-27F7C1917F44}"/>
+              </a:ext>
+            </a:extLst>
+          </p:cNvPr>
+          <p:cNvPicPr>
+            <a:picLocks noChangeAspect="1"/>
+          </p:cNvPicPr>
+          <p:nvPr/>
+        </p:nvPicPr>
+        <p:blipFill>
+          <a:blip r:embed="rId2">
+            <a:duotone>
+              <a:prstClr val="black"/>
+              <a:srgbClr val="461646">
+                <a:tint val="45000"/>
+                <a:satMod val="400000"/>
+              </a:srgbClr>
+            </a:duotone>
+            <a:extLst>
+              <a:ext uri="{28A0092B-C50C-407E-A947-70E740481C1C}">
+                <a14:useLocalDpi xmlns:a14="http://schemas.microsoft.com/office/drawing/2010/main" val="0"/>
+              </a:ext>
+            </a:extLst>
+          </a:blip>
+          <a:stretch>
+            <a:fillRect/>
+          </a:stretch>
+        </p:blipFill>
+        <p:spPr>
+          <a:xfrm>
+            <a:off x="8338597" y="936736"/>
+            <a:ext cx="972740" cy="972740"/>
+          </a:xfrm>
+          <a:prstGeom prst="rect">
+            <a:avLst/>
+          </a:prstGeom>
+        </p:spPr>
+      </p:pic>
+      <p:pic>
+        <p:nvPicPr>
+          <p:cNvPr id="27" name="그림 26">
+            <a:extLst>
+              <a:ext uri="{FF2B5EF4-FFF2-40B4-BE49-F238E27FC236}">
+                <a16:creationId xmlns:a16="http://schemas.microsoft.com/office/drawing/2014/main" id="{4894A3D3-1EAC-33F9-BFA1-E595569BE3B0}"/>
+              </a:ext>
+            </a:extLst>
+          </p:cNvPr>
+          <p:cNvPicPr>
+            <a:picLocks noChangeAspect="1"/>
+          </p:cNvPicPr>
+          <p:nvPr/>
+        </p:nvPicPr>
+        <p:blipFill>
+          <a:blip r:embed="rId2">
+            <a:duotone>
+              <a:prstClr val="black"/>
+              <a:srgbClr val="461646">
+                <a:tint val="45000"/>
+                <a:satMod val="400000"/>
+              </a:srgbClr>
+            </a:duotone>
+            <a:extLst>
+              <a:ext uri="{28A0092B-C50C-407E-A947-70E740481C1C}">
+                <a14:useLocalDpi xmlns:a14="http://schemas.microsoft.com/office/drawing/2010/main" val="0"/>
+              </a:ext>
+            </a:extLst>
+          </a:blip>
+          <a:stretch>
+            <a:fillRect/>
+          </a:stretch>
+        </p:blipFill>
+        <p:spPr>
+          <a:xfrm>
+            <a:off x="9311337" y="936736"/>
+            <a:ext cx="972740" cy="972740"/>
+          </a:xfrm>
+          <a:prstGeom prst="rect">
+            <a:avLst/>
+          </a:prstGeom>
+        </p:spPr>
+      </p:pic>
+      <p:pic>
+        <p:nvPicPr>
+          <p:cNvPr id="28" name="그림 27">
+            <a:extLst>
+              <a:ext uri="{FF2B5EF4-FFF2-40B4-BE49-F238E27FC236}">
+                <a16:creationId xmlns:a16="http://schemas.microsoft.com/office/drawing/2014/main" id="{0E7BAEE8-1E46-8782-55F5-C9BDFBD17AA8}"/>
+              </a:ext>
+            </a:extLst>
+          </p:cNvPr>
+          <p:cNvPicPr>
+            <a:picLocks noChangeAspect="1"/>
+          </p:cNvPicPr>
+          <p:nvPr/>
+        </p:nvPicPr>
+        <p:blipFill>
+          <a:blip r:embed="rId2">
+            <a:duotone>
+              <a:prstClr val="black"/>
+              <a:srgbClr val="461646">
+                <a:tint val="45000"/>
+                <a:satMod val="400000"/>
+              </a:srgbClr>
+            </a:duotone>
+            <a:extLst>
+              <a:ext uri="{28A0092B-C50C-407E-A947-70E740481C1C}">
+                <a14:useLocalDpi xmlns:a14="http://schemas.microsoft.com/office/drawing/2010/main" val="0"/>
+              </a:ext>
+            </a:extLst>
+          </a:blip>
+          <a:stretch>
+            <a:fillRect/>
+          </a:stretch>
+        </p:blipFill>
+        <p:spPr>
+          <a:xfrm>
+            <a:off x="6393117" y="1735449"/>
+            <a:ext cx="972740" cy="972740"/>
+          </a:xfrm>
+          <a:prstGeom prst="rect">
+            <a:avLst/>
+          </a:prstGeom>
+        </p:spPr>
+      </p:pic>
+      <p:pic>
+        <p:nvPicPr>
+          <p:cNvPr id="29" name="그림 28">
+            <a:extLst>
+              <a:ext uri="{FF2B5EF4-FFF2-40B4-BE49-F238E27FC236}">
+                <a16:creationId xmlns:a16="http://schemas.microsoft.com/office/drawing/2014/main" id="{A81BE1A3-1EA8-01A6-C22A-33F4F60D75EA}"/>
+              </a:ext>
+            </a:extLst>
+          </p:cNvPr>
+          <p:cNvPicPr>
+            <a:picLocks noChangeAspect="1"/>
+          </p:cNvPicPr>
+          <p:nvPr/>
+        </p:nvPicPr>
+        <p:blipFill>
+          <a:blip r:embed="rId2">
+            <a:duotone>
+              <a:prstClr val="black"/>
+              <a:srgbClr val="461646">
+                <a:tint val="45000"/>
+                <a:satMod val="400000"/>
+              </a:srgbClr>
+            </a:duotone>
+            <a:extLst>
+              <a:ext uri="{28A0092B-C50C-407E-A947-70E740481C1C}">
+                <a14:useLocalDpi xmlns:a14="http://schemas.microsoft.com/office/drawing/2010/main" val="0"/>
+              </a:ext>
+            </a:extLst>
+          </a:blip>
+          <a:stretch>
+            <a:fillRect/>
+          </a:stretch>
+        </p:blipFill>
+        <p:spPr>
+          <a:xfrm>
+            <a:off x="7365857" y="1735449"/>
+            <a:ext cx="972740" cy="972740"/>
+          </a:xfrm>
+          <a:prstGeom prst="rect">
+            <a:avLst/>
+          </a:prstGeom>
+        </p:spPr>
+      </p:pic>
+      <p:pic>
+        <p:nvPicPr>
+          <p:cNvPr id="30" name="그림 29">
+            <a:extLst>
+              <a:ext uri="{FF2B5EF4-FFF2-40B4-BE49-F238E27FC236}">
+                <a16:creationId xmlns:a16="http://schemas.microsoft.com/office/drawing/2014/main" id="{ABEE298B-7CAF-45FA-614C-646EBD2A1E93}"/>
+              </a:ext>
+            </a:extLst>
+          </p:cNvPr>
+          <p:cNvPicPr>
+            <a:picLocks noChangeAspect="1"/>
+          </p:cNvPicPr>
+          <p:nvPr/>
+        </p:nvPicPr>
+        <p:blipFill>
+          <a:blip r:embed="rId2">
+            <a:duotone>
+              <a:prstClr val="black"/>
+              <a:srgbClr val="461646">
+                <a:tint val="45000"/>
+                <a:satMod val="400000"/>
+              </a:srgbClr>
+            </a:duotone>
+            <a:extLst>
+              <a:ext uri="{28A0092B-C50C-407E-A947-70E740481C1C}">
+                <a14:useLocalDpi xmlns:a14="http://schemas.microsoft.com/office/drawing/2010/main" val="0"/>
+              </a:ext>
+            </a:extLst>
+          </a:blip>
+          <a:stretch>
+            <a:fillRect/>
+          </a:stretch>
+        </p:blipFill>
+        <p:spPr>
+          <a:xfrm>
+            <a:off x="6393117" y="2534162"/>
+            <a:ext cx="972740" cy="972740"/>
+          </a:xfrm>
+          <a:prstGeom prst="rect">
+            <a:avLst/>
+          </a:prstGeom>
+        </p:spPr>
+      </p:pic>
+      <p:pic>
+        <p:nvPicPr>
+          <p:cNvPr id="31" name="그림 30">
+            <a:extLst>
+              <a:ext uri="{FF2B5EF4-FFF2-40B4-BE49-F238E27FC236}">
+                <a16:creationId xmlns:a16="http://schemas.microsoft.com/office/drawing/2014/main" id="{48F562BD-982D-1D18-441B-01FD51D90A10}"/>
+              </a:ext>
+            </a:extLst>
+          </p:cNvPr>
+          <p:cNvPicPr>
+            <a:picLocks noChangeAspect="1"/>
+          </p:cNvPicPr>
+          <p:nvPr/>
+        </p:nvPicPr>
+        <p:blipFill>
+          <a:blip r:embed="rId2">
+            <a:duotone>
+              <a:prstClr val="black"/>
+              <a:srgbClr val="461646">
+                <a:tint val="45000"/>
+                <a:satMod val="400000"/>
+              </a:srgbClr>
+            </a:duotone>
+            <a:extLst>
+              <a:ext uri="{28A0092B-C50C-407E-A947-70E740481C1C}">
+                <a14:useLocalDpi xmlns:a14="http://schemas.microsoft.com/office/drawing/2010/main" val="0"/>
+              </a:ext>
+            </a:extLst>
+          </a:blip>
+          <a:stretch>
+            <a:fillRect/>
+          </a:stretch>
+        </p:blipFill>
+        <p:spPr>
+          <a:xfrm>
+            <a:off x="7365857" y="2534162"/>
+            <a:ext cx="972740" cy="972740"/>
+          </a:xfrm>
+          <a:prstGeom prst="rect">
+            <a:avLst/>
+          </a:prstGeom>
+        </p:spPr>
+      </p:pic>
+      <p:pic>
+        <p:nvPicPr>
+          <p:cNvPr id="32" name="그림 31">
+            <a:extLst>
+              <a:ext uri="{FF2B5EF4-FFF2-40B4-BE49-F238E27FC236}">
+                <a16:creationId xmlns:a16="http://schemas.microsoft.com/office/drawing/2014/main" id="{552EA326-FA7B-9412-F551-5D606276A0D4}"/>
+              </a:ext>
+            </a:extLst>
+          </p:cNvPr>
+          <p:cNvPicPr>
+            <a:picLocks noChangeAspect="1"/>
+          </p:cNvPicPr>
+          <p:nvPr/>
+        </p:nvPicPr>
+        <p:blipFill>
+          <a:blip r:embed="rId2">
+            <a:duotone>
+              <a:prstClr val="black"/>
+              <a:srgbClr val="461646">
+                <a:tint val="45000"/>
+                <a:satMod val="400000"/>
+              </a:srgbClr>
+            </a:duotone>
+            <a:extLst>
+              <a:ext uri="{28A0092B-C50C-407E-A947-70E740481C1C}">
+                <a14:useLocalDpi xmlns:a14="http://schemas.microsoft.com/office/drawing/2010/main" val="0"/>
+              </a:ext>
+            </a:extLst>
+          </a:blip>
+          <a:stretch>
+            <a:fillRect/>
+          </a:stretch>
+        </p:blipFill>
+        <p:spPr>
+          <a:xfrm>
+            <a:off x="8338597" y="1735449"/>
+            <a:ext cx="972740" cy="972740"/>
+          </a:xfrm>
+          <a:prstGeom prst="rect">
+            <a:avLst/>
+          </a:prstGeom>
+        </p:spPr>
+      </p:pic>
+      <p:pic>
+        <p:nvPicPr>
+          <p:cNvPr id="33" name="그림 32">
+            <a:extLst>
+              <a:ext uri="{FF2B5EF4-FFF2-40B4-BE49-F238E27FC236}">
+                <a16:creationId xmlns:a16="http://schemas.microsoft.com/office/drawing/2014/main" id="{542E8988-DFB5-9CC3-03C3-5B48E1A5B208}"/>
+              </a:ext>
+            </a:extLst>
+          </p:cNvPr>
+          <p:cNvPicPr>
+            <a:picLocks noChangeAspect="1"/>
+          </p:cNvPicPr>
+          <p:nvPr/>
+        </p:nvPicPr>
+        <p:blipFill>
+          <a:blip r:embed="rId2">
+            <a:duotone>
+              <a:prstClr val="black"/>
+              <a:srgbClr val="461646">
+                <a:tint val="45000"/>
+                <a:satMod val="400000"/>
+              </a:srgbClr>
+            </a:duotone>
+            <a:extLst>
+              <a:ext uri="{28A0092B-C50C-407E-A947-70E740481C1C}">
+                <a14:useLocalDpi xmlns:a14="http://schemas.microsoft.com/office/drawing/2010/main" val="0"/>
+              </a:ext>
+            </a:extLst>
+          </a:blip>
+          <a:stretch>
+            <a:fillRect/>
+          </a:stretch>
+        </p:blipFill>
+        <p:spPr>
+          <a:xfrm>
+            <a:off x="9311337" y="1735449"/>
+            <a:ext cx="972740" cy="972740"/>
+          </a:xfrm>
+          <a:prstGeom prst="rect">
+            <a:avLst/>
+          </a:prstGeom>
+        </p:spPr>
+      </p:pic>
+      <p:pic>
+        <p:nvPicPr>
+          <p:cNvPr id="34" name="그림 33">
+            <a:extLst>
+              <a:ext uri="{FF2B5EF4-FFF2-40B4-BE49-F238E27FC236}">
+                <a16:creationId xmlns:a16="http://schemas.microsoft.com/office/drawing/2014/main" id="{0A5ECA75-AEA3-DDE1-9AA9-AB2AEEECBDA8}"/>
+              </a:ext>
+            </a:extLst>
+          </p:cNvPr>
+          <p:cNvPicPr>
+            <a:picLocks noChangeAspect="1"/>
+          </p:cNvPicPr>
+          <p:nvPr/>
+        </p:nvPicPr>
+        <p:blipFill>
+          <a:blip r:embed="rId2">
+            <a:duotone>
+              <a:prstClr val="black"/>
+              <a:srgbClr val="461646">
+                <a:tint val="45000"/>
+                <a:satMod val="400000"/>
+              </a:srgbClr>
+            </a:duotone>
+            <a:extLst>
+              <a:ext uri="{28A0092B-C50C-407E-A947-70E740481C1C}">
+                <a14:useLocalDpi xmlns:a14="http://schemas.microsoft.com/office/drawing/2010/main" val="0"/>
+              </a:ext>
+            </a:extLst>
+          </a:blip>
+          <a:stretch>
+            <a:fillRect/>
+          </a:stretch>
+        </p:blipFill>
+        <p:spPr>
+          <a:xfrm>
+            <a:off x="8338597" y="2534162"/>
+            <a:ext cx="972740" cy="972740"/>
+          </a:xfrm>
+          <a:prstGeom prst="rect">
+            <a:avLst/>
+          </a:prstGeom>
+        </p:spPr>
+      </p:pic>
+      <p:pic>
+        <p:nvPicPr>
+          <p:cNvPr id="35" name="그림 34">
+            <a:extLst>
+              <a:ext uri="{FF2B5EF4-FFF2-40B4-BE49-F238E27FC236}">
+                <a16:creationId xmlns:a16="http://schemas.microsoft.com/office/drawing/2014/main" id="{2A28256C-2D4F-296F-D5B9-F46362A012C4}"/>
+              </a:ext>
+            </a:extLst>
+          </p:cNvPr>
+          <p:cNvPicPr>
+            <a:picLocks noChangeAspect="1"/>
+          </p:cNvPicPr>
+          <p:nvPr/>
+        </p:nvPicPr>
+        <p:blipFill>
+          <a:blip r:embed="rId2">
+            <a:duotone>
+              <a:prstClr val="black"/>
+              <a:srgbClr val="461646">
+                <a:tint val="45000"/>
+                <a:satMod val="400000"/>
+              </a:srgbClr>
+            </a:duotone>
+            <a:extLst>
+              <a:ext uri="{28A0092B-C50C-407E-A947-70E740481C1C}">
+                <a14:useLocalDpi xmlns:a14="http://schemas.microsoft.com/office/drawing/2010/main" val="0"/>
+              </a:ext>
+            </a:extLst>
+          </a:blip>
+          <a:stretch>
+            <a:fillRect/>
+          </a:stretch>
+        </p:blipFill>
+        <p:spPr>
+          <a:xfrm>
+            <a:off x="9311337" y="2534162"/>
+            <a:ext cx="972740" cy="972740"/>
+          </a:xfrm>
+          <a:prstGeom prst="rect">
+            <a:avLst/>
+          </a:prstGeom>
+        </p:spPr>
+      </p:pic>
+      <p:pic>
+        <p:nvPicPr>
+          <p:cNvPr id="36" name="그림 35">
+            <a:extLst>
+              <a:ext uri="{FF2B5EF4-FFF2-40B4-BE49-F238E27FC236}">
+                <a16:creationId xmlns:a16="http://schemas.microsoft.com/office/drawing/2014/main" id="{C91F7C85-6F57-C003-48B2-6A4B7D9FADE5}"/>
+              </a:ext>
+            </a:extLst>
+          </p:cNvPr>
+          <p:cNvPicPr>
+            <a:picLocks noChangeAspect="1"/>
+          </p:cNvPicPr>
+          <p:nvPr/>
+        </p:nvPicPr>
+        <p:blipFill>
+          <a:blip r:embed="rId2">
+            <a:duotone>
+              <a:prstClr val="black"/>
+              <a:srgbClr val="461646">
+                <a:tint val="45000"/>
+                <a:satMod val="400000"/>
+              </a:srgbClr>
+            </a:duotone>
+            <a:extLst>
+              <a:ext uri="{28A0092B-C50C-407E-A947-70E740481C1C}">
+                <a14:useLocalDpi xmlns:a14="http://schemas.microsoft.com/office/drawing/2010/main" val="0"/>
+              </a:ext>
+            </a:extLst>
+          </a:blip>
+          <a:stretch>
+            <a:fillRect/>
+          </a:stretch>
+        </p:blipFill>
+        <p:spPr>
+          <a:xfrm>
+            <a:off x="2502157" y="3332875"/>
+            <a:ext cx="972740" cy="972740"/>
+          </a:xfrm>
+          <a:prstGeom prst="rect">
+            <a:avLst/>
+          </a:prstGeom>
+        </p:spPr>
+      </p:pic>
+      <p:pic>
+        <p:nvPicPr>
+          <p:cNvPr id="37" name="그림 36">
+            <a:extLst>
+              <a:ext uri="{FF2B5EF4-FFF2-40B4-BE49-F238E27FC236}">
+                <a16:creationId xmlns:a16="http://schemas.microsoft.com/office/drawing/2014/main" id="{A9A7DD94-EF78-9D25-8AB8-8A3EFAEFD58D}"/>
+              </a:ext>
+            </a:extLst>
+          </p:cNvPr>
+          <p:cNvPicPr>
+            <a:picLocks noChangeAspect="1"/>
+          </p:cNvPicPr>
+          <p:nvPr/>
+        </p:nvPicPr>
+        <p:blipFill>
+          <a:blip r:embed="rId2">
+            <a:duotone>
+              <a:prstClr val="black"/>
+              <a:srgbClr val="461646">
+                <a:tint val="45000"/>
+                <a:satMod val="400000"/>
+              </a:srgbClr>
+            </a:duotone>
+            <a:extLst>
+              <a:ext uri="{28A0092B-C50C-407E-A947-70E740481C1C}">
+                <a14:useLocalDpi xmlns:a14="http://schemas.microsoft.com/office/drawing/2010/main" val="0"/>
+              </a:ext>
+            </a:extLst>
+          </a:blip>
+          <a:stretch>
+            <a:fillRect/>
+          </a:stretch>
+        </p:blipFill>
+        <p:spPr>
+          <a:xfrm>
+            <a:off x="3474897" y="3332875"/>
+            <a:ext cx="972740" cy="972740"/>
+          </a:xfrm>
+          <a:prstGeom prst="rect">
+            <a:avLst/>
+          </a:prstGeom>
+        </p:spPr>
+      </p:pic>
+      <p:pic>
+        <p:nvPicPr>
+          <p:cNvPr id="38" name="그림 37">
+            <a:extLst>
+              <a:ext uri="{FF2B5EF4-FFF2-40B4-BE49-F238E27FC236}">
+                <a16:creationId xmlns:a16="http://schemas.microsoft.com/office/drawing/2014/main" id="{2E585344-09E6-7ED5-47CA-81BA6A49D438}"/>
+              </a:ext>
+            </a:extLst>
+          </p:cNvPr>
+          <p:cNvPicPr>
+            <a:picLocks noChangeAspect="1"/>
+          </p:cNvPicPr>
+          <p:nvPr/>
+        </p:nvPicPr>
+        <p:blipFill>
+          <a:blip r:embed="rId2">
+            <a:duotone>
+              <a:prstClr val="black"/>
+              <a:srgbClr val="461646">
+                <a:tint val="45000"/>
+                <a:satMod val="400000"/>
+              </a:srgbClr>
+            </a:duotone>
+            <a:extLst>
+              <a:ext uri="{28A0092B-C50C-407E-A947-70E740481C1C}">
+                <a14:useLocalDpi xmlns:a14="http://schemas.microsoft.com/office/drawing/2010/main" val="0"/>
+              </a:ext>
+            </a:extLst>
+          </a:blip>
+          <a:stretch>
+            <a:fillRect/>
+          </a:stretch>
+        </p:blipFill>
+        <p:spPr>
+          <a:xfrm>
+            <a:off x="2502157" y="4131588"/>
+            <a:ext cx="972740" cy="972740"/>
+          </a:xfrm>
+          <a:prstGeom prst="rect">
+            <a:avLst/>
+          </a:prstGeom>
+        </p:spPr>
+      </p:pic>
+      <p:pic>
+        <p:nvPicPr>
+          <p:cNvPr id="39" name="그림 38">
+            <a:extLst>
+              <a:ext uri="{FF2B5EF4-FFF2-40B4-BE49-F238E27FC236}">
+                <a16:creationId xmlns:a16="http://schemas.microsoft.com/office/drawing/2014/main" id="{21544D6F-97D9-DBC8-3A6E-3CA6937BCE7A}"/>
+              </a:ext>
+            </a:extLst>
+          </p:cNvPr>
+          <p:cNvPicPr>
+            <a:picLocks noChangeAspect="1"/>
+          </p:cNvPicPr>
+          <p:nvPr/>
+        </p:nvPicPr>
+        <p:blipFill>
+          <a:blip r:embed="rId2">
+            <a:duotone>
+              <a:prstClr val="black"/>
+              <a:srgbClr val="461646">
+                <a:tint val="45000"/>
+                <a:satMod val="400000"/>
+              </a:srgbClr>
+            </a:duotone>
+            <a:extLst>
+              <a:ext uri="{28A0092B-C50C-407E-A947-70E740481C1C}">
+                <a14:useLocalDpi xmlns:a14="http://schemas.microsoft.com/office/drawing/2010/main" val="0"/>
+              </a:ext>
+            </a:extLst>
+          </a:blip>
+          <a:stretch>
+            <a:fillRect/>
+          </a:stretch>
+        </p:blipFill>
+        <p:spPr>
+          <a:xfrm>
+            <a:off x="3474897" y="4131588"/>
+            <a:ext cx="972740" cy="972740"/>
+          </a:xfrm>
+          <a:prstGeom prst="rect">
+            <a:avLst/>
+          </a:prstGeom>
+        </p:spPr>
+      </p:pic>
+      <p:pic>
+        <p:nvPicPr>
+          <p:cNvPr id="40" name="그림 39">
+            <a:extLst>
+              <a:ext uri="{FF2B5EF4-FFF2-40B4-BE49-F238E27FC236}">
+                <a16:creationId xmlns:a16="http://schemas.microsoft.com/office/drawing/2014/main" id="{A13F2CD0-640E-A9C7-46DD-2CED1CBD7CE8}"/>
+              </a:ext>
+            </a:extLst>
+          </p:cNvPr>
+          <p:cNvPicPr>
+            <a:picLocks noChangeAspect="1"/>
+          </p:cNvPicPr>
+          <p:nvPr/>
+        </p:nvPicPr>
+        <p:blipFill>
+          <a:blip r:embed="rId2">
+            <a:duotone>
+              <a:prstClr val="black"/>
+              <a:srgbClr val="461646">
+                <a:tint val="45000"/>
+                <a:satMod val="400000"/>
+              </a:srgbClr>
+            </a:duotone>
+            <a:extLst>
+              <a:ext uri="{28A0092B-C50C-407E-A947-70E740481C1C}">
+                <a14:useLocalDpi xmlns:a14="http://schemas.microsoft.com/office/drawing/2010/main" val="0"/>
+              </a:ext>
+            </a:extLst>
+          </a:blip>
+          <a:stretch>
+            <a:fillRect/>
+          </a:stretch>
+        </p:blipFill>
+        <p:spPr>
+          <a:xfrm>
+            <a:off x="4447637" y="3332875"/>
+            <a:ext cx="972740" cy="972740"/>
+          </a:xfrm>
+          <a:prstGeom prst="rect">
+            <a:avLst/>
+          </a:prstGeom>
+        </p:spPr>
+      </p:pic>
+      <p:pic>
+        <p:nvPicPr>
+          <p:cNvPr id="41" name="그림 40">
+            <a:extLst>
+              <a:ext uri="{FF2B5EF4-FFF2-40B4-BE49-F238E27FC236}">
+                <a16:creationId xmlns:a16="http://schemas.microsoft.com/office/drawing/2014/main" id="{6E810BF6-A581-F53D-DFAE-CA5CE9B759B2}"/>
+              </a:ext>
+            </a:extLst>
+          </p:cNvPr>
+          <p:cNvPicPr>
+            <a:picLocks noChangeAspect="1"/>
+          </p:cNvPicPr>
+          <p:nvPr/>
+        </p:nvPicPr>
+        <p:blipFill>
+          <a:blip r:embed="rId2">
+            <a:duotone>
+              <a:prstClr val="black"/>
+              <a:srgbClr val="461646">
+                <a:tint val="45000"/>
+                <a:satMod val="400000"/>
+              </a:srgbClr>
+            </a:duotone>
+            <a:extLst>
+              <a:ext uri="{28A0092B-C50C-407E-A947-70E740481C1C}">
+                <a14:useLocalDpi xmlns:a14="http://schemas.microsoft.com/office/drawing/2010/main" val="0"/>
+              </a:ext>
+            </a:extLst>
+          </a:blip>
+          <a:stretch>
+            <a:fillRect/>
+          </a:stretch>
+        </p:blipFill>
+        <p:spPr>
+          <a:xfrm>
+            <a:off x="5420377" y="3332875"/>
+            <a:ext cx="972740" cy="972740"/>
+          </a:xfrm>
+          <a:prstGeom prst="rect">
+            <a:avLst/>
+          </a:prstGeom>
+        </p:spPr>
+      </p:pic>
+      <p:pic>
+        <p:nvPicPr>
+          <p:cNvPr id="42" name="그림 41">
+            <a:extLst>
+              <a:ext uri="{FF2B5EF4-FFF2-40B4-BE49-F238E27FC236}">
+                <a16:creationId xmlns:a16="http://schemas.microsoft.com/office/drawing/2014/main" id="{38C759C5-CEBE-30B5-CD6C-213FFB4256E3}"/>
+              </a:ext>
+            </a:extLst>
+          </p:cNvPr>
+          <p:cNvPicPr>
+            <a:picLocks noChangeAspect="1"/>
+          </p:cNvPicPr>
+          <p:nvPr/>
+        </p:nvPicPr>
+        <p:blipFill>
+          <a:blip r:embed="rId2">
+            <a:duotone>
+              <a:prstClr val="black"/>
+              <a:srgbClr val="461646">
+                <a:tint val="45000"/>
+                <a:satMod val="400000"/>
+              </a:srgbClr>
+            </a:duotone>
+            <a:extLst>
+              <a:ext uri="{28A0092B-C50C-407E-A947-70E740481C1C}">
+                <a14:useLocalDpi xmlns:a14="http://schemas.microsoft.com/office/drawing/2010/main" val="0"/>
+              </a:ext>
+            </a:extLst>
+          </a:blip>
+          <a:stretch>
+            <a:fillRect/>
+          </a:stretch>
+        </p:blipFill>
+        <p:spPr>
+          <a:xfrm>
+            <a:off x="4447637" y="4131588"/>
+            <a:ext cx="972740" cy="972740"/>
+          </a:xfrm>
+          <a:prstGeom prst="rect">
+            <a:avLst/>
+          </a:prstGeom>
+        </p:spPr>
+      </p:pic>
+      <p:pic>
+        <p:nvPicPr>
+          <p:cNvPr id="43" name="그림 42">
+            <a:extLst>
+              <a:ext uri="{FF2B5EF4-FFF2-40B4-BE49-F238E27FC236}">
+                <a16:creationId xmlns:a16="http://schemas.microsoft.com/office/drawing/2014/main" id="{931232FA-BB66-0FA7-C186-CF6C1567D15C}"/>
+              </a:ext>
+            </a:extLst>
+          </p:cNvPr>
+          <p:cNvPicPr>
+            <a:picLocks noChangeAspect="1"/>
+          </p:cNvPicPr>
+          <p:nvPr/>
+        </p:nvPicPr>
+        <p:blipFill>
+          <a:blip r:embed="rId2">
+            <a:duotone>
+              <a:prstClr val="black"/>
+              <a:srgbClr val="461646">
+                <a:tint val="45000"/>
+                <a:satMod val="400000"/>
+              </a:srgbClr>
+            </a:duotone>
+            <a:extLst>
+              <a:ext uri="{28A0092B-C50C-407E-A947-70E740481C1C}">
+                <a14:useLocalDpi xmlns:a14="http://schemas.microsoft.com/office/drawing/2010/main" val="0"/>
+              </a:ext>
+            </a:extLst>
+          </a:blip>
+          <a:stretch>
+            <a:fillRect/>
+          </a:stretch>
+        </p:blipFill>
+        <p:spPr>
+          <a:xfrm>
+            <a:off x="5420377" y="4131588"/>
+            <a:ext cx="972740" cy="972740"/>
+          </a:xfrm>
+          <a:prstGeom prst="rect">
+            <a:avLst/>
+          </a:prstGeom>
+        </p:spPr>
+      </p:pic>
+      <p:pic>
+        <p:nvPicPr>
+          <p:cNvPr id="44" name="그림 43">
+            <a:extLst>
+              <a:ext uri="{FF2B5EF4-FFF2-40B4-BE49-F238E27FC236}">
+                <a16:creationId xmlns:a16="http://schemas.microsoft.com/office/drawing/2014/main" id="{6BCC771A-09EA-F87E-E174-A5F96B972D1D}"/>
+              </a:ext>
+            </a:extLst>
+          </p:cNvPr>
+          <p:cNvPicPr>
+            <a:picLocks noChangeAspect="1"/>
+          </p:cNvPicPr>
+          <p:nvPr/>
+        </p:nvPicPr>
+        <p:blipFill>
+          <a:blip r:embed="rId2">
+            <a:duotone>
+              <a:prstClr val="black"/>
+              <a:srgbClr val="461646">
+                <a:tint val="45000"/>
+                <a:satMod val="400000"/>
+              </a:srgbClr>
+            </a:duotone>
+            <a:extLst>
+              <a:ext uri="{28A0092B-C50C-407E-A947-70E740481C1C}">
+                <a14:useLocalDpi xmlns:a14="http://schemas.microsoft.com/office/drawing/2010/main" val="0"/>
+              </a:ext>
+            </a:extLst>
+          </a:blip>
+          <a:stretch>
+            <a:fillRect/>
+          </a:stretch>
+        </p:blipFill>
+        <p:spPr>
+          <a:xfrm>
+            <a:off x="2502157" y="4930301"/>
+            <a:ext cx="972740" cy="972740"/>
+          </a:xfrm>
+          <a:prstGeom prst="rect">
+            <a:avLst/>
+          </a:prstGeom>
+        </p:spPr>
+      </p:pic>
+      <p:pic>
+        <p:nvPicPr>
+          <p:cNvPr id="45" name="그림 44">
+            <a:extLst>
+              <a:ext uri="{FF2B5EF4-FFF2-40B4-BE49-F238E27FC236}">
+                <a16:creationId xmlns:a16="http://schemas.microsoft.com/office/drawing/2014/main" id="{6E0236F5-CF83-50A7-6896-E96BF8148CC8}"/>
+              </a:ext>
+            </a:extLst>
+          </p:cNvPr>
+          <p:cNvPicPr>
+            <a:picLocks noChangeAspect="1"/>
+          </p:cNvPicPr>
+          <p:nvPr/>
+        </p:nvPicPr>
+        <p:blipFill>
+          <a:blip r:embed="rId2">
+            <a:duotone>
+              <a:prstClr val="black"/>
+              <a:srgbClr val="461646">
+                <a:tint val="45000"/>
+                <a:satMod val="400000"/>
+              </a:srgbClr>
+            </a:duotone>
+            <a:extLst>
+              <a:ext uri="{28A0092B-C50C-407E-A947-70E740481C1C}">
+                <a14:useLocalDpi xmlns:a14="http://schemas.microsoft.com/office/drawing/2010/main" val="0"/>
+              </a:ext>
+            </a:extLst>
+          </a:blip>
+          <a:stretch>
+            <a:fillRect/>
+          </a:stretch>
+        </p:blipFill>
+        <p:spPr>
+          <a:xfrm>
+            <a:off x="3474897" y="4930301"/>
+            <a:ext cx="972740" cy="972740"/>
+          </a:xfrm>
+          <a:prstGeom prst="rect">
+            <a:avLst/>
+          </a:prstGeom>
+        </p:spPr>
+      </p:pic>
+      <p:pic>
+        <p:nvPicPr>
+          <p:cNvPr id="46" name="그림 45">
+            <a:extLst>
+              <a:ext uri="{FF2B5EF4-FFF2-40B4-BE49-F238E27FC236}">
+                <a16:creationId xmlns:a16="http://schemas.microsoft.com/office/drawing/2014/main" id="{475BFD0B-1E91-1E4D-1713-EEAC3CA4B987}"/>
+              </a:ext>
+            </a:extLst>
+          </p:cNvPr>
+          <p:cNvPicPr>
+            <a:picLocks noChangeAspect="1"/>
+          </p:cNvPicPr>
+          <p:nvPr/>
+        </p:nvPicPr>
+        <p:blipFill>
+          <a:blip r:embed="rId2">
+            <a:duotone>
+              <a:prstClr val="black"/>
+              <a:srgbClr val="461646">
+                <a:tint val="45000"/>
+                <a:satMod val="400000"/>
+              </a:srgbClr>
+            </a:duotone>
+            <a:extLst>
+              <a:ext uri="{28A0092B-C50C-407E-A947-70E740481C1C}">
+                <a14:useLocalDpi xmlns:a14="http://schemas.microsoft.com/office/drawing/2010/main" val="0"/>
+              </a:ext>
+            </a:extLst>
+          </a:blip>
+          <a:stretch>
+            <a:fillRect/>
+          </a:stretch>
+        </p:blipFill>
+        <p:spPr>
+          <a:xfrm>
+            <a:off x="2502157" y="5729014"/>
+            <a:ext cx="972740" cy="972740"/>
+          </a:xfrm>
+          <a:prstGeom prst="rect">
+            <a:avLst/>
+          </a:prstGeom>
+        </p:spPr>
+      </p:pic>
+      <p:pic>
+        <p:nvPicPr>
+          <p:cNvPr id="47" name="그림 46">
+            <a:extLst>
+              <a:ext uri="{FF2B5EF4-FFF2-40B4-BE49-F238E27FC236}">
+                <a16:creationId xmlns:a16="http://schemas.microsoft.com/office/drawing/2014/main" id="{50209875-5E10-3265-40F6-48722638F1D8}"/>
+              </a:ext>
+            </a:extLst>
+          </p:cNvPr>
+          <p:cNvPicPr>
+            <a:picLocks noChangeAspect="1"/>
+          </p:cNvPicPr>
+          <p:nvPr/>
+        </p:nvPicPr>
+        <p:blipFill>
+          <a:blip r:embed="rId2">
+            <a:duotone>
+              <a:prstClr val="black"/>
+              <a:srgbClr val="461646">
+                <a:tint val="45000"/>
+                <a:satMod val="400000"/>
+              </a:srgbClr>
+            </a:duotone>
+            <a:extLst>
+              <a:ext uri="{28A0092B-C50C-407E-A947-70E740481C1C}">
+                <a14:useLocalDpi xmlns:a14="http://schemas.microsoft.com/office/drawing/2010/main" val="0"/>
+              </a:ext>
+            </a:extLst>
+          </a:blip>
+          <a:stretch>
+            <a:fillRect/>
+          </a:stretch>
+        </p:blipFill>
+        <p:spPr>
+          <a:xfrm>
+            <a:off x="3474897" y="5729014"/>
+            <a:ext cx="972740" cy="972740"/>
+          </a:xfrm>
+          <a:prstGeom prst="rect">
+            <a:avLst/>
+          </a:prstGeom>
+        </p:spPr>
+      </p:pic>
+      <p:pic>
+        <p:nvPicPr>
+          <p:cNvPr id="48" name="그림 47">
+            <a:extLst>
+              <a:ext uri="{FF2B5EF4-FFF2-40B4-BE49-F238E27FC236}">
+                <a16:creationId xmlns:a16="http://schemas.microsoft.com/office/drawing/2014/main" id="{3180C3AD-450D-BE90-6616-DD77CDC647E6}"/>
+              </a:ext>
+            </a:extLst>
+          </p:cNvPr>
+          <p:cNvPicPr>
+            <a:picLocks noChangeAspect="1"/>
+          </p:cNvPicPr>
+          <p:nvPr/>
+        </p:nvPicPr>
+        <p:blipFill>
+          <a:blip r:embed="rId2">
+            <a:duotone>
+              <a:prstClr val="black"/>
+              <a:srgbClr val="461646">
+                <a:tint val="45000"/>
+                <a:satMod val="400000"/>
+              </a:srgbClr>
+            </a:duotone>
+            <a:extLst>
+              <a:ext uri="{28A0092B-C50C-407E-A947-70E740481C1C}">
+                <a14:useLocalDpi xmlns:a14="http://schemas.microsoft.com/office/drawing/2010/main" val="0"/>
+              </a:ext>
+            </a:extLst>
+          </a:blip>
+          <a:stretch>
+            <a:fillRect/>
+          </a:stretch>
+        </p:blipFill>
+        <p:spPr>
+          <a:xfrm>
+            <a:off x="4447637" y="4930301"/>
+            <a:ext cx="972740" cy="972740"/>
+          </a:xfrm>
+          <a:prstGeom prst="rect">
+            <a:avLst/>
+          </a:prstGeom>
+        </p:spPr>
+      </p:pic>
+      <p:pic>
+        <p:nvPicPr>
+          <p:cNvPr id="49" name="그림 48">
+            <a:extLst>
+              <a:ext uri="{FF2B5EF4-FFF2-40B4-BE49-F238E27FC236}">
+                <a16:creationId xmlns:a16="http://schemas.microsoft.com/office/drawing/2014/main" id="{2157A489-CCDB-D7EA-069E-10AB346C9312}"/>
+              </a:ext>
+            </a:extLst>
+          </p:cNvPr>
+          <p:cNvPicPr>
+            <a:picLocks noChangeAspect="1"/>
+          </p:cNvPicPr>
+          <p:nvPr/>
+        </p:nvPicPr>
+        <p:blipFill>
+          <a:blip r:embed="rId2">
+            <a:duotone>
+              <a:prstClr val="black"/>
+              <a:srgbClr val="461646">
+                <a:tint val="45000"/>
+                <a:satMod val="400000"/>
+              </a:srgbClr>
+            </a:duotone>
+            <a:extLst>
+              <a:ext uri="{28A0092B-C50C-407E-A947-70E740481C1C}">
+                <a14:useLocalDpi xmlns:a14="http://schemas.microsoft.com/office/drawing/2010/main" val="0"/>
+              </a:ext>
+            </a:extLst>
+          </a:blip>
+          <a:stretch>
+            <a:fillRect/>
+          </a:stretch>
+        </p:blipFill>
+        <p:spPr>
+          <a:xfrm>
+            <a:off x="5420377" y="4930301"/>
+            <a:ext cx="972740" cy="972740"/>
+          </a:xfrm>
+          <a:prstGeom prst="rect">
+            <a:avLst/>
+          </a:prstGeom>
+        </p:spPr>
+      </p:pic>
+      <p:pic>
+        <p:nvPicPr>
+          <p:cNvPr id="50" name="그림 49">
+            <a:extLst>
+              <a:ext uri="{FF2B5EF4-FFF2-40B4-BE49-F238E27FC236}">
+                <a16:creationId xmlns:a16="http://schemas.microsoft.com/office/drawing/2014/main" id="{77C0008B-936C-7F67-7947-E0CE68198233}"/>
+              </a:ext>
+            </a:extLst>
+          </p:cNvPr>
+          <p:cNvPicPr>
+            <a:picLocks noChangeAspect="1"/>
+          </p:cNvPicPr>
+          <p:nvPr/>
+        </p:nvPicPr>
+        <p:blipFill>
+          <a:blip r:embed="rId2">
+            <a:duotone>
+              <a:prstClr val="black"/>
+              <a:srgbClr val="461646">
+                <a:tint val="45000"/>
+                <a:satMod val="400000"/>
+              </a:srgbClr>
+            </a:duotone>
+            <a:extLst>
+              <a:ext uri="{28A0092B-C50C-407E-A947-70E740481C1C}">
+                <a14:useLocalDpi xmlns:a14="http://schemas.microsoft.com/office/drawing/2010/main" val="0"/>
+              </a:ext>
+            </a:extLst>
+          </a:blip>
+          <a:stretch>
+            <a:fillRect/>
+          </a:stretch>
+        </p:blipFill>
+        <p:spPr>
+          <a:xfrm>
+            <a:off x="4447637" y="5729014"/>
+            <a:ext cx="972740" cy="972740"/>
+          </a:xfrm>
+          <a:prstGeom prst="rect">
+            <a:avLst/>
+          </a:prstGeom>
+        </p:spPr>
+      </p:pic>
+      <p:pic>
+        <p:nvPicPr>
+          <p:cNvPr id="51" name="그림 50">
+            <a:extLst>
+              <a:ext uri="{FF2B5EF4-FFF2-40B4-BE49-F238E27FC236}">
+                <a16:creationId xmlns:a16="http://schemas.microsoft.com/office/drawing/2014/main" id="{F09CB41B-17DA-CEE7-A145-3191A9089E10}"/>
+              </a:ext>
+            </a:extLst>
+          </p:cNvPr>
+          <p:cNvPicPr>
+            <a:picLocks noChangeAspect="1"/>
+          </p:cNvPicPr>
+          <p:nvPr/>
+        </p:nvPicPr>
+        <p:blipFill>
+          <a:blip r:embed="rId2">
+            <a:duotone>
+              <a:prstClr val="black"/>
+              <a:srgbClr val="461646">
+                <a:tint val="45000"/>
+                <a:satMod val="400000"/>
+              </a:srgbClr>
+            </a:duotone>
+            <a:extLst>
+              <a:ext uri="{28A0092B-C50C-407E-A947-70E740481C1C}">
+                <a14:useLocalDpi xmlns:a14="http://schemas.microsoft.com/office/drawing/2010/main" val="0"/>
+              </a:ext>
+            </a:extLst>
+          </a:blip>
+          <a:stretch>
+            <a:fillRect/>
+          </a:stretch>
+        </p:blipFill>
+        <p:spPr>
+          <a:xfrm>
+            <a:off x="5420377" y="5729014"/>
+            <a:ext cx="972740" cy="972740"/>
+          </a:xfrm>
+          <a:prstGeom prst="rect">
+            <a:avLst/>
+          </a:prstGeom>
+        </p:spPr>
+      </p:pic>
+      <p:pic>
+        <p:nvPicPr>
+          <p:cNvPr id="52" name="그림 51">
+            <a:extLst>
+              <a:ext uri="{FF2B5EF4-FFF2-40B4-BE49-F238E27FC236}">
+                <a16:creationId xmlns:a16="http://schemas.microsoft.com/office/drawing/2014/main" id="{FD83417B-BD04-BF12-9226-13A2929A5FEF}"/>
+              </a:ext>
+            </a:extLst>
+          </p:cNvPr>
+          <p:cNvPicPr>
+            <a:picLocks noChangeAspect="1"/>
+          </p:cNvPicPr>
+          <p:nvPr/>
+        </p:nvPicPr>
+        <p:blipFill>
+          <a:blip r:embed="rId2">
+            <a:duotone>
+              <a:prstClr val="black"/>
+              <a:srgbClr val="461646">
+                <a:tint val="45000"/>
+                <a:satMod val="400000"/>
+              </a:srgbClr>
+            </a:duotone>
+            <a:extLst>
+              <a:ext uri="{28A0092B-C50C-407E-A947-70E740481C1C}">
+                <a14:useLocalDpi xmlns:a14="http://schemas.microsoft.com/office/drawing/2010/main" val="0"/>
+              </a:ext>
+            </a:extLst>
+          </a:blip>
+          <a:stretch>
+            <a:fillRect/>
+          </a:stretch>
+        </p:blipFill>
+        <p:spPr>
+          <a:xfrm>
+            <a:off x="6393117" y="3332875"/>
+            <a:ext cx="972740" cy="972740"/>
+          </a:xfrm>
+          <a:prstGeom prst="rect">
+            <a:avLst/>
+          </a:prstGeom>
+        </p:spPr>
+      </p:pic>
+      <p:pic>
+        <p:nvPicPr>
+          <p:cNvPr id="53" name="그림 52">
+            <a:extLst>
+              <a:ext uri="{FF2B5EF4-FFF2-40B4-BE49-F238E27FC236}">
+                <a16:creationId xmlns:a16="http://schemas.microsoft.com/office/drawing/2014/main" id="{F6BF2561-55D9-D9E8-1AF2-21D51B604FBF}"/>
+              </a:ext>
+            </a:extLst>
+          </p:cNvPr>
+          <p:cNvPicPr>
+            <a:picLocks noChangeAspect="1"/>
+          </p:cNvPicPr>
+          <p:nvPr/>
+        </p:nvPicPr>
+        <p:blipFill>
+          <a:blip r:embed="rId2">
+            <a:duotone>
+              <a:prstClr val="black"/>
+              <a:srgbClr val="461646">
+                <a:tint val="45000"/>
+                <a:satMod val="400000"/>
+              </a:srgbClr>
+            </a:duotone>
+            <a:extLst>
+              <a:ext uri="{28A0092B-C50C-407E-A947-70E740481C1C}">
+                <a14:useLocalDpi xmlns:a14="http://schemas.microsoft.com/office/drawing/2010/main" val="0"/>
+              </a:ext>
+            </a:extLst>
+          </a:blip>
+          <a:stretch>
+            <a:fillRect/>
+          </a:stretch>
+        </p:blipFill>
+        <p:spPr>
+          <a:xfrm>
+            <a:off x="7365857" y="3332875"/>
+            <a:ext cx="972740" cy="972740"/>
+          </a:xfrm>
+          <a:prstGeom prst="rect">
+            <a:avLst/>
+          </a:prstGeom>
+        </p:spPr>
+      </p:pic>
+      <p:pic>
+        <p:nvPicPr>
+          <p:cNvPr id="54" name="그림 53">
+            <a:extLst>
+              <a:ext uri="{FF2B5EF4-FFF2-40B4-BE49-F238E27FC236}">
+                <a16:creationId xmlns:a16="http://schemas.microsoft.com/office/drawing/2014/main" id="{6CF08ED6-D5A2-7AED-56F1-965420B5BEB9}"/>
+              </a:ext>
+            </a:extLst>
+          </p:cNvPr>
+          <p:cNvPicPr>
+            <a:picLocks noChangeAspect="1"/>
+          </p:cNvPicPr>
+          <p:nvPr/>
+        </p:nvPicPr>
+        <p:blipFill>
+          <a:blip r:embed="rId2">
+            <a:duotone>
+              <a:prstClr val="black"/>
+              <a:srgbClr val="461646">
+                <a:tint val="45000"/>
+                <a:satMod val="400000"/>
+              </a:srgbClr>
+            </a:duotone>
+            <a:extLst>
+              <a:ext uri="{28A0092B-C50C-407E-A947-70E740481C1C}">
+                <a14:useLocalDpi xmlns:a14="http://schemas.microsoft.com/office/drawing/2010/main" val="0"/>
+              </a:ext>
+            </a:extLst>
+          </a:blip>
+          <a:stretch>
+            <a:fillRect/>
+          </a:stretch>
+        </p:blipFill>
+        <p:spPr>
+          <a:xfrm>
+            <a:off x="6393117" y="4131588"/>
+            <a:ext cx="972740" cy="972740"/>
+          </a:xfrm>
+          <a:prstGeom prst="rect">
+            <a:avLst/>
+          </a:prstGeom>
+        </p:spPr>
+      </p:pic>
+      <p:pic>
+        <p:nvPicPr>
+          <p:cNvPr id="55" name="그림 54">
+            <a:extLst>
+              <a:ext uri="{FF2B5EF4-FFF2-40B4-BE49-F238E27FC236}">
+                <a16:creationId xmlns:a16="http://schemas.microsoft.com/office/drawing/2014/main" id="{7E222564-22D8-172A-6032-C8F16FE081BD}"/>
+              </a:ext>
+            </a:extLst>
+          </p:cNvPr>
+          <p:cNvPicPr>
+            <a:picLocks noChangeAspect="1"/>
+          </p:cNvPicPr>
+          <p:nvPr/>
+        </p:nvPicPr>
+        <p:blipFill>
+          <a:blip r:embed="rId2">
+            <a:duotone>
+              <a:prstClr val="black"/>
+              <a:srgbClr val="461646">
+                <a:tint val="45000"/>
+                <a:satMod val="400000"/>
+              </a:srgbClr>
+            </a:duotone>
+            <a:extLst>
+              <a:ext uri="{28A0092B-C50C-407E-A947-70E740481C1C}">
+                <a14:useLocalDpi xmlns:a14="http://schemas.microsoft.com/office/drawing/2010/main" val="0"/>
+              </a:ext>
+            </a:extLst>
+          </a:blip>
+          <a:stretch>
+            <a:fillRect/>
+          </a:stretch>
+        </p:blipFill>
+        <p:spPr>
+          <a:xfrm>
+            <a:off x="7365857" y="4131588"/>
+            <a:ext cx="972740" cy="972740"/>
+          </a:xfrm>
+          <a:prstGeom prst="rect">
+            <a:avLst/>
+          </a:prstGeom>
+        </p:spPr>
+      </p:pic>
+      <p:pic>
+        <p:nvPicPr>
+          <p:cNvPr id="56" name="그림 55">
+            <a:extLst>
+              <a:ext uri="{FF2B5EF4-FFF2-40B4-BE49-F238E27FC236}">
+                <a16:creationId xmlns:a16="http://schemas.microsoft.com/office/drawing/2014/main" id="{68FBBCE9-C81E-90C0-2751-D93611D691F8}"/>
+              </a:ext>
+            </a:extLst>
+          </p:cNvPr>
+          <p:cNvPicPr>
+            <a:picLocks noChangeAspect="1"/>
+          </p:cNvPicPr>
+          <p:nvPr/>
+        </p:nvPicPr>
+        <p:blipFill>
+          <a:blip r:embed="rId2">
+            <a:duotone>
+              <a:prstClr val="black"/>
+              <a:srgbClr val="461646">
+                <a:tint val="45000"/>
+                <a:satMod val="400000"/>
+              </a:srgbClr>
+            </a:duotone>
+            <a:extLst>
+              <a:ext uri="{28A0092B-C50C-407E-A947-70E740481C1C}">
+                <a14:useLocalDpi xmlns:a14="http://schemas.microsoft.com/office/drawing/2010/main" val="0"/>
+              </a:ext>
+            </a:extLst>
+          </a:blip>
+          <a:stretch>
+            <a:fillRect/>
+          </a:stretch>
+        </p:blipFill>
+        <p:spPr>
+          <a:xfrm>
+            <a:off x="8338597" y="3332875"/>
+            <a:ext cx="972740" cy="972740"/>
+          </a:xfrm>
+          <a:prstGeom prst="rect">
+            <a:avLst/>
+          </a:prstGeom>
+        </p:spPr>
+      </p:pic>
+      <p:pic>
+        <p:nvPicPr>
+          <p:cNvPr id="57" name="그림 56">
+            <a:extLst>
+              <a:ext uri="{FF2B5EF4-FFF2-40B4-BE49-F238E27FC236}">
+                <a16:creationId xmlns:a16="http://schemas.microsoft.com/office/drawing/2014/main" id="{3DAC7B81-919B-C6BD-F4B2-BCF096104EF1}"/>
+              </a:ext>
+            </a:extLst>
+          </p:cNvPr>
+          <p:cNvPicPr>
+            <a:picLocks noChangeAspect="1"/>
+          </p:cNvPicPr>
+          <p:nvPr/>
+        </p:nvPicPr>
+        <p:blipFill>
+          <a:blip r:embed="rId2">
+            <a:duotone>
+              <a:prstClr val="black"/>
+              <a:srgbClr val="461646">
+                <a:tint val="45000"/>
+                <a:satMod val="400000"/>
+              </a:srgbClr>
+            </a:duotone>
+            <a:extLst>
+              <a:ext uri="{28A0092B-C50C-407E-A947-70E740481C1C}">
+                <a14:useLocalDpi xmlns:a14="http://schemas.microsoft.com/office/drawing/2010/main" val="0"/>
+              </a:ext>
+            </a:extLst>
+          </a:blip>
+          <a:stretch>
+            <a:fillRect/>
+          </a:stretch>
+        </p:blipFill>
+        <p:spPr>
+          <a:xfrm>
+            <a:off x="9311337" y="3332875"/>
+            <a:ext cx="972740" cy="972740"/>
+          </a:xfrm>
+          <a:prstGeom prst="rect">
+            <a:avLst/>
+          </a:prstGeom>
+        </p:spPr>
+      </p:pic>
+      <p:pic>
+        <p:nvPicPr>
+          <p:cNvPr id="58" name="그림 57">
+            <a:extLst>
+              <a:ext uri="{FF2B5EF4-FFF2-40B4-BE49-F238E27FC236}">
+                <a16:creationId xmlns:a16="http://schemas.microsoft.com/office/drawing/2014/main" id="{49FF592F-6E01-9167-5F7E-361397C7E21E}"/>
+              </a:ext>
+            </a:extLst>
+          </p:cNvPr>
+          <p:cNvPicPr>
+            <a:picLocks noChangeAspect="1"/>
+          </p:cNvPicPr>
+          <p:nvPr/>
+        </p:nvPicPr>
+        <p:blipFill>
+          <a:blip r:embed="rId2">
+            <a:duotone>
+              <a:prstClr val="black"/>
+              <a:srgbClr val="461646">
+                <a:tint val="45000"/>
+                <a:satMod val="400000"/>
+              </a:srgbClr>
+            </a:duotone>
+            <a:extLst>
+              <a:ext uri="{28A0092B-C50C-407E-A947-70E740481C1C}">
+                <a14:useLocalDpi xmlns:a14="http://schemas.microsoft.com/office/drawing/2010/main" val="0"/>
+              </a:ext>
+            </a:extLst>
+          </a:blip>
+          <a:stretch>
+            <a:fillRect/>
+          </a:stretch>
+        </p:blipFill>
+        <p:spPr>
+          <a:xfrm>
+            <a:off x="8338597" y="4131588"/>
+            <a:ext cx="972740" cy="972740"/>
+          </a:xfrm>
+          <a:prstGeom prst="rect">
+            <a:avLst/>
+          </a:prstGeom>
+        </p:spPr>
+      </p:pic>
+      <p:pic>
+        <p:nvPicPr>
+          <p:cNvPr id="59" name="그림 58">
+            <a:extLst>
+              <a:ext uri="{FF2B5EF4-FFF2-40B4-BE49-F238E27FC236}">
+                <a16:creationId xmlns:a16="http://schemas.microsoft.com/office/drawing/2014/main" id="{DB823C8B-CC04-F113-A1C5-FC525FD06CEE}"/>
+              </a:ext>
+            </a:extLst>
+          </p:cNvPr>
+          <p:cNvPicPr>
+            <a:picLocks noChangeAspect="1"/>
+          </p:cNvPicPr>
+          <p:nvPr/>
+        </p:nvPicPr>
+        <p:blipFill>
+          <a:blip r:embed="rId2">
+            <a:duotone>
+              <a:prstClr val="black"/>
+              <a:srgbClr val="461646">
+                <a:tint val="45000"/>
+                <a:satMod val="400000"/>
+              </a:srgbClr>
+            </a:duotone>
+            <a:extLst>
+              <a:ext uri="{28A0092B-C50C-407E-A947-70E740481C1C}">
+                <a14:useLocalDpi xmlns:a14="http://schemas.microsoft.com/office/drawing/2010/main" val="0"/>
+              </a:ext>
+            </a:extLst>
+          </a:blip>
+          <a:stretch>
+            <a:fillRect/>
+          </a:stretch>
+        </p:blipFill>
+        <p:spPr>
+          <a:xfrm>
+            <a:off x="9311337" y="4131588"/>
+            <a:ext cx="972740" cy="972740"/>
+          </a:xfrm>
+          <a:prstGeom prst="rect">
+            <a:avLst/>
+          </a:prstGeom>
+        </p:spPr>
+      </p:pic>
+      <p:pic>
+        <p:nvPicPr>
+          <p:cNvPr id="60" name="그림 59">
+            <a:extLst>
+              <a:ext uri="{FF2B5EF4-FFF2-40B4-BE49-F238E27FC236}">
+                <a16:creationId xmlns:a16="http://schemas.microsoft.com/office/drawing/2014/main" id="{F908F20A-FB04-CA49-BC12-184CF0B80570}"/>
+              </a:ext>
+            </a:extLst>
+          </p:cNvPr>
+          <p:cNvPicPr>
+            <a:picLocks noChangeAspect="1"/>
+          </p:cNvPicPr>
+          <p:nvPr/>
+        </p:nvPicPr>
+        <p:blipFill>
+          <a:blip r:embed="rId2">
+            <a:duotone>
+              <a:prstClr val="black"/>
+              <a:srgbClr val="461646">
+                <a:tint val="45000"/>
+                <a:satMod val="400000"/>
+              </a:srgbClr>
+            </a:duotone>
+            <a:extLst>
+              <a:ext uri="{28A0092B-C50C-407E-A947-70E740481C1C}">
+                <a14:useLocalDpi xmlns:a14="http://schemas.microsoft.com/office/drawing/2010/main" val="0"/>
+              </a:ext>
+            </a:extLst>
+          </a:blip>
+          <a:stretch>
+            <a:fillRect/>
+          </a:stretch>
+        </p:blipFill>
+        <p:spPr>
+          <a:xfrm>
+            <a:off x="6393117" y="4930301"/>
+            <a:ext cx="972740" cy="972740"/>
+          </a:xfrm>
+          <a:prstGeom prst="rect">
+            <a:avLst/>
+          </a:prstGeom>
+        </p:spPr>
+      </p:pic>
+      <p:pic>
+        <p:nvPicPr>
+          <p:cNvPr id="61" name="그림 60">
+            <a:extLst>
+              <a:ext uri="{FF2B5EF4-FFF2-40B4-BE49-F238E27FC236}">
+                <a16:creationId xmlns:a16="http://schemas.microsoft.com/office/drawing/2014/main" id="{2FF4E3E4-A597-3A02-464E-8D74D8F5E6F0}"/>
+              </a:ext>
+            </a:extLst>
+          </p:cNvPr>
+          <p:cNvPicPr>
+            <a:picLocks noChangeAspect="1"/>
+          </p:cNvPicPr>
+          <p:nvPr/>
+        </p:nvPicPr>
+        <p:blipFill>
+          <a:blip r:embed="rId2">
+            <a:duotone>
+              <a:prstClr val="black"/>
+              <a:srgbClr val="461646">
+                <a:tint val="45000"/>
+                <a:satMod val="400000"/>
+              </a:srgbClr>
+            </a:duotone>
+            <a:extLst>
+              <a:ext uri="{28A0092B-C50C-407E-A947-70E740481C1C}">
+                <a14:useLocalDpi xmlns:a14="http://schemas.microsoft.com/office/drawing/2010/main" val="0"/>
+              </a:ext>
+            </a:extLst>
+          </a:blip>
+          <a:stretch>
+            <a:fillRect/>
+          </a:stretch>
+        </p:blipFill>
+        <p:spPr>
+          <a:xfrm>
+            <a:off x="7365857" y="4930301"/>
+            <a:ext cx="972740" cy="972740"/>
+          </a:xfrm>
+          <a:prstGeom prst="rect">
+            <a:avLst/>
+          </a:prstGeom>
+        </p:spPr>
+      </p:pic>
+      <p:pic>
+        <p:nvPicPr>
+          <p:cNvPr id="62" name="그림 61">
+            <a:extLst>
+              <a:ext uri="{FF2B5EF4-FFF2-40B4-BE49-F238E27FC236}">
+                <a16:creationId xmlns:a16="http://schemas.microsoft.com/office/drawing/2014/main" id="{15C5092F-F5BF-E94C-61DA-2082B2C7574F}"/>
+              </a:ext>
+            </a:extLst>
+          </p:cNvPr>
+          <p:cNvPicPr>
+            <a:picLocks noChangeAspect="1"/>
+          </p:cNvPicPr>
+          <p:nvPr/>
+        </p:nvPicPr>
+        <p:blipFill>
+          <a:blip r:embed="rId2">
+            <a:duotone>
+              <a:prstClr val="black"/>
+              <a:srgbClr val="461646">
+                <a:tint val="45000"/>
+                <a:satMod val="400000"/>
+              </a:srgbClr>
+            </a:duotone>
+            <a:extLst>
+              <a:ext uri="{28A0092B-C50C-407E-A947-70E740481C1C}">
+                <a14:useLocalDpi xmlns:a14="http://schemas.microsoft.com/office/drawing/2010/main" val="0"/>
+              </a:ext>
+            </a:extLst>
+          </a:blip>
+          <a:stretch>
+            <a:fillRect/>
+          </a:stretch>
+        </p:blipFill>
+        <p:spPr>
+          <a:xfrm>
+            <a:off x="6393117" y="5729014"/>
+            <a:ext cx="972740" cy="972740"/>
+          </a:xfrm>
+          <a:prstGeom prst="rect">
+            <a:avLst/>
+          </a:prstGeom>
+        </p:spPr>
+      </p:pic>
+      <p:pic>
+        <p:nvPicPr>
+          <p:cNvPr id="63" name="그림 62">
+            <a:extLst>
+              <a:ext uri="{FF2B5EF4-FFF2-40B4-BE49-F238E27FC236}">
+                <a16:creationId xmlns:a16="http://schemas.microsoft.com/office/drawing/2014/main" id="{57AB42F6-29C6-91EF-7A6E-8873FFB713BE}"/>
+              </a:ext>
+            </a:extLst>
+          </p:cNvPr>
+          <p:cNvPicPr>
+            <a:picLocks noChangeAspect="1"/>
+          </p:cNvPicPr>
+          <p:nvPr/>
+        </p:nvPicPr>
+        <p:blipFill>
+          <a:blip r:embed="rId2">
+            <a:duotone>
+              <a:prstClr val="black"/>
+              <a:srgbClr val="461646">
+                <a:tint val="45000"/>
+                <a:satMod val="400000"/>
+              </a:srgbClr>
+            </a:duotone>
+            <a:extLst>
+              <a:ext uri="{28A0092B-C50C-407E-A947-70E740481C1C}">
+                <a14:useLocalDpi xmlns:a14="http://schemas.microsoft.com/office/drawing/2010/main" val="0"/>
+              </a:ext>
+            </a:extLst>
+          </a:blip>
+          <a:stretch>
+            <a:fillRect/>
+          </a:stretch>
+        </p:blipFill>
+        <p:spPr>
+          <a:xfrm>
+            <a:off x="7365857" y="5729014"/>
+            <a:ext cx="972740" cy="972740"/>
+          </a:xfrm>
+          <a:prstGeom prst="rect">
+            <a:avLst/>
+          </a:prstGeom>
+        </p:spPr>
+      </p:pic>
+      <p:pic>
+        <p:nvPicPr>
+          <p:cNvPr id="64" name="그림 63">
+            <a:extLst>
+              <a:ext uri="{FF2B5EF4-FFF2-40B4-BE49-F238E27FC236}">
+                <a16:creationId xmlns:a16="http://schemas.microsoft.com/office/drawing/2014/main" id="{FD7157C6-F310-952C-473D-D45C4BCD7087}"/>
+              </a:ext>
+            </a:extLst>
+          </p:cNvPr>
+          <p:cNvPicPr>
+            <a:picLocks noChangeAspect="1"/>
+          </p:cNvPicPr>
+          <p:nvPr/>
+        </p:nvPicPr>
+        <p:blipFill>
+          <a:blip r:embed="rId2">
+            <a:duotone>
+              <a:prstClr val="black"/>
+              <a:srgbClr val="461646">
+                <a:tint val="45000"/>
+                <a:satMod val="400000"/>
+              </a:srgbClr>
+            </a:duotone>
+            <a:extLst>
+              <a:ext uri="{28A0092B-C50C-407E-A947-70E740481C1C}">
+                <a14:useLocalDpi xmlns:a14="http://schemas.microsoft.com/office/drawing/2010/main" val="0"/>
+              </a:ext>
+            </a:extLst>
+          </a:blip>
+          <a:stretch>
+            <a:fillRect/>
+          </a:stretch>
+        </p:blipFill>
+        <p:spPr>
+          <a:xfrm>
+            <a:off x="8338597" y="4930301"/>
+            <a:ext cx="972740" cy="972740"/>
+          </a:xfrm>
+          <a:prstGeom prst="rect">
+            <a:avLst/>
+          </a:prstGeom>
+        </p:spPr>
+      </p:pic>
+      <p:pic>
+        <p:nvPicPr>
+          <p:cNvPr id="65" name="그림 64">
+            <a:extLst>
+              <a:ext uri="{FF2B5EF4-FFF2-40B4-BE49-F238E27FC236}">
+                <a16:creationId xmlns:a16="http://schemas.microsoft.com/office/drawing/2014/main" id="{3BA48FC1-682A-D705-1F0E-F55AA5C946FC}"/>
+              </a:ext>
+            </a:extLst>
+          </p:cNvPr>
+          <p:cNvPicPr>
+            <a:picLocks noChangeAspect="1"/>
+          </p:cNvPicPr>
+          <p:nvPr/>
+        </p:nvPicPr>
+        <p:blipFill>
+          <a:blip r:embed="rId2">
+            <a:duotone>
+              <a:prstClr val="black"/>
+              <a:srgbClr val="461646">
+                <a:tint val="45000"/>
+                <a:satMod val="400000"/>
+              </a:srgbClr>
+            </a:duotone>
+            <a:extLst>
+              <a:ext uri="{28A0092B-C50C-407E-A947-70E740481C1C}">
+                <a14:useLocalDpi xmlns:a14="http://schemas.microsoft.com/office/drawing/2010/main" val="0"/>
+              </a:ext>
+            </a:extLst>
+          </a:blip>
+          <a:stretch>
+            <a:fillRect/>
+          </a:stretch>
+        </p:blipFill>
+        <p:spPr>
+          <a:xfrm>
+            <a:off x="9311337" y="4930301"/>
+            <a:ext cx="972740" cy="972740"/>
+          </a:xfrm>
+          <a:prstGeom prst="rect">
+            <a:avLst/>
+          </a:prstGeom>
+        </p:spPr>
+      </p:pic>
+      <p:pic>
+        <p:nvPicPr>
+          <p:cNvPr id="66" name="그림 65">
+            <a:extLst>
+              <a:ext uri="{FF2B5EF4-FFF2-40B4-BE49-F238E27FC236}">
+                <a16:creationId xmlns:a16="http://schemas.microsoft.com/office/drawing/2014/main" id="{8F5C37D7-725F-DA1D-F490-A13AC9E13537}"/>
+              </a:ext>
+            </a:extLst>
+          </p:cNvPr>
+          <p:cNvPicPr>
+            <a:picLocks noChangeAspect="1"/>
+          </p:cNvPicPr>
+          <p:nvPr/>
+        </p:nvPicPr>
+        <p:blipFill>
+          <a:blip r:embed="rId2">
+            <a:duotone>
+              <a:prstClr val="black"/>
+              <a:srgbClr val="461646">
+                <a:tint val="45000"/>
+                <a:satMod val="400000"/>
+              </a:srgbClr>
+            </a:duotone>
+            <a:extLst>
+              <a:ext uri="{28A0092B-C50C-407E-A947-70E740481C1C}">
+                <a14:useLocalDpi xmlns:a14="http://schemas.microsoft.com/office/drawing/2010/main" val="0"/>
+              </a:ext>
+            </a:extLst>
+          </a:blip>
+          <a:stretch>
+            <a:fillRect/>
+          </a:stretch>
+        </p:blipFill>
+        <p:spPr>
+          <a:xfrm>
+            <a:off x="8338597" y="5729014"/>
+            <a:ext cx="972740" cy="972740"/>
+          </a:xfrm>
+          <a:prstGeom prst="rect">
+            <a:avLst/>
+          </a:prstGeom>
+        </p:spPr>
+      </p:pic>
+      <p:pic>
+        <p:nvPicPr>
+          <p:cNvPr id="67" name="그림 66">
+            <a:extLst>
+              <a:ext uri="{FF2B5EF4-FFF2-40B4-BE49-F238E27FC236}">
+                <a16:creationId xmlns:a16="http://schemas.microsoft.com/office/drawing/2014/main" id="{611FC507-3736-D400-BC14-717FADCC206C}"/>
+              </a:ext>
+            </a:extLst>
+          </p:cNvPr>
+          <p:cNvPicPr>
+            <a:picLocks noChangeAspect="1"/>
+          </p:cNvPicPr>
+          <p:nvPr/>
+        </p:nvPicPr>
+        <p:blipFill>
+          <a:blip r:embed="rId2">
+            <a:duotone>
+              <a:prstClr val="black"/>
+              <a:srgbClr val="461646">
+                <a:tint val="45000"/>
+                <a:satMod val="400000"/>
+              </a:srgbClr>
+            </a:duotone>
+            <a:extLst>
+              <a:ext uri="{28A0092B-C50C-407E-A947-70E740481C1C}">
+                <a14:useLocalDpi xmlns:a14="http://schemas.microsoft.com/office/drawing/2010/main" val="0"/>
+              </a:ext>
+            </a:extLst>
+          </a:blip>
+          <a:stretch>
+            <a:fillRect/>
+          </a:stretch>
+        </p:blipFill>
+        <p:spPr>
+          <a:xfrm>
+            <a:off x="9311337" y="5729014"/>
+            <a:ext cx="972740" cy="972740"/>
+          </a:xfrm>
+          <a:prstGeom prst="rect">
+            <a:avLst/>
+          </a:prstGeom>
+        </p:spPr>
+      </p:pic>
+      <p:pic>
+        <p:nvPicPr>
+          <p:cNvPr id="69" name="그림 68">
+            <a:extLst>
+              <a:ext uri="{FF2B5EF4-FFF2-40B4-BE49-F238E27FC236}">
+                <a16:creationId xmlns:a16="http://schemas.microsoft.com/office/drawing/2014/main" id="{3A793485-6A0E-B396-FB51-47CEDBB3DE03}"/>
+              </a:ext>
+            </a:extLst>
+          </p:cNvPr>
+          <p:cNvPicPr>
+            <a:picLocks noChangeAspect="1"/>
+          </p:cNvPicPr>
+          <p:nvPr/>
+        </p:nvPicPr>
+        <p:blipFill>
+          <a:blip r:embed="rId3">
+            <a:extLst>
+              <a:ext uri="{28A0092B-C50C-407E-A947-70E740481C1C}">
+                <a14:useLocalDpi xmlns:a14="http://schemas.microsoft.com/office/drawing/2010/main" val="0"/>
+              </a:ext>
+            </a:extLst>
+          </a:blip>
+          <a:stretch>
+            <a:fillRect/>
+          </a:stretch>
+        </p:blipFill>
+        <p:spPr>
+          <a:xfrm>
+            <a:off x="5794582" y="2249051"/>
+            <a:ext cx="4003125" cy="1814750"/>
+          </a:xfrm>
+          <a:prstGeom prst="rect">
+            <a:avLst/>
+          </a:prstGeom>
+        </p:spPr>
+      </p:pic>
+      <p:pic>
+        <p:nvPicPr>
+          <p:cNvPr id="71" name="그림 70">
+            <a:extLst>
+              <a:ext uri="{FF2B5EF4-FFF2-40B4-BE49-F238E27FC236}">
+                <a16:creationId xmlns:a16="http://schemas.microsoft.com/office/drawing/2014/main" id="{D5E15398-8863-CF46-A30F-0384233DD577}"/>
+              </a:ext>
+            </a:extLst>
+          </p:cNvPr>
+          <p:cNvPicPr>
+            <a:picLocks noChangeAspect="1"/>
+          </p:cNvPicPr>
+          <p:nvPr/>
+        </p:nvPicPr>
+        <p:blipFill>
+          <a:blip r:embed="rId4">
+            <a:extLst>
+              <a:ext uri="{28A0092B-C50C-407E-A947-70E740481C1C}">
+                <a14:useLocalDpi xmlns:a14="http://schemas.microsoft.com/office/drawing/2010/main" val="0"/>
+              </a:ext>
+            </a:extLst>
+          </a:blip>
+          <a:stretch>
+            <a:fillRect/>
+          </a:stretch>
+        </p:blipFill>
+        <p:spPr>
+          <a:xfrm>
+            <a:off x="5702723" y="322689"/>
+            <a:ext cx="1284628" cy="5667475"/>
+          </a:xfrm>
+          <a:prstGeom prst="rect">
+            <a:avLst/>
+          </a:prstGeom>
+        </p:spPr>
+      </p:pic>
+      <p:pic>
+        <p:nvPicPr>
+          <p:cNvPr id="72" name="그림 71">
+            <a:extLst>
+              <a:ext uri="{FF2B5EF4-FFF2-40B4-BE49-F238E27FC236}">
+                <a16:creationId xmlns:a16="http://schemas.microsoft.com/office/drawing/2014/main" id="{37DEC0E0-6162-804A-7FE1-F6646317A39B}"/>
+              </a:ext>
+            </a:extLst>
+          </p:cNvPr>
+          <p:cNvPicPr>
+            <a:picLocks noChangeAspect="1"/>
+          </p:cNvPicPr>
+          <p:nvPr/>
+        </p:nvPicPr>
+        <p:blipFill>
+          <a:blip r:embed="rId4">
+            <a:extLst>
+              <a:ext uri="{28A0092B-C50C-407E-A947-70E740481C1C}">
+                <a14:useLocalDpi xmlns:a14="http://schemas.microsoft.com/office/drawing/2010/main" val="0"/>
+              </a:ext>
+            </a:extLst>
+          </a:blip>
+          <a:stretch>
+            <a:fillRect/>
+          </a:stretch>
+        </p:blipFill>
+        <p:spPr>
+          <a:xfrm rot="18884641">
+            <a:off x="5297421" y="310101"/>
+            <a:ext cx="1284628" cy="5667475"/>
+          </a:xfrm>
+          <a:prstGeom prst="rect">
+            <a:avLst/>
+          </a:prstGeom>
+        </p:spPr>
+      </p:pic>
+      <p:pic>
+        <p:nvPicPr>
+          <p:cNvPr id="73" name="그림 72">
+            <a:extLst>
+              <a:ext uri="{FF2B5EF4-FFF2-40B4-BE49-F238E27FC236}">
+                <a16:creationId xmlns:a16="http://schemas.microsoft.com/office/drawing/2014/main" id="{9B397C22-F613-166D-7261-08E33D808BC6}"/>
+              </a:ext>
+            </a:extLst>
+          </p:cNvPr>
+          <p:cNvPicPr>
+            <a:picLocks noChangeAspect="1"/>
+          </p:cNvPicPr>
+          <p:nvPr/>
+        </p:nvPicPr>
+        <p:blipFill>
+          <a:blip r:embed="rId4">
+            <a:extLst>
+              <a:ext uri="{28A0092B-C50C-407E-A947-70E740481C1C}">
+                <a14:useLocalDpi xmlns:a14="http://schemas.microsoft.com/office/drawing/2010/main" val="0"/>
+              </a:ext>
+            </a:extLst>
+          </a:blip>
+          <a:stretch>
+            <a:fillRect/>
+          </a:stretch>
+        </p:blipFill>
+        <p:spPr>
+          <a:xfrm rot="7225514">
+            <a:off x="6087735" y="1367591"/>
+            <a:ext cx="1284628" cy="5667475"/>
+          </a:xfrm>
+          <a:prstGeom prst="rect">
+            <a:avLst/>
+          </a:prstGeom>
+        </p:spPr>
+      </p:pic>
     </p:spTree>
     <p:extLst>
       <p:ext uri="{BB962C8B-B14F-4D97-AF65-F5344CB8AC3E}">
